--- a/Classes/week_09/TA/simon_group/oop9.pptx
+++ b/Classes/week_09/TA/simon_group/oop9.pptx
@@ -59,37 +59,40 @@
     <p:sldId id="499" r:id="rId53"/>
     <p:sldId id="500" r:id="rId54"/>
     <p:sldId id="501" r:id="rId55"/>
-    <p:sldId id="502" r:id="rId56"/>
-    <p:sldId id="503" r:id="rId57"/>
-    <p:sldId id="504" r:id="rId58"/>
-    <p:sldId id="505" r:id="rId59"/>
-    <p:sldId id="506" r:id="rId60"/>
-    <p:sldId id="507" r:id="rId61"/>
-    <p:sldId id="508" r:id="rId62"/>
-    <p:sldId id="509" r:id="rId63"/>
-    <p:sldId id="510" r:id="rId64"/>
-    <p:sldId id="511" r:id="rId65"/>
-    <p:sldId id="512" r:id="rId66"/>
-    <p:sldId id="515" r:id="rId67"/>
-    <p:sldId id="514" r:id="rId68"/>
-    <p:sldId id="516" r:id="rId69"/>
-    <p:sldId id="517" r:id="rId70"/>
-    <p:sldId id="518" r:id="rId71"/>
-    <p:sldId id="519" r:id="rId72"/>
-    <p:sldId id="520" r:id="rId73"/>
-    <p:sldId id="521" r:id="rId74"/>
-    <p:sldId id="522" r:id="rId75"/>
-    <p:sldId id="523" r:id="rId76"/>
-    <p:sldId id="524" r:id="rId77"/>
-    <p:sldId id="458" r:id="rId78"/>
-    <p:sldId id="459" r:id="rId79"/>
-    <p:sldId id="525" r:id="rId80"/>
-    <p:sldId id="527" r:id="rId81"/>
-    <p:sldId id="528" r:id="rId82"/>
-    <p:sldId id="529" r:id="rId83"/>
-    <p:sldId id="534" r:id="rId84"/>
-    <p:sldId id="530" r:id="rId85"/>
-    <p:sldId id="366" r:id="rId86"/>
+    <p:sldId id="537" r:id="rId56"/>
+    <p:sldId id="502" r:id="rId57"/>
+    <p:sldId id="503" r:id="rId58"/>
+    <p:sldId id="504" r:id="rId59"/>
+    <p:sldId id="505" r:id="rId60"/>
+    <p:sldId id="506" r:id="rId61"/>
+    <p:sldId id="507" r:id="rId62"/>
+    <p:sldId id="508" r:id="rId63"/>
+    <p:sldId id="509" r:id="rId64"/>
+    <p:sldId id="510" r:id="rId65"/>
+    <p:sldId id="511" r:id="rId66"/>
+    <p:sldId id="512" r:id="rId67"/>
+    <p:sldId id="515" r:id="rId68"/>
+    <p:sldId id="514" r:id="rId69"/>
+    <p:sldId id="539" r:id="rId70"/>
+    <p:sldId id="536" r:id="rId71"/>
+    <p:sldId id="516" r:id="rId72"/>
+    <p:sldId id="517" r:id="rId73"/>
+    <p:sldId id="518" r:id="rId74"/>
+    <p:sldId id="519" r:id="rId75"/>
+    <p:sldId id="520" r:id="rId76"/>
+    <p:sldId id="521" r:id="rId77"/>
+    <p:sldId id="522" r:id="rId78"/>
+    <p:sldId id="523" r:id="rId79"/>
+    <p:sldId id="524" r:id="rId80"/>
+    <p:sldId id="458" r:id="rId81"/>
+    <p:sldId id="459" r:id="rId82"/>
+    <p:sldId id="525" r:id="rId83"/>
+    <p:sldId id="527" r:id="rId84"/>
+    <p:sldId id="528" r:id="rId85"/>
+    <p:sldId id="529" r:id="rId86"/>
+    <p:sldId id="534" r:id="rId87"/>
+    <p:sldId id="530" r:id="rId88"/>
+    <p:sldId id="366" r:id="rId89"/>
   </p:sldIdLst>
   <p:sldSz cx="12192000" cy="6858000"/>
   <p:notesSz cx="12192000" cy="6858000"/>
@@ -425,7 +428,7 @@
           <a:p>
             <a:fld id="{1D8BD707-D9CF-40AE-B4C6-C98DA3205C09}" type="datetimeFigureOut">
               <a:rPr lang="en-US" smtClean="0"/>
-              <a:t>12/16/2020</a:t>
+              <a:t>12/17/2020</a:t>
             </a:fld>
             <a:endParaRPr lang="en-US"/>
           </a:p>
@@ -629,7 +632,7 @@
           <a:p>
             <a:fld id="{1D8BD707-D9CF-40AE-B4C6-C98DA3205C09}" type="datetimeFigureOut">
               <a:rPr lang="en-US" smtClean="0"/>
-              <a:t>12/16/2020</a:t>
+              <a:t>12/17/2020</a:t>
             </a:fld>
             <a:endParaRPr lang="en-US"/>
           </a:p>
@@ -838,7 +841,7 @@
           <a:p>
             <a:fld id="{1D8BD707-D9CF-40AE-B4C6-C98DA3205C09}" type="datetimeFigureOut">
               <a:rPr lang="en-US"/>
-              <a:t>12/16/2020</a:t>
+              <a:t>12/17/2020</a:t>
             </a:fld>
             <a:endParaRPr lang="en-US"/>
           </a:p>
@@ -1042,7 +1045,7 @@
           <a:p>
             <a:fld id="{1D8BD707-D9CF-40AE-B4C6-C98DA3205C09}" type="datetimeFigureOut">
               <a:rPr lang="en-US" smtClean="0"/>
-              <a:t>12/16/2020</a:t>
+              <a:t>12/17/2020</a:t>
             </a:fld>
             <a:endParaRPr lang="en-US"/>
           </a:p>
@@ -13173,7 +13176,7 @@
                 <a:latin typeface="Trebuchet MS"/>
                 <a:cs typeface="Trebuchet MS"/>
               </a:rPr>
-              <a:t>Python Tuples</a:t>
+              <a:t>List Methods Complexity</a:t>
             </a:r>
           </a:p>
         </p:txBody>
@@ -13213,65 +13216,12 @@
           </a:p>
         </p:txBody>
       </p:sp>
-      <p:sp>
-        <p:nvSpPr>
-          <p:cNvPr id="10" name="תיבת טקסט 9">
-            <a:extLst>
-              <a:ext uri="{FF2B5EF4-FFF2-40B4-BE49-F238E27FC236}">
-                <a16:creationId xmlns:a16="http://schemas.microsoft.com/office/drawing/2014/main" id="{18AC4B54-B5F4-474E-9673-04DCF759462F}"/>
-              </a:ext>
-            </a:extLst>
-          </p:cNvPr>
-          <p:cNvSpPr txBox="1"/>
-          <p:nvPr/>
-        </p:nvSpPr>
-        <p:spPr>
-          <a:xfrm>
-            <a:off x="2757578" y="440521"/>
-            <a:ext cx="6508630" cy="1169551"/>
-          </a:xfrm>
-          <a:prstGeom prst="rect">
-            <a:avLst/>
-          </a:prstGeom>
-          <a:noFill/>
-        </p:spPr>
-        <p:txBody>
-          <a:bodyPr wrap="square">
-            <a:spAutoFit/>
-          </a:bodyPr>
-          <a:lstStyle/>
-          <a:p>
-            <a:r>
-              <a:rPr lang="en-US" sz="1400" dirty="0"/>
-              <a:t>Tuples are used to store multiple items in a single variable.</a:t>
-            </a:r>
-          </a:p>
-          <a:p>
-            <a:endParaRPr lang="en-US" sz="1400" dirty="0"/>
-          </a:p>
-          <a:p>
-            <a:r>
-              <a:rPr lang="en-US" sz="1400" dirty="0"/>
-              <a:t>A tuple is a collection which is ordered and unchangeable.</a:t>
-            </a:r>
-          </a:p>
-          <a:p>
-            <a:endParaRPr lang="en-US" sz="1400" dirty="0"/>
-          </a:p>
-          <a:p>
-            <a:r>
-              <a:rPr lang="en-US" sz="1400" dirty="0"/>
-              <a:t>Tuples are written with round brackets.</a:t>
-            </a:r>
-          </a:p>
-        </p:txBody>
-      </p:sp>
       <p:pic>
         <p:nvPicPr>
           <p:cNvPr id="5" name="Picture 4">
             <a:extLst>
               <a:ext uri="{FF2B5EF4-FFF2-40B4-BE49-F238E27FC236}">
-                <a16:creationId xmlns:a16="http://schemas.microsoft.com/office/drawing/2014/main" id="{A9BC4A56-8B61-4E09-AE8D-AE988EC4F431}"/>
+                <a16:creationId xmlns:a16="http://schemas.microsoft.com/office/drawing/2014/main" id="{F245BAC9-B135-4D85-A493-29B8F209ECD5}"/>
               </a:ext>
             </a:extLst>
           </p:cNvPr>
@@ -13288,149 +13238,18 @@
         </p:blipFill>
         <p:spPr>
           <a:xfrm>
-            <a:off x="2806460" y="1828800"/>
-            <a:ext cx="4595258" cy="1051651"/>
+            <a:off x="4495800" y="822677"/>
+            <a:ext cx="4715527" cy="5663666"/>
           </a:xfrm>
           <a:prstGeom prst="rect">
             <a:avLst/>
           </a:prstGeom>
         </p:spPr>
       </p:pic>
-      <p:pic>
-        <p:nvPicPr>
-          <p:cNvPr id="7" name="Picture 6">
-            <a:extLst>
-              <a:ext uri="{FF2B5EF4-FFF2-40B4-BE49-F238E27FC236}">
-                <a16:creationId xmlns:a16="http://schemas.microsoft.com/office/drawing/2014/main" id="{3CC8B7E2-3A44-469A-9A5C-851F4FE562D5}"/>
-              </a:ext>
-            </a:extLst>
-          </p:cNvPr>
-          <p:cNvPicPr>
-            <a:picLocks noChangeAspect="1"/>
-          </p:cNvPicPr>
-          <p:nvPr/>
-        </p:nvPicPr>
-        <p:blipFill>
-          <a:blip r:embed="rId3"/>
-          <a:stretch>
-            <a:fillRect/>
-          </a:stretch>
-        </p:blipFill>
-        <p:spPr>
-          <a:xfrm>
-            <a:off x="7620000" y="1828800"/>
-            <a:ext cx="2941575" cy="823031"/>
-          </a:xfrm>
-          <a:prstGeom prst="rect">
-            <a:avLst/>
-          </a:prstGeom>
-        </p:spPr>
-      </p:pic>
-      <p:sp>
-        <p:nvSpPr>
-          <p:cNvPr id="11" name="תיבת טקסט 9">
-            <a:extLst>
-              <a:ext uri="{FF2B5EF4-FFF2-40B4-BE49-F238E27FC236}">
-                <a16:creationId xmlns:a16="http://schemas.microsoft.com/office/drawing/2014/main" id="{09764D7C-9E13-4179-B9E7-F73EF9782A57}"/>
-              </a:ext>
-            </a:extLst>
-          </p:cNvPr>
-          <p:cNvSpPr txBox="1"/>
-          <p:nvPr/>
-        </p:nvSpPr>
-        <p:spPr>
-          <a:xfrm>
-            <a:off x="2757578" y="3086653"/>
-            <a:ext cx="6508630" cy="3108543"/>
-          </a:xfrm>
-          <a:prstGeom prst="rect">
-            <a:avLst/>
-          </a:prstGeom>
-          <a:noFill/>
-        </p:spPr>
-        <p:txBody>
-          <a:bodyPr wrap="square">
-            <a:spAutoFit/>
-          </a:bodyPr>
-          <a:lstStyle/>
-          <a:p>
-            <a:r>
-              <a:rPr lang="en-US" sz="1400" dirty="0"/>
-              <a:t>Tuple items are ordered, unchangeable, and allow duplicate values.</a:t>
-            </a:r>
-          </a:p>
-          <a:p>
-            <a:endParaRPr lang="en-US" sz="1400" dirty="0"/>
-          </a:p>
-          <a:p>
-            <a:r>
-              <a:rPr lang="en-US" sz="1400" dirty="0"/>
-              <a:t>Tuple items are indexed, the first item has index [0], the second item has index [1] etc.</a:t>
-            </a:r>
-          </a:p>
-          <a:p>
-            <a:endParaRPr lang="en-US" sz="1400" dirty="0"/>
-          </a:p>
-          <a:p>
-            <a:r>
-              <a:rPr lang="en-US" sz="1400" dirty="0">
-                <a:solidFill>
-                  <a:schemeClr val="accent2"/>
-                </a:solidFill>
-              </a:rPr>
-              <a:t>Ordered</a:t>
-            </a:r>
-          </a:p>
-          <a:p>
-            <a:r>
-              <a:rPr lang="en-US" sz="1400" dirty="0"/>
-              <a:t>When we say that tuples are ordered, it means that the items have a defined order, and that order will not change.</a:t>
-            </a:r>
-          </a:p>
-          <a:p>
-            <a:endParaRPr lang="en-US" sz="1400" dirty="0"/>
-          </a:p>
-          <a:p>
-            <a:r>
-              <a:rPr lang="en-US" sz="1400" dirty="0">
-                <a:solidFill>
-                  <a:schemeClr val="accent4"/>
-                </a:solidFill>
-              </a:rPr>
-              <a:t>Unchangeable</a:t>
-            </a:r>
-          </a:p>
-          <a:p>
-            <a:r>
-              <a:rPr lang="en-US" sz="1400" dirty="0"/>
-              <a:t>Tuples are unchangeable, meaning that we cannot change, add or remove items after the tuple has been created.</a:t>
-            </a:r>
-          </a:p>
-          <a:p>
-            <a:endParaRPr lang="en-US" sz="1400" dirty="0"/>
-          </a:p>
-          <a:p>
-            <a:r>
-              <a:rPr lang="en-US" sz="1400" dirty="0">
-                <a:solidFill>
-                  <a:schemeClr val="accent2"/>
-                </a:solidFill>
-              </a:rPr>
-              <a:t>Allow Duplicates</a:t>
-            </a:r>
-          </a:p>
-          <a:p>
-            <a:r>
-              <a:rPr lang="en-US" sz="1400" dirty="0"/>
-              <a:t>Since tuple are indexed, tuples can have items with the same value:</a:t>
-            </a:r>
-          </a:p>
-        </p:txBody>
-      </p:sp>
     </p:spTree>
     <p:extLst>
       <p:ext uri="{BB962C8B-B14F-4D97-AF65-F5344CB8AC3E}">
-        <p14:creationId xmlns:p14="http://schemas.microsoft.com/office/powerpoint/2010/main" val="1407559448"/>
+        <p14:creationId xmlns:p14="http://schemas.microsoft.com/office/powerpoint/2010/main" val="3999839025"/>
       </p:ext>
     </p:extLst>
   </p:cSld>
@@ -13551,7 +13370,7 @@
         <p:spPr>
           <a:xfrm>
             <a:off x="2757578" y="440521"/>
-            <a:ext cx="6508630" cy="307777"/>
+            <a:ext cx="6508630" cy="1169551"/>
           </a:xfrm>
           <a:prstGeom prst="rect">
             <a:avLst/>
@@ -13566,66 +13385,35 @@
           <a:p>
             <a:r>
               <a:rPr lang="en-US" sz="1400" dirty="0"/>
-              <a:t>To determine how many items a tuple has, use the </a:t>
-            </a:r>
-            <a:r>
-              <a:rPr lang="en-US" sz="1400" dirty="0" err="1"/>
-              <a:t>len</a:t>
-            </a:r>
+              <a:t>Tuples are used to store multiple items in a single variable.</a:t>
+            </a:r>
+          </a:p>
+          <a:p>
+            <a:endParaRPr lang="en-US" sz="1400" dirty="0"/>
+          </a:p>
+          <a:p>
             <a:r>
               <a:rPr lang="en-US" sz="1400" dirty="0"/>
-              <a:t>() function:</a:t>
-            </a:r>
-          </a:p>
-        </p:txBody>
-      </p:sp>
-      <p:sp>
-        <p:nvSpPr>
-          <p:cNvPr id="11" name="תיבת טקסט 9">
-            <a:extLst>
-              <a:ext uri="{FF2B5EF4-FFF2-40B4-BE49-F238E27FC236}">
-                <a16:creationId xmlns:a16="http://schemas.microsoft.com/office/drawing/2014/main" id="{09764D7C-9E13-4179-B9E7-F73EF9782A57}"/>
-              </a:ext>
-            </a:extLst>
-          </p:cNvPr>
-          <p:cNvSpPr txBox="1"/>
-          <p:nvPr/>
-        </p:nvSpPr>
-        <p:spPr>
-          <a:xfrm>
-            <a:off x="2792025" y="2305892"/>
-            <a:ext cx="6508630" cy="523220"/>
-          </a:xfrm>
-          <a:prstGeom prst="rect">
-            <a:avLst/>
-          </a:prstGeom>
-          <a:noFill/>
-        </p:spPr>
-        <p:txBody>
-          <a:bodyPr wrap="square">
-            <a:spAutoFit/>
-          </a:bodyPr>
-          <a:lstStyle/>
+              <a:t>A tuple is a collection which is ordered and unchangeable.</a:t>
+            </a:r>
+          </a:p>
+          <a:p>
+            <a:endParaRPr lang="en-US" sz="1400" dirty="0"/>
+          </a:p>
           <a:p>
             <a:r>
               <a:rPr lang="en-US" sz="1400" dirty="0"/>
-              <a:t>Access Tuple Items</a:t>
-            </a:r>
-          </a:p>
-          <a:p>
-            <a:r>
-              <a:rPr lang="en-US" sz="1400" dirty="0"/>
-              <a:t>You can access tuple items by referring to the index number, inside square brackets:</a:t>
+              <a:t>Tuples are written with round brackets.</a:t>
             </a:r>
           </a:p>
         </p:txBody>
       </p:sp>
       <p:pic>
         <p:nvPicPr>
-          <p:cNvPr id="4" name="Picture 3">
-            <a:extLst>
-              <a:ext uri="{FF2B5EF4-FFF2-40B4-BE49-F238E27FC236}">
-                <a16:creationId xmlns:a16="http://schemas.microsoft.com/office/drawing/2014/main" id="{EC9EAF3E-A08C-4563-9541-EBFC42433BC8}"/>
+          <p:cNvPr id="5" name="Picture 4">
+            <a:extLst>
+              <a:ext uri="{FF2B5EF4-FFF2-40B4-BE49-F238E27FC236}">
+                <a16:creationId xmlns:a16="http://schemas.microsoft.com/office/drawing/2014/main" id="{A9BC4A56-8B61-4E09-AE8D-AE988EC4F431}"/>
               </a:ext>
             </a:extLst>
           </p:cNvPr>
@@ -13642,8 +13430,8 @@
         </p:blipFill>
         <p:spPr>
           <a:xfrm>
-            <a:off x="2809814" y="1067924"/>
-            <a:ext cx="4366638" cy="1028789"/>
+            <a:off x="2806460" y="1828800"/>
+            <a:ext cx="4595258" cy="1051651"/>
           </a:xfrm>
           <a:prstGeom prst="rect">
             <a:avLst/>
@@ -13652,10 +13440,10 @@
       </p:pic>
       <p:pic>
         <p:nvPicPr>
-          <p:cNvPr id="9" name="Picture 8">
-            <a:extLst>
-              <a:ext uri="{FF2B5EF4-FFF2-40B4-BE49-F238E27FC236}">
-                <a16:creationId xmlns:a16="http://schemas.microsoft.com/office/drawing/2014/main" id="{3F4825AF-B172-477B-B8D2-C45A84CB4E4F}"/>
+          <p:cNvPr id="7" name="Picture 6">
+            <a:extLst>
+              <a:ext uri="{FF2B5EF4-FFF2-40B4-BE49-F238E27FC236}">
+                <a16:creationId xmlns:a16="http://schemas.microsoft.com/office/drawing/2014/main" id="{3CC8B7E2-3A44-469A-9A5C-851F4FE562D5}"/>
               </a:ext>
             </a:extLst>
           </p:cNvPr>
@@ -13672,78 +13460,119 @@
         </p:blipFill>
         <p:spPr>
           <a:xfrm>
-            <a:off x="7306017" y="1067924"/>
-            <a:ext cx="1211685" cy="815411"/>
+            <a:off x="7620000" y="1828800"/>
+            <a:ext cx="2941575" cy="823031"/>
           </a:xfrm>
           <a:prstGeom prst="rect">
             <a:avLst/>
           </a:prstGeom>
         </p:spPr>
       </p:pic>
-      <p:pic>
-        <p:nvPicPr>
-          <p:cNvPr id="13" name="Picture 12">
-            <a:extLst>
-              <a:ext uri="{FF2B5EF4-FFF2-40B4-BE49-F238E27FC236}">
-                <a16:creationId xmlns:a16="http://schemas.microsoft.com/office/drawing/2014/main" id="{1E0A553D-AA07-4311-9407-CDFDC9C07265}"/>
-              </a:ext>
-            </a:extLst>
-          </p:cNvPr>
-          <p:cNvPicPr>
-            <a:picLocks noChangeAspect="1"/>
-          </p:cNvPicPr>
-          <p:nvPr/>
-        </p:nvPicPr>
-        <p:blipFill>
-          <a:blip r:embed="rId4"/>
-          <a:stretch>
-            <a:fillRect/>
-          </a:stretch>
-        </p:blipFill>
-        <p:spPr>
-          <a:xfrm>
-            <a:off x="2814811" y="3105619"/>
-            <a:ext cx="4122777" cy="1097375"/>
-          </a:xfrm>
-          <a:prstGeom prst="rect">
-            <a:avLst/>
-          </a:prstGeom>
-        </p:spPr>
-      </p:pic>
-      <p:pic>
-        <p:nvPicPr>
-          <p:cNvPr id="15" name="Picture 14">
-            <a:extLst>
-              <a:ext uri="{FF2B5EF4-FFF2-40B4-BE49-F238E27FC236}">
-                <a16:creationId xmlns:a16="http://schemas.microsoft.com/office/drawing/2014/main" id="{2DFB9B13-D865-4D25-A701-307B73434CAD}"/>
-              </a:ext>
-            </a:extLst>
-          </p:cNvPr>
-          <p:cNvPicPr>
-            <a:picLocks noChangeAspect="1"/>
-          </p:cNvPicPr>
-          <p:nvPr/>
-        </p:nvPicPr>
-        <p:blipFill>
-          <a:blip r:embed="rId5"/>
-          <a:stretch>
-            <a:fillRect/>
-          </a:stretch>
-        </p:blipFill>
-        <p:spPr>
-          <a:xfrm>
-            <a:off x="2814811" y="4483676"/>
-            <a:ext cx="7262489" cy="1135478"/>
-          </a:xfrm>
-          <a:prstGeom prst="rect">
-            <a:avLst/>
-          </a:prstGeom>
-        </p:spPr>
-      </p:pic>
+      <p:sp>
+        <p:nvSpPr>
+          <p:cNvPr id="11" name="תיבת טקסט 9">
+            <a:extLst>
+              <a:ext uri="{FF2B5EF4-FFF2-40B4-BE49-F238E27FC236}">
+                <a16:creationId xmlns:a16="http://schemas.microsoft.com/office/drawing/2014/main" id="{09764D7C-9E13-4179-B9E7-F73EF9782A57}"/>
+              </a:ext>
+            </a:extLst>
+          </p:cNvPr>
+          <p:cNvSpPr txBox="1"/>
+          <p:nvPr/>
+        </p:nvSpPr>
+        <p:spPr>
+          <a:xfrm>
+            <a:off x="2757578" y="3086653"/>
+            <a:ext cx="6508630" cy="3108543"/>
+          </a:xfrm>
+          <a:prstGeom prst="rect">
+            <a:avLst/>
+          </a:prstGeom>
+          <a:noFill/>
+        </p:spPr>
+        <p:txBody>
+          <a:bodyPr wrap="square">
+            <a:spAutoFit/>
+          </a:bodyPr>
+          <a:lstStyle/>
+          <a:p>
+            <a:r>
+              <a:rPr lang="en-US" sz="1400" dirty="0"/>
+              <a:t>Tuple items are ordered, unchangeable, and allow duplicate values.</a:t>
+            </a:r>
+          </a:p>
+          <a:p>
+            <a:endParaRPr lang="en-US" sz="1400" dirty="0"/>
+          </a:p>
+          <a:p>
+            <a:r>
+              <a:rPr lang="en-US" sz="1400" dirty="0"/>
+              <a:t>Tuple items are indexed, the first item has index [0], the second item has index [1] etc.</a:t>
+            </a:r>
+          </a:p>
+          <a:p>
+            <a:endParaRPr lang="en-US" sz="1400" dirty="0"/>
+          </a:p>
+          <a:p>
+            <a:r>
+              <a:rPr lang="en-US" sz="1400" dirty="0">
+                <a:solidFill>
+                  <a:schemeClr val="accent2"/>
+                </a:solidFill>
+              </a:rPr>
+              <a:t>Ordered</a:t>
+            </a:r>
+          </a:p>
+          <a:p>
+            <a:r>
+              <a:rPr lang="en-US" sz="1400" dirty="0"/>
+              <a:t>When we say that tuples are ordered, it means that the items have a defined order, and that order will not change.</a:t>
+            </a:r>
+          </a:p>
+          <a:p>
+            <a:endParaRPr lang="en-US" sz="1400" dirty="0"/>
+          </a:p>
+          <a:p>
+            <a:r>
+              <a:rPr lang="en-US" sz="1400" dirty="0">
+                <a:solidFill>
+                  <a:schemeClr val="accent4"/>
+                </a:solidFill>
+              </a:rPr>
+              <a:t>Unchangeable</a:t>
+            </a:r>
+          </a:p>
+          <a:p>
+            <a:r>
+              <a:rPr lang="en-US" sz="1400" dirty="0"/>
+              <a:t>Tuples are unchangeable, meaning that we cannot change, add or remove items after the tuple has been created.</a:t>
+            </a:r>
+          </a:p>
+          <a:p>
+            <a:endParaRPr lang="en-US" sz="1400" dirty="0"/>
+          </a:p>
+          <a:p>
+            <a:r>
+              <a:rPr lang="en-US" sz="1400" dirty="0">
+                <a:solidFill>
+                  <a:schemeClr val="accent2"/>
+                </a:solidFill>
+              </a:rPr>
+              <a:t>Allow Duplicates</a:t>
+            </a:r>
+          </a:p>
+          <a:p>
+            <a:r>
+              <a:rPr lang="en-US" sz="1400" dirty="0"/>
+              <a:t>Since tuple are indexed, tuples can have items with the same value:</a:t>
+            </a:r>
+          </a:p>
+        </p:txBody>
+      </p:sp>
     </p:spTree>
     <p:extLst>
       <p:ext uri="{BB962C8B-B14F-4D97-AF65-F5344CB8AC3E}">
-        <p14:creationId xmlns:p14="http://schemas.microsoft.com/office/powerpoint/2010/main" val="1701572246"/>
+        <p14:creationId xmlns:p14="http://schemas.microsoft.com/office/powerpoint/2010/main" val="1407559448"/>
       </p:ext>
     </p:extLst>
   </p:cSld>
@@ -14015,7 +13844,7 @@
         </p:blipFill>
         <p:spPr>
           <a:xfrm>
-            <a:off x="2806460" y="2829112"/>
+            <a:off x="2814811" y="3105619"/>
             <a:ext cx="4122777" cy="1097375"/>
           </a:xfrm>
           <a:prstGeom prst="rect">
@@ -14045,38 +13874,8 @@
         </p:blipFill>
         <p:spPr>
           <a:xfrm>
-            <a:off x="2755490" y="4020538"/>
+            <a:off x="2814811" y="4483676"/>
             <a:ext cx="7262489" cy="1135478"/>
-          </a:xfrm>
-          <a:prstGeom prst="rect">
-            <a:avLst/>
-          </a:prstGeom>
-        </p:spPr>
-      </p:pic>
-      <p:pic>
-        <p:nvPicPr>
-          <p:cNvPr id="5" name="Picture 4">
-            <a:extLst>
-              <a:ext uri="{FF2B5EF4-FFF2-40B4-BE49-F238E27FC236}">
-                <a16:creationId xmlns:a16="http://schemas.microsoft.com/office/drawing/2014/main" id="{9A614EDA-BA3D-4E95-A261-7A4F3D341EA3}"/>
-              </a:ext>
-            </a:extLst>
-          </p:cNvPr>
-          <p:cNvPicPr>
-            <a:picLocks noChangeAspect="1"/>
-          </p:cNvPicPr>
-          <p:nvPr/>
-        </p:nvPicPr>
-        <p:blipFill>
-          <a:blip r:embed="rId6"/>
-          <a:stretch>
-            <a:fillRect/>
-          </a:stretch>
-        </p:blipFill>
-        <p:spPr>
-          <a:xfrm>
-            <a:off x="2792025" y="5368953"/>
-            <a:ext cx="6104149" cy="1272650"/>
           </a:xfrm>
           <a:prstGeom prst="rect">
             <a:avLst/>
@@ -14086,7 +13885,7 @@
     </p:spTree>
     <p:extLst>
       <p:ext uri="{BB962C8B-B14F-4D97-AF65-F5344CB8AC3E}">
-        <p14:creationId xmlns:p14="http://schemas.microsoft.com/office/powerpoint/2010/main" val="3769393256"/>
+        <p14:creationId xmlns:p14="http://schemas.microsoft.com/office/powerpoint/2010/main" val="1701572246"/>
       </p:ext>
     </p:extLst>
   </p:cSld>
@@ -14152,7 +13951,7 @@
                 <a:latin typeface="Trebuchet MS"/>
                 <a:cs typeface="Trebuchet MS"/>
               </a:rPr>
-              <a:t>Change Tuple Values</a:t>
+              <a:t>Python Tuples</a:t>
             </a:r>
           </a:p>
         </p:txBody>
@@ -14207,6 +14006,49 @@
         <p:spPr>
           <a:xfrm>
             <a:off x="2757578" y="440521"/>
+            <a:ext cx="6508630" cy="307777"/>
+          </a:xfrm>
+          <a:prstGeom prst="rect">
+            <a:avLst/>
+          </a:prstGeom>
+          <a:noFill/>
+        </p:spPr>
+        <p:txBody>
+          <a:bodyPr wrap="square">
+            <a:spAutoFit/>
+          </a:bodyPr>
+          <a:lstStyle/>
+          <a:p>
+            <a:r>
+              <a:rPr lang="en-US" sz="1400" dirty="0"/>
+              <a:t>To determine how many items a tuple has, use the </a:t>
+            </a:r>
+            <a:r>
+              <a:rPr lang="en-US" sz="1400" dirty="0" err="1"/>
+              <a:t>len</a:t>
+            </a:r>
+            <a:r>
+              <a:rPr lang="en-US" sz="1400" dirty="0"/>
+              <a:t>() function:</a:t>
+            </a:r>
+          </a:p>
+        </p:txBody>
+      </p:sp>
+      <p:sp>
+        <p:nvSpPr>
+          <p:cNvPr id="11" name="תיבת טקסט 9">
+            <a:extLst>
+              <a:ext uri="{FF2B5EF4-FFF2-40B4-BE49-F238E27FC236}">
+                <a16:creationId xmlns:a16="http://schemas.microsoft.com/office/drawing/2014/main" id="{09764D7C-9E13-4179-B9E7-F73EF9782A57}"/>
+              </a:ext>
+            </a:extLst>
+          </p:cNvPr>
+          <p:cNvSpPr txBox="1"/>
+          <p:nvPr/>
+        </p:nvSpPr>
+        <p:spPr>
+          <a:xfrm>
+            <a:off x="2792025" y="2305892"/>
             <a:ext cx="6508630" cy="523220"/>
           </a:xfrm>
           <a:prstGeom prst="rect">
@@ -14222,52 +14064,23 @@
           <a:p>
             <a:r>
               <a:rPr lang="en-US" sz="1400" dirty="0"/>
-              <a:t>Once a tuple is created, you cannot change its values. Tuples are unchangeable, or immutable as it also is called.</a:t>
-            </a:r>
-          </a:p>
-        </p:txBody>
-      </p:sp>
-      <p:sp>
-        <p:nvSpPr>
-          <p:cNvPr id="11" name="תיבת טקסט 9">
-            <a:extLst>
-              <a:ext uri="{FF2B5EF4-FFF2-40B4-BE49-F238E27FC236}">
-                <a16:creationId xmlns:a16="http://schemas.microsoft.com/office/drawing/2014/main" id="{09764D7C-9E13-4179-B9E7-F73EF9782A57}"/>
-              </a:ext>
-            </a:extLst>
-          </p:cNvPr>
-          <p:cNvSpPr txBox="1"/>
-          <p:nvPr/>
-        </p:nvSpPr>
-        <p:spPr>
-          <a:xfrm>
-            <a:off x="2841685" y="2981756"/>
-            <a:ext cx="6508630" cy="307777"/>
-          </a:xfrm>
-          <a:prstGeom prst="rect">
-            <a:avLst/>
-          </a:prstGeom>
-          <a:noFill/>
-        </p:spPr>
-        <p:txBody>
-          <a:bodyPr wrap="square">
-            <a:spAutoFit/>
-          </a:bodyPr>
-          <a:lstStyle/>
+              <a:t>Access Tuple Items</a:t>
+            </a:r>
+          </a:p>
           <a:p>
             <a:r>
               <a:rPr lang="en-US" sz="1400" dirty="0"/>
-              <a:t>Tuples are unchangeable, so you cannot remove items from it</a:t>
+              <a:t>You can access tuple items by referring to the index number, inside square brackets:</a:t>
             </a:r>
           </a:p>
         </p:txBody>
       </p:sp>
       <p:pic>
         <p:nvPicPr>
-          <p:cNvPr id="6" name="Picture 5">
-            <a:extLst>
-              <a:ext uri="{FF2B5EF4-FFF2-40B4-BE49-F238E27FC236}">
-                <a16:creationId xmlns:a16="http://schemas.microsoft.com/office/drawing/2014/main" id="{9AB6BABF-2A2E-4D98-BF64-38089D06F0CD}"/>
+          <p:cNvPr id="4" name="Picture 3">
+            <a:extLst>
+              <a:ext uri="{FF2B5EF4-FFF2-40B4-BE49-F238E27FC236}">
+                <a16:creationId xmlns:a16="http://schemas.microsoft.com/office/drawing/2014/main" id="{EC9EAF3E-A08C-4563-9541-EBFC42433BC8}"/>
               </a:ext>
             </a:extLst>
           </p:cNvPr>
@@ -14276,15 +14089,136 @@
           </p:cNvPicPr>
           <p:nvPr/>
         </p:nvPicPr>
-        <p:blipFill rotWithShape="1">
+        <p:blipFill>
           <a:blip r:embed="rId2"/>
-          <a:srcRect l="-488" t="13671" r="488" b="-2271"/>
-          <a:stretch/>
+          <a:stretch>
+            <a:fillRect/>
+          </a:stretch>
         </p:blipFill>
         <p:spPr>
           <a:xfrm>
-            <a:off x="2757578" y="963741"/>
-            <a:ext cx="6203218" cy="1830415"/>
+            <a:off x="2809814" y="1067924"/>
+            <a:ext cx="4366638" cy="1028789"/>
+          </a:xfrm>
+          <a:prstGeom prst="rect">
+            <a:avLst/>
+          </a:prstGeom>
+        </p:spPr>
+      </p:pic>
+      <p:pic>
+        <p:nvPicPr>
+          <p:cNvPr id="9" name="Picture 8">
+            <a:extLst>
+              <a:ext uri="{FF2B5EF4-FFF2-40B4-BE49-F238E27FC236}">
+                <a16:creationId xmlns:a16="http://schemas.microsoft.com/office/drawing/2014/main" id="{3F4825AF-B172-477B-B8D2-C45A84CB4E4F}"/>
+              </a:ext>
+            </a:extLst>
+          </p:cNvPr>
+          <p:cNvPicPr>
+            <a:picLocks noChangeAspect="1"/>
+          </p:cNvPicPr>
+          <p:nvPr/>
+        </p:nvPicPr>
+        <p:blipFill>
+          <a:blip r:embed="rId3"/>
+          <a:stretch>
+            <a:fillRect/>
+          </a:stretch>
+        </p:blipFill>
+        <p:spPr>
+          <a:xfrm>
+            <a:off x="7306017" y="1067924"/>
+            <a:ext cx="1211685" cy="815411"/>
+          </a:xfrm>
+          <a:prstGeom prst="rect">
+            <a:avLst/>
+          </a:prstGeom>
+        </p:spPr>
+      </p:pic>
+      <p:pic>
+        <p:nvPicPr>
+          <p:cNvPr id="13" name="Picture 12">
+            <a:extLst>
+              <a:ext uri="{FF2B5EF4-FFF2-40B4-BE49-F238E27FC236}">
+                <a16:creationId xmlns:a16="http://schemas.microsoft.com/office/drawing/2014/main" id="{1E0A553D-AA07-4311-9407-CDFDC9C07265}"/>
+              </a:ext>
+            </a:extLst>
+          </p:cNvPr>
+          <p:cNvPicPr>
+            <a:picLocks noChangeAspect="1"/>
+          </p:cNvPicPr>
+          <p:nvPr/>
+        </p:nvPicPr>
+        <p:blipFill>
+          <a:blip r:embed="rId4"/>
+          <a:stretch>
+            <a:fillRect/>
+          </a:stretch>
+        </p:blipFill>
+        <p:spPr>
+          <a:xfrm>
+            <a:off x="2806460" y="2829112"/>
+            <a:ext cx="4122777" cy="1097375"/>
+          </a:xfrm>
+          <a:prstGeom prst="rect">
+            <a:avLst/>
+          </a:prstGeom>
+        </p:spPr>
+      </p:pic>
+      <p:pic>
+        <p:nvPicPr>
+          <p:cNvPr id="15" name="Picture 14">
+            <a:extLst>
+              <a:ext uri="{FF2B5EF4-FFF2-40B4-BE49-F238E27FC236}">
+                <a16:creationId xmlns:a16="http://schemas.microsoft.com/office/drawing/2014/main" id="{2DFB9B13-D865-4D25-A701-307B73434CAD}"/>
+              </a:ext>
+            </a:extLst>
+          </p:cNvPr>
+          <p:cNvPicPr>
+            <a:picLocks noChangeAspect="1"/>
+          </p:cNvPicPr>
+          <p:nvPr/>
+        </p:nvPicPr>
+        <p:blipFill>
+          <a:blip r:embed="rId5"/>
+          <a:stretch>
+            <a:fillRect/>
+          </a:stretch>
+        </p:blipFill>
+        <p:spPr>
+          <a:xfrm>
+            <a:off x="2755490" y="4020538"/>
+            <a:ext cx="7262489" cy="1135478"/>
+          </a:xfrm>
+          <a:prstGeom prst="rect">
+            <a:avLst/>
+          </a:prstGeom>
+        </p:spPr>
+      </p:pic>
+      <p:pic>
+        <p:nvPicPr>
+          <p:cNvPr id="5" name="Picture 4">
+            <a:extLst>
+              <a:ext uri="{FF2B5EF4-FFF2-40B4-BE49-F238E27FC236}">
+                <a16:creationId xmlns:a16="http://schemas.microsoft.com/office/drawing/2014/main" id="{9A614EDA-BA3D-4E95-A261-7A4F3D341EA3}"/>
+              </a:ext>
+            </a:extLst>
+          </p:cNvPr>
+          <p:cNvPicPr>
+            <a:picLocks noChangeAspect="1"/>
+          </p:cNvPicPr>
+          <p:nvPr/>
+        </p:nvPicPr>
+        <p:blipFill>
+          <a:blip r:embed="rId6"/>
+          <a:stretch>
+            <a:fillRect/>
+          </a:stretch>
+        </p:blipFill>
+        <p:spPr>
+          <a:xfrm>
+            <a:off x="2792025" y="5368953"/>
+            <a:ext cx="6104149" cy="1272650"/>
           </a:xfrm>
           <a:prstGeom prst="rect">
             <a:avLst/>
@@ -14294,7 +14228,7 @@
     </p:spTree>
     <p:extLst>
       <p:ext uri="{BB962C8B-B14F-4D97-AF65-F5344CB8AC3E}">
-        <p14:creationId xmlns:p14="http://schemas.microsoft.com/office/powerpoint/2010/main" val="3679946432"/>
+        <p14:creationId xmlns:p14="http://schemas.microsoft.com/office/powerpoint/2010/main" val="3769393256"/>
       </p:ext>
     </p:extLst>
   </p:cSld>
@@ -14360,7 +14294,7 @@
                 <a:latin typeface="Trebuchet MS"/>
                 <a:cs typeface="Trebuchet MS"/>
               </a:rPr>
-              <a:t>Python - Unpack Tuples</a:t>
+              <a:t>Change Tuple Values</a:t>
             </a:r>
           </a:p>
         </p:txBody>
@@ -14415,7 +14349,7 @@
         <p:spPr>
           <a:xfrm>
             <a:off x="2757578" y="440521"/>
-            <a:ext cx="6508630" cy="738664"/>
+            <a:ext cx="6508630" cy="523220"/>
           </a:xfrm>
           <a:prstGeom prst="rect">
             <a:avLst/>
@@ -14430,23 +14364,52 @@
           <a:p>
             <a:r>
               <a:rPr lang="en-US" sz="1400" dirty="0"/>
-              <a:t>Unpacking a Tuple</a:t>
-            </a:r>
-          </a:p>
+              <a:t>Once a tuple is created, you cannot change its values. Tuples are unchangeable, or immutable as it also is called.</a:t>
+            </a:r>
+          </a:p>
+        </p:txBody>
+      </p:sp>
+      <p:sp>
+        <p:nvSpPr>
+          <p:cNvPr id="11" name="תיבת טקסט 9">
+            <a:extLst>
+              <a:ext uri="{FF2B5EF4-FFF2-40B4-BE49-F238E27FC236}">
+                <a16:creationId xmlns:a16="http://schemas.microsoft.com/office/drawing/2014/main" id="{09764D7C-9E13-4179-B9E7-F73EF9782A57}"/>
+              </a:ext>
+            </a:extLst>
+          </p:cNvPr>
+          <p:cNvSpPr txBox="1"/>
+          <p:nvPr/>
+        </p:nvSpPr>
+        <p:spPr>
+          <a:xfrm>
+            <a:off x="2841685" y="2981756"/>
+            <a:ext cx="6508630" cy="307777"/>
+          </a:xfrm>
+          <a:prstGeom prst="rect">
+            <a:avLst/>
+          </a:prstGeom>
+          <a:noFill/>
+        </p:spPr>
+        <p:txBody>
+          <a:bodyPr wrap="square">
+            <a:spAutoFit/>
+          </a:bodyPr>
+          <a:lstStyle/>
           <a:p>
             <a:r>
               <a:rPr lang="en-US" sz="1400" dirty="0"/>
-              <a:t>When we create a tuple, we normally assign values to it. This is called "packing" a tuple:</a:t>
+              <a:t>Tuples are unchangeable, so you cannot remove items from it</a:t>
             </a:r>
           </a:p>
         </p:txBody>
       </p:sp>
       <p:pic>
         <p:nvPicPr>
-          <p:cNvPr id="4" name="Picture 3">
-            <a:extLst>
-              <a:ext uri="{FF2B5EF4-FFF2-40B4-BE49-F238E27FC236}">
-                <a16:creationId xmlns:a16="http://schemas.microsoft.com/office/drawing/2014/main" id="{691ADF9F-9B86-468F-80F2-6AE9FD655C5D}"/>
+          <p:cNvPr id="6" name="Picture 5">
+            <a:extLst>
+              <a:ext uri="{FF2B5EF4-FFF2-40B4-BE49-F238E27FC236}">
+                <a16:creationId xmlns:a16="http://schemas.microsoft.com/office/drawing/2014/main" id="{9AB6BABF-2A2E-4D98-BF64-38089D06F0CD}"/>
               </a:ext>
             </a:extLst>
           </p:cNvPr>
@@ -14455,87 +14418,15 @@
           </p:cNvPicPr>
           <p:nvPr/>
         </p:nvPicPr>
-        <p:blipFill>
+        <p:blipFill rotWithShape="1">
           <a:blip r:embed="rId2"/>
-          <a:stretch>
-            <a:fillRect/>
-          </a:stretch>
+          <a:srcRect l="-488" t="13671" r="488" b="-2271"/>
+          <a:stretch/>
         </p:blipFill>
         <p:spPr>
           <a:xfrm>
-            <a:off x="2841685" y="1348835"/>
-            <a:ext cx="3726503" cy="922100"/>
-          </a:xfrm>
-          <a:prstGeom prst="rect">
-            <a:avLst/>
-          </a:prstGeom>
-        </p:spPr>
-      </p:pic>
-      <p:sp>
-        <p:nvSpPr>
-          <p:cNvPr id="9" name="תיבת טקסט 9">
-            <a:extLst>
-              <a:ext uri="{FF2B5EF4-FFF2-40B4-BE49-F238E27FC236}">
-                <a16:creationId xmlns:a16="http://schemas.microsoft.com/office/drawing/2014/main" id="{170F62E4-C937-49ED-9403-EBBCB9B6C876}"/>
-              </a:ext>
-            </a:extLst>
-          </p:cNvPr>
-          <p:cNvSpPr txBox="1"/>
-          <p:nvPr/>
-        </p:nvSpPr>
-        <p:spPr>
-          <a:xfrm>
-            <a:off x="2806460" y="2362200"/>
-            <a:ext cx="6508630" cy="738664"/>
-          </a:xfrm>
-          <a:prstGeom prst="rect">
-            <a:avLst/>
-          </a:prstGeom>
-          <a:noFill/>
-        </p:spPr>
-        <p:txBody>
-          <a:bodyPr wrap="square">
-            <a:spAutoFit/>
-          </a:bodyPr>
-          <a:lstStyle/>
-          <a:p>
-            <a:r>
-              <a:rPr lang="en-US" sz="1400" dirty="0"/>
-              <a:t>Unpacking a Tuple</a:t>
-            </a:r>
-          </a:p>
-          <a:p>
-            <a:r>
-              <a:rPr lang="en-US" sz="1400" dirty="0"/>
-              <a:t>When we create a tuple, we normally assign values to it. This is called "packing" a tuple:</a:t>
-            </a:r>
-          </a:p>
-        </p:txBody>
-      </p:sp>
-      <p:pic>
-        <p:nvPicPr>
-          <p:cNvPr id="7" name="Picture 6">
-            <a:extLst>
-              <a:ext uri="{FF2B5EF4-FFF2-40B4-BE49-F238E27FC236}">
-                <a16:creationId xmlns:a16="http://schemas.microsoft.com/office/drawing/2014/main" id="{FF57C9C0-5E8C-4C5E-B7C0-FCB5C705C234}"/>
-              </a:ext>
-            </a:extLst>
-          </p:cNvPr>
-          <p:cNvPicPr>
-            <a:picLocks noChangeAspect="1"/>
-          </p:cNvPicPr>
-          <p:nvPr/>
-        </p:nvPicPr>
-        <p:blipFill>
-          <a:blip r:embed="rId3"/>
-          <a:stretch>
-            <a:fillRect/>
-          </a:stretch>
-        </p:blipFill>
-        <p:spPr>
-          <a:xfrm>
-            <a:off x="2895600" y="3222400"/>
-            <a:ext cx="4267570" cy="2217612"/>
+            <a:off x="2757578" y="963741"/>
+            <a:ext cx="6203218" cy="1830415"/>
           </a:xfrm>
           <a:prstGeom prst="rect">
             <a:avLst/>
@@ -14545,7 +14436,7 @@
     </p:spTree>
     <p:extLst>
       <p:ext uri="{BB962C8B-B14F-4D97-AF65-F5344CB8AC3E}">
-        <p14:creationId xmlns:p14="http://schemas.microsoft.com/office/powerpoint/2010/main" val="1394424172"/>
+        <p14:creationId xmlns:p14="http://schemas.microsoft.com/office/powerpoint/2010/main" val="3679946432"/>
       </p:ext>
     </p:extLst>
   </p:cSld>
@@ -14799,7 +14690,7 @@
                 <a:latin typeface="Trebuchet MS"/>
                 <a:cs typeface="Trebuchet MS"/>
               </a:rPr>
-              <a:t>Tuples</a:t>
+              <a:t>Python - Unpack Tuples</a:t>
             </a:r>
           </a:p>
         </p:txBody>
@@ -14854,7 +14745,7 @@
         <p:spPr>
           <a:xfrm>
             <a:off x="2757578" y="440521"/>
-            <a:ext cx="6508630" cy="307777"/>
+            <a:ext cx="6508630" cy="738664"/>
           </a:xfrm>
           <a:prstGeom prst="rect">
             <a:avLst/>
@@ -14869,52 +14760,23 @@
           <a:p>
             <a:r>
               <a:rPr lang="en-US" sz="1400" dirty="0"/>
-              <a:t>To join two or more tuples you can use the + operator</a:t>
-            </a:r>
-          </a:p>
-        </p:txBody>
-      </p:sp>
-      <p:sp>
-        <p:nvSpPr>
-          <p:cNvPr id="9" name="תיבת טקסט 9">
-            <a:extLst>
-              <a:ext uri="{FF2B5EF4-FFF2-40B4-BE49-F238E27FC236}">
-                <a16:creationId xmlns:a16="http://schemas.microsoft.com/office/drawing/2014/main" id="{170F62E4-C937-49ED-9403-EBBCB9B6C876}"/>
-              </a:ext>
-            </a:extLst>
-          </p:cNvPr>
-          <p:cNvSpPr txBox="1"/>
-          <p:nvPr/>
-        </p:nvSpPr>
-        <p:spPr>
-          <a:xfrm>
-            <a:off x="2806460" y="2500898"/>
-            <a:ext cx="8928340" cy="307777"/>
-          </a:xfrm>
-          <a:prstGeom prst="rect">
-            <a:avLst/>
-          </a:prstGeom>
-          <a:noFill/>
-        </p:spPr>
-        <p:txBody>
-          <a:bodyPr wrap="square">
-            <a:spAutoFit/>
-          </a:bodyPr>
-          <a:lstStyle/>
+              <a:t>Unpacking a Tuple</a:t>
+            </a:r>
+          </a:p>
           <a:p>
             <a:r>
               <a:rPr lang="en-US" sz="1400" dirty="0"/>
-              <a:t>If you want to multiply the content of a tuple a given number of times, you can use the * operator:</a:t>
+              <a:t>When we create a tuple, we normally assign values to it. This is called "packing" a tuple:</a:t>
             </a:r>
           </a:p>
         </p:txBody>
       </p:sp>
       <p:pic>
         <p:nvPicPr>
-          <p:cNvPr id="5" name="Picture 4">
-            <a:extLst>
-              <a:ext uri="{FF2B5EF4-FFF2-40B4-BE49-F238E27FC236}">
-                <a16:creationId xmlns:a16="http://schemas.microsoft.com/office/drawing/2014/main" id="{F1AF7C9B-8931-4042-8CEF-742D14FB0259}"/>
+          <p:cNvPr id="4" name="Picture 3">
+            <a:extLst>
+              <a:ext uri="{FF2B5EF4-FFF2-40B4-BE49-F238E27FC236}">
+                <a16:creationId xmlns:a16="http://schemas.microsoft.com/office/drawing/2014/main" id="{691ADF9F-9B86-468F-80F2-6AE9FD655C5D}"/>
               </a:ext>
             </a:extLst>
           </p:cNvPr>
@@ -14931,20 +14793,61 @@
         </p:blipFill>
         <p:spPr>
           <a:xfrm>
-            <a:off x="2809592" y="701735"/>
-            <a:ext cx="3398815" cy="1707028"/>
+            <a:off x="2841685" y="1348835"/>
+            <a:ext cx="3726503" cy="922100"/>
           </a:xfrm>
           <a:prstGeom prst="rect">
             <a:avLst/>
           </a:prstGeom>
         </p:spPr>
       </p:pic>
+      <p:sp>
+        <p:nvSpPr>
+          <p:cNvPr id="9" name="תיבת טקסט 9">
+            <a:extLst>
+              <a:ext uri="{FF2B5EF4-FFF2-40B4-BE49-F238E27FC236}">
+                <a16:creationId xmlns:a16="http://schemas.microsoft.com/office/drawing/2014/main" id="{170F62E4-C937-49ED-9403-EBBCB9B6C876}"/>
+              </a:ext>
+            </a:extLst>
+          </p:cNvPr>
+          <p:cNvSpPr txBox="1"/>
+          <p:nvPr/>
+        </p:nvSpPr>
+        <p:spPr>
+          <a:xfrm>
+            <a:off x="2806460" y="2362200"/>
+            <a:ext cx="6508630" cy="738664"/>
+          </a:xfrm>
+          <a:prstGeom prst="rect">
+            <a:avLst/>
+          </a:prstGeom>
+          <a:noFill/>
+        </p:spPr>
+        <p:txBody>
+          <a:bodyPr wrap="square">
+            <a:spAutoFit/>
+          </a:bodyPr>
+          <a:lstStyle/>
+          <a:p>
+            <a:r>
+              <a:rPr lang="en-US" sz="1400" dirty="0"/>
+              <a:t>Unpacking a Tuple</a:t>
+            </a:r>
+          </a:p>
+          <a:p>
+            <a:r>
+              <a:rPr lang="en-US" sz="1400" dirty="0"/>
+              <a:t>When we create a tuple, we normally assign values to it. This is called "packing" a tuple:</a:t>
+            </a:r>
+          </a:p>
+        </p:txBody>
+      </p:sp>
       <p:pic>
         <p:nvPicPr>
-          <p:cNvPr id="11" name="Picture 10">
-            <a:extLst>
-              <a:ext uri="{FF2B5EF4-FFF2-40B4-BE49-F238E27FC236}">
-                <a16:creationId xmlns:a16="http://schemas.microsoft.com/office/drawing/2014/main" id="{FA38FE40-8243-4512-84B9-45C34C46D4AA}"/>
+          <p:cNvPr id="7" name="Picture 6">
+            <a:extLst>
+              <a:ext uri="{FF2B5EF4-FFF2-40B4-BE49-F238E27FC236}">
+                <a16:creationId xmlns:a16="http://schemas.microsoft.com/office/drawing/2014/main" id="{FF57C9C0-5E8C-4C5E-B7C0-FCB5C705C234}"/>
               </a:ext>
             </a:extLst>
           </p:cNvPr>
@@ -14961,38 +14864,8 @@
         </p:blipFill>
         <p:spPr>
           <a:xfrm>
-            <a:off x="2858022" y="2956014"/>
-            <a:ext cx="4198984" cy="1516511"/>
-          </a:xfrm>
-          <a:prstGeom prst="rect">
-            <a:avLst/>
-          </a:prstGeom>
-        </p:spPr>
-      </p:pic>
-      <p:pic>
-        <p:nvPicPr>
-          <p:cNvPr id="13" name="Picture 12">
-            <a:extLst>
-              <a:ext uri="{FF2B5EF4-FFF2-40B4-BE49-F238E27FC236}">
-                <a16:creationId xmlns:a16="http://schemas.microsoft.com/office/drawing/2014/main" id="{941A9AA6-A30F-4210-9399-0462D479177C}"/>
-              </a:ext>
-            </a:extLst>
-          </p:cNvPr>
-          <p:cNvPicPr>
-            <a:picLocks noChangeAspect="1"/>
-          </p:cNvPicPr>
-          <p:nvPr/>
-        </p:nvPicPr>
-        <p:blipFill>
-          <a:blip r:embed="rId4"/>
-          <a:stretch>
-            <a:fillRect/>
-          </a:stretch>
-        </p:blipFill>
-        <p:spPr>
-          <a:xfrm>
-            <a:off x="2858022" y="4724400"/>
-            <a:ext cx="8229600" cy="1783453"/>
+            <a:off x="2895600" y="3222400"/>
+            <a:ext cx="4267570" cy="2217612"/>
           </a:xfrm>
           <a:prstGeom prst="rect">
             <a:avLst/>
@@ -15002,7 +14875,7 @@
     </p:spTree>
     <p:extLst>
       <p:ext uri="{BB962C8B-B14F-4D97-AF65-F5344CB8AC3E}">
-        <p14:creationId xmlns:p14="http://schemas.microsoft.com/office/powerpoint/2010/main" val="698181223"/>
+        <p14:creationId xmlns:p14="http://schemas.microsoft.com/office/powerpoint/2010/main" val="1394424172"/>
       </p:ext>
     </p:extLst>
   </p:cSld>
@@ -15068,7 +14941,7 @@
                 <a:latin typeface="Trebuchet MS"/>
                 <a:cs typeface="Trebuchet MS"/>
               </a:rPr>
-              <a:t>Python Dictionaries</a:t>
+              <a:t>Tuples</a:t>
             </a:r>
           </a:p>
         </p:txBody>
@@ -15123,7 +14996,7 @@
         <p:spPr>
           <a:xfrm>
             <a:off x="2757578" y="440521"/>
-            <a:ext cx="9129622" cy="1169551"/>
+            <a:ext cx="6508630" cy="307777"/>
           </a:xfrm>
           <a:prstGeom prst="rect">
             <a:avLst/>
@@ -15138,43 +15011,52 @@
           <a:p>
             <a:r>
               <a:rPr lang="en-US" sz="1400" dirty="0"/>
-              <a:t>Dictionaries are used to store data values in </a:t>
-            </a:r>
-            <a:r>
-              <a:rPr lang="en-US" sz="1400" dirty="0" err="1"/>
-              <a:t>key:value</a:t>
-            </a:r>
+              <a:t>To join two or more tuples you can use the + operator</a:t>
+            </a:r>
+          </a:p>
+        </p:txBody>
+      </p:sp>
+      <p:sp>
+        <p:nvSpPr>
+          <p:cNvPr id="9" name="תיבת טקסט 9">
+            <a:extLst>
+              <a:ext uri="{FF2B5EF4-FFF2-40B4-BE49-F238E27FC236}">
+                <a16:creationId xmlns:a16="http://schemas.microsoft.com/office/drawing/2014/main" id="{170F62E4-C937-49ED-9403-EBBCB9B6C876}"/>
+              </a:ext>
+            </a:extLst>
+          </p:cNvPr>
+          <p:cNvSpPr txBox="1"/>
+          <p:nvPr/>
+        </p:nvSpPr>
+        <p:spPr>
+          <a:xfrm>
+            <a:off x="2806460" y="2500898"/>
+            <a:ext cx="8928340" cy="307777"/>
+          </a:xfrm>
+          <a:prstGeom prst="rect">
+            <a:avLst/>
+          </a:prstGeom>
+          <a:noFill/>
+        </p:spPr>
+        <p:txBody>
+          <a:bodyPr wrap="square">
+            <a:spAutoFit/>
+          </a:bodyPr>
+          <a:lstStyle/>
+          <a:p>
             <a:r>
               <a:rPr lang="en-US" sz="1400" dirty="0"/>
-              <a:t> pairs.</a:t>
-            </a:r>
-          </a:p>
-          <a:p>
-            <a:endParaRPr lang="en-US" sz="1400" dirty="0"/>
-          </a:p>
-          <a:p>
-            <a:r>
-              <a:rPr lang="en-US" sz="1400" dirty="0"/>
-              <a:t>A dictionary is a collection which is unordered, changeable and does not allow duplicates.</a:t>
-            </a:r>
-          </a:p>
-          <a:p>
-            <a:endParaRPr lang="en-US" sz="1400" dirty="0"/>
-          </a:p>
-          <a:p>
-            <a:r>
-              <a:rPr lang="en-US" sz="1400" dirty="0"/>
-              <a:t>Dictionaries are written with curly brackets, and have keys and values:</a:t>
+              <a:t>If you want to multiply the content of a tuple a given number of times, you can use the * operator:</a:t>
             </a:r>
           </a:p>
         </p:txBody>
       </p:sp>
       <p:pic>
         <p:nvPicPr>
-          <p:cNvPr id="4" name="Picture 3">
-            <a:extLst>
-              <a:ext uri="{FF2B5EF4-FFF2-40B4-BE49-F238E27FC236}">
-                <a16:creationId xmlns:a16="http://schemas.microsoft.com/office/drawing/2014/main" id="{D9AEF32A-5469-4387-A5D1-7843C0B471CC}"/>
+          <p:cNvPr id="5" name="Picture 4">
+            <a:extLst>
+              <a:ext uri="{FF2B5EF4-FFF2-40B4-BE49-F238E27FC236}">
+                <a16:creationId xmlns:a16="http://schemas.microsoft.com/office/drawing/2014/main" id="{F1AF7C9B-8931-4042-8CEF-742D14FB0259}"/>
               </a:ext>
             </a:extLst>
           </p:cNvPr>
@@ -15191,8 +15073,8 @@
         </p:blipFill>
         <p:spPr>
           <a:xfrm>
-            <a:off x="2818986" y="1741698"/>
-            <a:ext cx="3749365" cy="1912786"/>
+            <a:off x="2809592" y="701735"/>
+            <a:ext cx="3398815" cy="1707028"/>
           </a:xfrm>
           <a:prstGeom prst="rect">
             <a:avLst/>
@@ -15201,10 +15083,10 @@
       </p:pic>
       <p:pic>
         <p:nvPicPr>
-          <p:cNvPr id="7" name="Picture 6">
-            <a:extLst>
-              <a:ext uri="{FF2B5EF4-FFF2-40B4-BE49-F238E27FC236}">
-                <a16:creationId xmlns:a16="http://schemas.microsoft.com/office/drawing/2014/main" id="{9B3C0FB6-7DEF-4EB7-8BF4-93ED6B074969}"/>
+          <p:cNvPr id="11" name="Picture 10">
+            <a:extLst>
+              <a:ext uri="{FF2B5EF4-FFF2-40B4-BE49-F238E27FC236}">
+                <a16:creationId xmlns:a16="http://schemas.microsoft.com/office/drawing/2014/main" id="{FA38FE40-8243-4512-84B9-45C34C46D4AA}"/>
               </a:ext>
             </a:extLst>
           </p:cNvPr>
@@ -15221,78 +15103,20 @@
         </p:blipFill>
         <p:spPr>
           <a:xfrm>
-            <a:off x="6705600" y="1741698"/>
-            <a:ext cx="3962400" cy="1078768"/>
+            <a:off x="2858022" y="2956014"/>
+            <a:ext cx="4198984" cy="1516511"/>
           </a:xfrm>
           <a:prstGeom prst="rect">
             <a:avLst/>
           </a:prstGeom>
         </p:spPr>
       </p:pic>
-      <p:sp>
-        <p:nvSpPr>
-          <p:cNvPr id="14" name="תיבת טקסט 9">
-            <a:extLst>
-              <a:ext uri="{FF2B5EF4-FFF2-40B4-BE49-F238E27FC236}">
-                <a16:creationId xmlns:a16="http://schemas.microsoft.com/office/drawing/2014/main" id="{D385D61B-E72C-4D09-B5E9-FE75712C00EE}"/>
-              </a:ext>
-            </a:extLst>
-          </p:cNvPr>
-          <p:cNvSpPr txBox="1"/>
-          <p:nvPr/>
-        </p:nvSpPr>
-        <p:spPr>
-          <a:xfrm>
-            <a:off x="2910411" y="3886200"/>
-            <a:ext cx="9129622" cy="954107"/>
-          </a:xfrm>
-          <a:prstGeom prst="rect">
-            <a:avLst/>
-          </a:prstGeom>
-          <a:noFill/>
-        </p:spPr>
-        <p:txBody>
-          <a:bodyPr wrap="square">
-            <a:spAutoFit/>
-          </a:bodyPr>
-          <a:lstStyle/>
-          <a:p>
-            <a:r>
-              <a:rPr lang="en-US" sz="1400" dirty="0"/>
-              <a:t>Dictionary Items</a:t>
-            </a:r>
-          </a:p>
-          <a:p>
-            <a:r>
-              <a:rPr lang="en-US" sz="1400" dirty="0"/>
-              <a:t>Dictionary items are unordered, changeable, and does not allow duplicates.</a:t>
-            </a:r>
-          </a:p>
-          <a:p>
-            <a:endParaRPr lang="en-US" sz="1400" dirty="0"/>
-          </a:p>
-          <a:p>
-            <a:r>
-              <a:rPr lang="en-US" sz="1400" dirty="0"/>
-              <a:t>Dictionary items are presented in </a:t>
-            </a:r>
-            <a:r>
-              <a:rPr lang="en-US" sz="1400" dirty="0" err="1"/>
-              <a:t>key:value</a:t>
-            </a:r>
-            <a:r>
-              <a:rPr lang="en-US" sz="1400" dirty="0"/>
-              <a:t> pairs, and can be referred to by using the key name.</a:t>
-            </a:r>
-          </a:p>
-        </p:txBody>
-      </p:sp>
       <p:pic>
         <p:nvPicPr>
-          <p:cNvPr id="15" name="Picture 14">
-            <a:extLst>
-              <a:ext uri="{FF2B5EF4-FFF2-40B4-BE49-F238E27FC236}">
-                <a16:creationId xmlns:a16="http://schemas.microsoft.com/office/drawing/2014/main" id="{B8DB99AC-D766-4160-BBDD-C9E611617540}"/>
+          <p:cNvPr id="13" name="Picture 12">
+            <a:extLst>
+              <a:ext uri="{FF2B5EF4-FFF2-40B4-BE49-F238E27FC236}">
+                <a16:creationId xmlns:a16="http://schemas.microsoft.com/office/drawing/2014/main" id="{941A9AA6-A30F-4210-9399-0462D479177C}"/>
               </a:ext>
             </a:extLst>
           </p:cNvPr>
@@ -15309,8 +15133,8 @@
         </p:blipFill>
         <p:spPr>
           <a:xfrm>
-            <a:off x="2910411" y="4889489"/>
-            <a:ext cx="3863675" cy="1882303"/>
+            <a:off x="2858022" y="4724400"/>
+            <a:ext cx="8229600" cy="1783453"/>
           </a:xfrm>
           <a:prstGeom prst="rect">
             <a:avLst/>
@@ -15320,7 +15144,7 @@
     </p:spTree>
     <p:extLst>
       <p:ext uri="{BB962C8B-B14F-4D97-AF65-F5344CB8AC3E}">
-        <p14:creationId xmlns:p14="http://schemas.microsoft.com/office/powerpoint/2010/main" val="25831765"/>
+        <p14:creationId xmlns:p14="http://schemas.microsoft.com/office/powerpoint/2010/main" val="698181223"/>
       </p:ext>
     </p:extLst>
   </p:cSld>
@@ -15441,7 +15265,7 @@
         <p:spPr>
           <a:xfrm>
             <a:off x="2757578" y="440521"/>
-            <a:ext cx="9129622" cy="2031325"/>
+            <a:ext cx="9129622" cy="1169551"/>
           </a:xfrm>
           <a:prstGeom prst="rect">
             <a:avLst/>
@@ -15455,18 +15279,16 @@
           <a:lstStyle/>
           <a:p>
             <a:r>
-              <a:rPr lang="en-US" sz="1400" dirty="0">
-                <a:solidFill>
-                  <a:schemeClr val="accent2"/>
-                </a:solidFill>
-              </a:rPr>
-              <a:t>Unordered</a:t>
-            </a:r>
-          </a:p>
-          <a:p>
-            <a:r>
               <a:rPr lang="en-US" sz="1400" dirty="0"/>
-              <a:t>When we say that dictionaries are unordered, it means that the items does not have a defined order, you cannot refer to an item by using an index.</a:t>
+              <a:t>Dictionaries are used to store data values in </a:t>
+            </a:r>
+            <a:r>
+              <a:rPr lang="en-US" sz="1400" dirty="0" err="1"/>
+              <a:t>key:value</a:t>
+            </a:r>
+            <a:r>
+              <a:rPr lang="en-US" sz="1400" dirty="0"/>
+              <a:t> pairs.</a:t>
             </a:r>
           </a:p>
           <a:p>
@@ -15474,18 +15296,8 @@
           </a:p>
           <a:p>
             <a:r>
-              <a:rPr lang="en-US" sz="1400" dirty="0">
-                <a:solidFill>
-                  <a:schemeClr val="accent2"/>
-                </a:solidFill>
-              </a:rPr>
-              <a:t>Changeable</a:t>
-            </a:r>
-          </a:p>
-          <a:p>
-            <a:r>
               <a:rPr lang="en-US" sz="1400" dirty="0"/>
-              <a:t>Dictionaries are changeable, meaning that we can change, add or remove items after the dictionary has been created.</a:t>
+              <a:t>A dictionary is a collection which is unordered, changeable and does not allow duplicates.</a:t>
             </a:r>
           </a:p>
           <a:p>
@@ -15493,28 +15305,18 @@
           </a:p>
           <a:p>
             <a:r>
-              <a:rPr lang="en-US" sz="1400" dirty="0">
-                <a:solidFill>
-                  <a:schemeClr val="accent4"/>
-                </a:solidFill>
-              </a:rPr>
-              <a:t>Duplicates Not Allowed</a:t>
-            </a:r>
-          </a:p>
-          <a:p>
-            <a:r>
               <a:rPr lang="en-US" sz="1400" dirty="0"/>
-              <a:t>Dictionaries cannot have two items with the same key:</a:t>
+              <a:t>Dictionaries are written with curly brackets, and have keys and values:</a:t>
             </a:r>
           </a:p>
         </p:txBody>
       </p:sp>
       <p:pic>
         <p:nvPicPr>
-          <p:cNvPr id="5" name="Picture 4">
-            <a:extLst>
-              <a:ext uri="{FF2B5EF4-FFF2-40B4-BE49-F238E27FC236}">
-                <a16:creationId xmlns:a16="http://schemas.microsoft.com/office/drawing/2014/main" id="{2A417EA8-ED52-4CA9-9CFD-F9F06A5B697F}"/>
+          <p:cNvPr id="4" name="Picture 3">
+            <a:extLst>
+              <a:ext uri="{FF2B5EF4-FFF2-40B4-BE49-F238E27FC236}">
+                <a16:creationId xmlns:a16="http://schemas.microsoft.com/office/drawing/2014/main" id="{D9AEF32A-5469-4387-A5D1-7843C0B471CC}"/>
               </a:ext>
             </a:extLst>
           </p:cNvPr>
@@ -15531,8 +15333,8 @@
         </p:blipFill>
         <p:spPr>
           <a:xfrm>
-            <a:off x="2875767" y="2613082"/>
-            <a:ext cx="4618120" cy="2133785"/>
+            <a:off x="2818986" y="1741698"/>
+            <a:ext cx="3749365" cy="1912786"/>
           </a:xfrm>
           <a:prstGeom prst="rect">
             <a:avLst/>
@@ -15541,10 +15343,10 @@
       </p:pic>
       <p:pic>
         <p:nvPicPr>
-          <p:cNvPr id="9" name="Picture 8">
-            <a:extLst>
-              <a:ext uri="{FF2B5EF4-FFF2-40B4-BE49-F238E27FC236}">
-                <a16:creationId xmlns:a16="http://schemas.microsoft.com/office/drawing/2014/main" id="{74260453-F4D0-42FC-8766-D859E9712957}"/>
+          <p:cNvPr id="7" name="Picture 6">
+            <a:extLst>
+              <a:ext uri="{FF2B5EF4-FFF2-40B4-BE49-F238E27FC236}">
+                <a16:creationId xmlns:a16="http://schemas.microsoft.com/office/drawing/2014/main" id="{9B3C0FB6-7DEF-4EB7-8BF4-93ED6B074969}"/>
               </a:ext>
             </a:extLst>
           </p:cNvPr>
@@ -15561,8 +15363,96 @@
         </p:blipFill>
         <p:spPr>
           <a:xfrm>
-            <a:off x="2890381" y="5265337"/>
-            <a:ext cx="5128704" cy="1120237"/>
+            <a:off x="6705600" y="1741698"/>
+            <a:ext cx="3962400" cy="1078768"/>
+          </a:xfrm>
+          <a:prstGeom prst="rect">
+            <a:avLst/>
+          </a:prstGeom>
+        </p:spPr>
+      </p:pic>
+      <p:sp>
+        <p:nvSpPr>
+          <p:cNvPr id="14" name="תיבת טקסט 9">
+            <a:extLst>
+              <a:ext uri="{FF2B5EF4-FFF2-40B4-BE49-F238E27FC236}">
+                <a16:creationId xmlns:a16="http://schemas.microsoft.com/office/drawing/2014/main" id="{D385D61B-E72C-4D09-B5E9-FE75712C00EE}"/>
+              </a:ext>
+            </a:extLst>
+          </p:cNvPr>
+          <p:cNvSpPr txBox="1"/>
+          <p:nvPr/>
+        </p:nvSpPr>
+        <p:spPr>
+          <a:xfrm>
+            <a:off x="2910411" y="3886200"/>
+            <a:ext cx="9129622" cy="954107"/>
+          </a:xfrm>
+          <a:prstGeom prst="rect">
+            <a:avLst/>
+          </a:prstGeom>
+          <a:noFill/>
+        </p:spPr>
+        <p:txBody>
+          <a:bodyPr wrap="square">
+            <a:spAutoFit/>
+          </a:bodyPr>
+          <a:lstStyle/>
+          <a:p>
+            <a:r>
+              <a:rPr lang="en-US" sz="1400" dirty="0"/>
+              <a:t>Dictionary Items</a:t>
+            </a:r>
+          </a:p>
+          <a:p>
+            <a:r>
+              <a:rPr lang="en-US" sz="1400" dirty="0"/>
+              <a:t>Dictionary items are unordered, changeable, and does not allow duplicates.</a:t>
+            </a:r>
+          </a:p>
+          <a:p>
+            <a:endParaRPr lang="en-US" sz="1400" dirty="0"/>
+          </a:p>
+          <a:p>
+            <a:r>
+              <a:rPr lang="en-US" sz="1400" dirty="0"/>
+              <a:t>Dictionary items are presented in </a:t>
+            </a:r>
+            <a:r>
+              <a:rPr lang="en-US" sz="1400" dirty="0" err="1"/>
+              <a:t>key:value</a:t>
+            </a:r>
+            <a:r>
+              <a:rPr lang="en-US" sz="1400" dirty="0"/>
+              <a:t> pairs, and can be referred to by using the key name.</a:t>
+            </a:r>
+          </a:p>
+        </p:txBody>
+      </p:sp>
+      <p:pic>
+        <p:nvPicPr>
+          <p:cNvPr id="15" name="Picture 14">
+            <a:extLst>
+              <a:ext uri="{FF2B5EF4-FFF2-40B4-BE49-F238E27FC236}">
+                <a16:creationId xmlns:a16="http://schemas.microsoft.com/office/drawing/2014/main" id="{B8DB99AC-D766-4160-BBDD-C9E611617540}"/>
+              </a:ext>
+            </a:extLst>
+          </p:cNvPr>
+          <p:cNvPicPr>
+            <a:picLocks noChangeAspect="1"/>
+          </p:cNvPicPr>
+          <p:nvPr/>
+        </p:nvPicPr>
+        <p:blipFill>
+          <a:blip r:embed="rId4"/>
+          <a:stretch>
+            <a:fillRect/>
+          </a:stretch>
+        </p:blipFill>
+        <p:spPr>
+          <a:xfrm>
+            <a:off x="2910411" y="4889489"/>
+            <a:ext cx="3863675" cy="1882303"/>
           </a:xfrm>
           <a:prstGeom prst="rect">
             <a:avLst/>
@@ -15572,7 +15462,7 @@
     </p:spTree>
     <p:extLst>
       <p:ext uri="{BB962C8B-B14F-4D97-AF65-F5344CB8AC3E}">
-        <p14:creationId xmlns:p14="http://schemas.microsoft.com/office/powerpoint/2010/main" val="2540521608"/>
+        <p14:creationId xmlns:p14="http://schemas.microsoft.com/office/powerpoint/2010/main" val="25831765"/>
       </p:ext>
     </p:extLst>
   </p:cSld>
@@ -15693,7 +15583,7 @@
         <p:spPr>
           <a:xfrm>
             <a:off x="2757578" y="440521"/>
-            <a:ext cx="9129622" cy="523220"/>
+            <a:ext cx="9129622" cy="2031325"/>
           </a:xfrm>
           <a:prstGeom prst="rect">
             <a:avLst/>
@@ -15707,32 +15597,66 @@
           <a:lstStyle/>
           <a:p>
             <a:r>
+              <a:rPr lang="en-US" sz="1400" dirty="0">
+                <a:solidFill>
+                  <a:schemeClr val="accent2"/>
+                </a:solidFill>
+              </a:rPr>
+              <a:t>Unordered</a:t>
+            </a:r>
+          </a:p>
+          <a:p>
+            <a:r>
               <a:rPr lang="en-US" sz="1400" dirty="0"/>
-              <a:t>Dictionary Length</a:t>
+              <a:t>When we say that dictionaries are unordered, it means that the items does not have a defined order, you cannot refer to an item by using an index.</a:t>
+            </a:r>
+          </a:p>
+          <a:p>
+            <a:endParaRPr lang="en-US" sz="1400" dirty="0"/>
+          </a:p>
+          <a:p>
+            <a:r>
+              <a:rPr lang="en-US" sz="1400" dirty="0">
+                <a:solidFill>
+                  <a:schemeClr val="accent2"/>
+                </a:solidFill>
+              </a:rPr>
+              <a:t>Changeable</a:t>
             </a:r>
           </a:p>
           <a:p>
             <a:r>
               <a:rPr lang="en-US" sz="1400" dirty="0"/>
-              <a:t>To determine how many items a dictionary has, use the </a:t>
-            </a:r>
-            <a:r>
-              <a:rPr lang="en-US" sz="1400" dirty="0" err="1"/>
-              <a:t>len</a:t>
-            </a:r>
+              <a:t>Dictionaries are changeable, meaning that we can change, add or remove items after the dictionary has been created.</a:t>
+            </a:r>
+          </a:p>
+          <a:p>
+            <a:endParaRPr lang="en-US" sz="1400" dirty="0"/>
+          </a:p>
+          <a:p>
+            <a:r>
+              <a:rPr lang="en-US" sz="1400" dirty="0">
+                <a:solidFill>
+                  <a:schemeClr val="accent4"/>
+                </a:solidFill>
+              </a:rPr>
+              <a:t>Duplicates Not Allowed</a:t>
+            </a:r>
+          </a:p>
+          <a:p>
             <a:r>
               <a:rPr lang="en-US" sz="1400" dirty="0"/>
-              <a:t>() function:</a:t>
+              <a:t>Dictionaries cannot have two items with the same key:</a:t>
             </a:r>
           </a:p>
         </p:txBody>
       </p:sp>
       <p:pic>
         <p:nvPicPr>
-          <p:cNvPr id="4" name="Picture 3">
-            <a:extLst>
-              <a:ext uri="{FF2B5EF4-FFF2-40B4-BE49-F238E27FC236}">
-                <a16:creationId xmlns:a16="http://schemas.microsoft.com/office/drawing/2014/main" id="{48B1E815-368C-4D1F-A833-D11E775C2720}"/>
+          <p:cNvPr id="5" name="Picture 4">
+            <a:extLst>
+              <a:ext uri="{FF2B5EF4-FFF2-40B4-BE49-F238E27FC236}">
+                <a16:creationId xmlns:a16="http://schemas.microsoft.com/office/drawing/2014/main" id="{2A417EA8-ED52-4CA9-9CFD-F9F06A5B697F}"/>
               </a:ext>
             </a:extLst>
           </p:cNvPr>
@@ -15749,69 +15673,20 @@
         </p:blipFill>
         <p:spPr>
           <a:xfrm>
-            <a:off x="2890381" y="1102889"/>
-            <a:ext cx="3985605" cy="899238"/>
+            <a:off x="2875767" y="2613082"/>
+            <a:ext cx="4618120" cy="2133785"/>
           </a:xfrm>
           <a:prstGeom prst="rect">
             <a:avLst/>
           </a:prstGeom>
         </p:spPr>
       </p:pic>
-      <p:sp>
-        <p:nvSpPr>
-          <p:cNvPr id="11" name="תיבת טקסט 9">
-            <a:extLst>
-              <a:ext uri="{FF2B5EF4-FFF2-40B4-BE49-F238E27FC236}">
-                <a16:creationId xmlns:a16="http://schemas.microsoft.com/office/drawing/2014/main" id="{7F0FE8DB-1689-4E87-AA94-2B3933C22975}"/>
-              </a:ext>
-            </a:extLst>
-          </p:cNvPr>
-          <p:cNvSpPr txBox="1"/>
-          <p:nvPr/>
-        </p:nvSpPr>
-        <p:spPr>
-          <a:xfrm>
-            <a:off x="2862197" y="2147538"/>
-            <a:ext cx="9129622" cy="523220"/>
-          </a:xfrm>
-          <a:prstGeom prst="rect">
-            <a:avLst/>
-          </a:prstGeom>
-          <a:noFill/>
-        </p:spPr>
-        <p:txBody>
-          <a:bodyPr wrap="square">
-            <a:spAutoFit/>
-          </a:bodyPr>
-          <a:lstStyle/>
-          <a:p>
-            <a:r>
-              <a:rPr lang="en-US" sz="1400" dirty="0"/>
-              <a:t>Dictionary Length</a:t>
-            </a:r>
-          </a:p>
-          <a:p>
-            <a:r>
-              <a:rPr lang="en-US" sz="1400" dirty="0"/>
-              <a:t>To determine how many items a dictionary has, use the </a:t>
-            </a:r>
-            <a:r>
-              <a:rPr lang="en-US" sz="1400" dirty="0" err="1"/>
-              <a:t>len</a:t>
-            </a:r>
-            <a:r>
-              <a:rPr lang="en-US" sz="1400" dirty="0"/>
-              <a:t>() function:</a:t>
-            </a:r>
-          </a:p>
-        </p:txBody>
-      </p:sp>
       <p:pic>
         <p:nvPicPr>
-          <p:cNvPr id="7" name="Picture 6">
-            <a:extLst>
-              <a:ext uri="{FF2B5EF4-FFF2-40B4-BE49-F238E27FC236}">
-                <a16:creationId xmlns:a16="http://schemas.microsoft.com/office/drawing/2014/main" id="{E90FE115-B382-4F90-B177-BEA3CCC9188D}"/>
+          <p:cNvPr id="9" name="Picture 8">
+            <a:extLst>
+              <a:ext uri="{FF2B5EF4-FFF2-40B4-BE49-F238E27FC236}">
+                <a16:creationId xmlns:a16="http://schemas.microsoft.com/office/drawing/2014/main" id="{74260453-F4D0-42FC-8766-D859E9712957}"/>
               </a:ext>
             </a:extLst>
           </p:cNvPr>
@@ -15828,8 +15703,8 @@
         </p:blipFill>
         <p:spPr>
           <a:xfrm>
-            <a:off x="2890381" y="2816169"/>
-            <a:ext cx="4922947" cy="2019475"/>
+            <a:off x="2890381" y="5265337"/>
+            <a:ext cx="5128704" cy="1120237"/>
           </a:xfrm>
           <a:prstGeom prst="rect">
             <a:avLst/>
@@ -15839,7 +15714,7 @@
     </p:spTree>
     <p:extLst>
       <p:ext uri="{BB962C8B-B14F-4D97-AF65-F5344CB8AC3E}">
-        <p14:creationId xmlns:p14="http://schemas.microsoft.com/office/powerpoint/2010/main" val="1528552830"/>
+        <p14:creationId xmlns:p14="http://schemas.microsoft.com/office/powerpoint/2010/main" val="2540521608"/>
       </p:ext>
     </p:extLst>
   </p:cSld>
@@ -15905,7 +15780,7 @@
                 <a:latin typeface="Trebuchet MS"/>
                 <a:cs typeface="Trebuchet MS"/>
               </a:rPr>
-              <a:t>Access Dictionary Items</a:t>
+              <a:t>Python Dictionaries</a:t>
             </a:r>
           </a:p>
         </p:txBody>
@@ -15960,7 +15835,7 @@
         <p:spPr>
           <a:xfrm>
             <a:off x="2757578" y="440521"/>
-            <a:ext cx="9129622" cy="307777"/>
+            <a:ext cx="9129622" cy="523220"/>
           </a:xfrm>
           <a:prstGeom prst="rect">
             <a:avLst/>
@@ -15975,17 +15850,31 @@
           <a:p>
             <a:r>
               <a:rPr lang="en-US" sz="1400" dirty="0"/>
-              <a:t>You can access the items of a dictionary by referring to its key name, inside square brackets:</a:t>
+              <a:t>Dictionary Length</a:t>
+            </a:r>
+          </a:p>
+          <a:p>
+            <a:r>
+              <a:rPr lang="en-US" sz="1400" dirty="0"/>
+              <a:t>To determine how many items a dictionary has, use the </a:t>
+            </a:r>
+            <a:r>
+              <a:rPr lang="en-US" sz="1400" dirty="0" err="1"/>
+              <a:t>len</a:t>
+            </a:r>
+            <a:r>
+              <a:rPr lang="en-US" sz="1400" dirty="0"/>
+              <a:t>() function:</a:t>
             </a:r>
           </a:p>
         </p:txBody>
       </p:sp>
       <p:pic>
         <p:nvPicPr>
-          <p:cNvPr id="5" name="Picture 4">
-            <a:extLst>
-              <a:ext uri="{FF2B5EF4-FFF2-40B4-BE49-F238E27FC236}">
-                <a16:creationId xmlns:a16="http://schemas.microsoft.com/office/drawing/2014/main" id="{1CA6E16B-01E5-4FDB-A7DC-C5EFF35B9536}"/>
+          <p:cNvPr id="4" name="Picture 3">
+            <a:extLst>
+              <a:ext uri="{FF2B5EF4-FFF2-40B4-BE49-F238E27FC236}">
+                <a16:creationId xmlns:a16="http://schemas.microsoft.com/office/drawing/2014/main" id="{48B1E815-368C-4D1F-A833-D11E775C2720}"/>
               </a:ext>
             </a:extLst>
           </p:cNvPr>
@@ -16002,8 +15891,8 @@
         </p:blipFill>
         <p:spPr>
           <a:xfrm>
-            <a:off x="2855538" y="889534"/>
-            <a:ext cx="4320914" cy="1912786"/>
+            <a:off x="2890381" y="1102889"/>
+            <a:ext cx="3985605" cy="899238"/>
           </a:xfrm>
           <a:prstGeom prst="rect">
             <a:avLst/>
@@ -16012,20 +15901,20 @@
       </p:pic>
       <p:sp>
         <p:nvSpPr>
-          <p:cNvPr id="12" name="תיבת טקסט 9">
-            <a:extLst>
-              <a:ext uri="{FF2B5EF4-FFF2-40B4-BE49-F238E27FC236}">
-                <a16:creationId xmlns:a16="http://schemas.microsoft.com/office/drawing/2014/main" id="{4ED4CE4F-9BCB-4BED-83A7-6D13A2656115}"/>
-              </a:ext>
-            </a:extLst>
-          </p:cNvPr>
-          <p:cNvSpPr txBox="1"/>
-          <p:nvPr/>
-        </p:nvSpPr>
-        <p:spPr>
-          <a:xfrm>
-            <a:off x="2858022" y="2899901"/>
-            <a:ext cx="9129622" cy="307777"/>
+          <p:cNvPr id="11" name="תיבת טקסט 9">
+            <a:extLst>
+              <a:ext uri="{FF2B5EF4-FFF2-40B4-BE49-F238E27FC236}">
+                <a16:creationId xmlns:a16="http://schemas.microsoft.com/office/drawing/2014/main" id="{7F0FE8DB-1689-4E87-AA94-2B3933C22975}"/>
+              </a:ext>
+            </a:extLst>
+          </p:cNvPr>
+          <p:cNvSpPr txBox="1"/>
+          <p:nvPr/>
+        </p:nvSpPr>
+        <p:spPr>
+          <a:xfrm>
+            <a:off x="2862197" y="2147538"/>
+            <a:ext cx="9129622" cy="523220"/>
           </a:xfrm>
           <a:prstGeom prst="rect">
             <a:avLst/>
@@ -16040,17 +15929,31 @@
           <a:p>
             <a:r>
               <a:rPr lang="en-US" sz="1400" dirty="0"/>
-              <a:t>You can access the items of a dictionary by referring to its key name, inside square brackets:</a:t>
+              <a:t>Dictionary Length</a:t>
+            </a:r>
+          </a:p>
+          <a:p>
+            <a:r>
+              <a:rPr lang="en-US" sz="1400" dirty="0"/>
+              <a:t>To determine how many items a dictionary has, use the </a:t>
+            </a:r>
+            <a:r>
+              <a:rPr lang="en-US" sz="1400" dirty="0" err="1"/>
+              <a:t>len</a:t>
+            </a:r>
+            <a:r>
+              <a:rPr lang="en-US" sz="1400" dirty="0"/>
+              <a:t>() function:</a:t>
             </a:r>
           </a:p>
         </p:txBody>
       </p:sp>
       <p:pic>
         <p:nvPicPr>
-          <p:cNvPr id="9" name="Picture 8">
-            <a:extLst>
-              <a:ext uri="{FF2B5EF4-FFF2-40B4-BE49-F238E27FC236}">
-                <a16:creationId xmlns:a16="http://schemas.microsoft.com/office/drawing/2014/main" id="{1A35D912-C69C-492B-A874-549FDC4B26C7}"/>
+          <p:cNvPr id="7" name="Picture 6">
+            <a:extLst>
+              <a:ext uri="{FF2B5EF4-FFF2-40B4-BE49-F238E27FC236}">
+                <a16:creationId xmlns:a16="http://schemas.microsoft.com/office/drawing/2014/main" id="{E90FE115-B382-4F90-B177-BEA3CCC9188D}"/>
               </a:ext>
             </a:extLst>
           </p:cNvPr>
@@ -16067,73 +15970,8 @@
         </p:blipFill>
         <p:spPr>
           <a:xfrm>
-            <a:off x="2895600" y="3305259"/>
-            <a:ext cx="3612193" cy="861135"/>
-          </a:xfrm>
-          <a:prstGeom prst="rect">
-            <a:avLst/>
-          </a:prstGeom>
-        </p:spPr>
-      </p:pic>
-      <p:sp>
-        <p:nvSpPr>
-          <p:cNvPr id="17" name="תיבת טקסט 9">
-            <a:extLst>
-              <a:ext uri="{FF2B5EF4-FFF2-40B4-BE49-F238E27FC236}">
-                <a16:creationId xmlns:a16="http://schemas.microsoft.com/office/drawing/2014/main" id="{E817096B-CE07-4229-B5C8-974147DA4B0B}"/>
-              </a:ext>
-            </a:extLst>
-          </p:cNvPr>
-          <p:cNvSpPr txBox="1"/>
-          <p:nvPr/>
-        </p:nvSpPr>
-        <p:spPr>
-          <a:xfrm>
-            <a:off x="3048000" y="4800034"/>
-            <a:ext cx="9129622" cy="307777"/>
-          </a:xfrm>
-          <a:prstGeom prst="rect">
-            <a:avLst/>
-          </a:prstGeom>
-          <a:noFill/>
-        </p:spPr>
-        <p:txBody>
-          <a:bodyPr wrap="square">
-            <a:spAutoFit/>
-          </a:bodyPr>
-          <a:lstStyle/>
-          <a:p>
-            <a:r>
-              <a:rPr lang="en-US" sz="1400" dirty="0"/>
-              <a:t>The keys() method will return a list of all the keys in the dictionary.</a:t>
-            </a:r>
-          </a:p>
-        </p:txBody>
-      </p:sp>
-      <p:pic>
-        <p:nvPicPr>
-          <p:cNvPr id="19" name="Picture 18">
-            <a:extLst>
-              <a:ext uri="{FF2B5EF4-FFF2-40B4-BE49-F238E27FC236}">
-                <a16:creationId xmlns:a16="http://schemas.microsoft.com/office/drawing/2014/main" id="{314C4175-5C0F-4F91-AA88-622F8EAFB90C}"/>
-              </a:ext>
-            </a:extLst>
-          </p:cNvPr>
-          <p:cNvPicPr>
-            <a:picLocks noChangeAspect="1"/>
-          </p:cNvPicPr>
-          <p:nvPr/>
-        </p:nvPicPr>
-        <p:blipFill>
-          <a:blip r:embed="rId4"/>
-          <a:stretch>
-            <a:fillRect/>
-          </a:stretch>
-        </p:blipFill>
-        <p:spPr>
-          <a:xfrm>
-            <a:off x="3048000" y="5549329"/>
-            <a:ext cx="2766300" cy="838273"/>
+            <a:off x="2890381" y="2816169"/>
+            <a:ext cx="4922947" cy="2019475"/>
           </a:xfrm>
           <a:prstGeom prst="rect">
             <a:avLst/>
@@ -16143,7 +15981,7 @@
     </p:spTree>
     <p:extLst>
       <p:ext uri="{BB962C8B-B14F-4D97-AF65-F5344CB8AC3E}">
-        <p14:creationId xmlns:p14="http://schemas.microsoft.com/office/powerpoint/2010/main" val="529676267"/>
+        <p14:creationId xmlns:p14="http://schemas.microsoft.com/office/powerpoint/2010/main" val="1528552830"/>
       </p:ext>
     </p:extLst>
   </p:cSld>
@@ -16264,7 +16102,7 @@
         <p:spPr>
           <a:xfrm>
             <a:off x="2757578" y="440521"/>
-            <a:ext cx="9129622" cy="523220"/>
+            <a:ext cx="9129622" cy="307777"/>
           </a:xfrm>
           <a:prstGeom prst="rect">
             <a:avLst/>
@@ -16279,17 +16117,17 @@
           <a:p>
             <a:r>
               <a:rPr lang="en-US" sz="1400" dirty="0"/>
-              <a:t>The list of the keys is a view of the dictionary, meaning that any changes done to the dictionary will be reflected in the keys list.</a:t>
+              <a:t>You can access the items of a dictionary by referring to its key name, inside square brackets:</a:t>
             </a:r>
           </a:p>
         </p:txBody>
       </p:sp>
       <p:pic>
         <p:nvPicPr>
-          <p:cNvPr id="4" name="Picture 3">
-            <a:extLst>
-              <a:ext uri="{FF2B5EF4-FFF2-40B4-BE49-F238E27FC236}">
-                <a16:creationId xmlns:a16="http://schemas.microsoft.com/office/drawing/2014/main" id="{9F3D3FC5-50F6-4825-A05E-5BD0A01F5686}"/>
+          <p:cNvPr id="5" name="Picture 4">
+            <a:extLst>
+              <a:ext uri="{FF2B5EF4-FFF2-40B4-BE49-F238E27FC236}">
+                <a16:creationId xmlns:a16="http://schemas.microsoft.com/office/drawing/2014/main" id="{1CA6E16B-01E5-4FDB-A7DC-C5EFF35B9536}"/>
               </a:ext>
             </a:extLst>
           </p:cNvPr>
@@ -16298,27 +16136,63 @@
           </p:cNvPicPr>
           <p:nvPr/>
         </p:nvPicPr>
-        <p:blipFill rotWithShape="1">
+        <p:blipFill>
           <a:blip r:embed="rId2"/>
-          <a:srcRect l="-1257" t="13244" r="1257" b="-3383"/>
-          <a:stretch/>
+          <a:stretch>
+            <a:fillRect/>
+          </a:stretch>
         </p:blipFill>
         <p:spPr>
           <a:xfrm>
-            <a:off x="2728351" y="961653"/>
-            <a:ext cx="8325237" cy="2529977"/>
+            <a:off x="2855538" y="889534"/>
+            <a:ext cx="4320914" cy="1912786"/>
           </a:xfrm>
           <a:prstGeom prst="rect">
             <a:avLst/>
           </a:prstGeom>
         </p:spPr>
       </p:pic>
+      <p:sp>
+        <p:nvSpPr>
+          <p:cNvPr id="12" name="תיבת טקסט 9">
+            <a:extLst>
+              <a:ext uri="{FF2B5EF4-FFF2-40B4-BE49-F238E27FC236}">
+                <a16:creationId xmlns:a16="http://schemas.microsoft.com/office/drawing/2014/main" id="{4ED4CE4F-9BCB-4BED-83A7-6D13A2656115}"/>
+              </a:ext>
+            </a:extLst>
+          </p:cNvPr>
+          <p:cNvSpPr txBox="1"/>
+          <p:nvPr/>
+        </p:nvSpPr>
+        <p:spPr>
+          <a:xfrm>
+            <a:off x="2858022" y="2899901"/>
+            <a:ext cx="9129622" cy="307777"/>
+          </a:xfrm>
+          <a:prstGeom prst="rect">
+            <a:avLst/>
+          </a:prstGeom>
+          <a:noFill/>
+        </p:spPr>
+        <p:txBody>
+          <a:bodyPr wrap="square">
+            <a:spAutoFit/>
+          </a:bodyPr>
+          <a:lstStyle/>
+          <a:p>
+            <a:r>
+              <a:rPr lang="en-US" sz="1400" dirty="0"/>
+              <a:t>You can access the items of a dictionary by referring to its key name, inside square brackets:</a:t>
+            </a:r>
+          </a:p>
+        </p:txBody>
+      </p:sp>
       <p:pic>
         <p:nvPicPr>
-          <p:cNvPr id="7" name="Picture 6">
-            <a:extLst>
-              <a:ext uri="{FF2B5EF4-FFF2-40B4-BE49-F238E27FC236}">
-                <a16:creationId xmlns:a16="http://schemas.microsoft.com/office/drawing/2014/main" id="{3748252B-9583-457E-9431-3507E871FBB4}"/>
+          <p:cNvPr id="9" name="Picture 8">
+            <a:extLst>
+              <a:ext uri="{FF2B5EF4-FFF2-40B4-BE49-F238E27FC236}">
+                <a16:creationId xmlns:a16="http://schemas.microsoft.com/office/drawing/2014/main" id="{1A35D912-C69C-492B-A874-549FDC4B26C7}"/>
               </a:ext>
             </a:extLst>
           </p:cNvPr>
@@ -16335,8 +16209,73 @@
         </p:blipFill>
         <p:spPr>
           <a:xfrm>
-            <a:off x="2910214" y="3810000"/>
-            <a:ext cx="5151566" cy="960203"/>
+            <a:off x="2895600" y="3305259"/>
+            <a:ext cx="3612193" cy="861135"/>
+          </a:xfrm>
+          <a:prstGeom prst="rect">
+            <a:avLst/>
+          </a:prstGeom>
+        </p:spPr>
+      </p:pic>
+      <p:sp>
+        <p:nvSpPr>
+          <p:cNvPr id="17" name="תיבת טקסט 9">
+            <a:extLst>
+              <a:ext uri="{FF2B5EF4-FFF2-40B4-BE49-F238E27FC236}">
+                <a16:creationId xmlns:a16="http://schemas.microsoft.com/office/drawing/2014/main" id="{E817096B-CE07-4229-B5C8-974147DA4B0B}"/>
+              </a:ext>
+            </a:extLst>
+          </p:cNvPr>
+          <p:cNvSpPr txBox="1"/>
+          <p:nvPr/>
+        </p:nvSpPr>
+        <p:spPr>
+          <a:xfrm>
+            <a:off x="3048000" y="4800034"/>
+            <a:ext cx="9129622" cy="307777"/>
+          </a:xfrm>
+          <a:prstGeom prst="rect">
+            <a:avLst/>
+          </a:prstGeom>
+          <a:noFill/>
+        </p:spPr>
+        <p:txBody>
+          <a:bodyPr wrap="square">
+            <a:spAutoFit/>
+          </a:bodyPr>
+          <a:lstStyle/>
+          <a:p>
+            <a:r>
+              <a:rPr lang="en-US" sz="1400" dirty="0"/>
+              <a:t>The keys() method will return a list of all the keys in the dictionary.</a:t>
+            </a:r>
+          </a:p>
+        </p:txBody>
+      </p:sp>
+      <p:pic>
+        <p:nvPicPr>
+          <p:cNvPr id="19" name="Picture 18">
+            <a:extLst>
+              <a:ext uri="{FF2B5EF4-FFF2-40B4-BE49-F238E27FC236}">
+                <a16:creationId xmlns:a16="http://schemas.microsoft.com/office/drawing/2014/main" id="{314C4175-5C0F-4F91-AA88-622F8EAFB90C}"/>
+              </a:ext>
+            </a:extLst>
+          </p:cNvPr>
+          <p:cNvPicPr>
+            <a:picLocks noChangeAspect="1"/>
+          </p:cNvPicPr>
+          <p:nvPr/>
+        </p:nvPicPr>
+        <p:blipFill>
+          <a:blip r:embed="rId4"/>
+          <a:stretch>
+            <a:fillRect/>
+          </a:stretch>
+        </p:blipFill>
+        <p:spPr>
+          <a:xfrm>
+            <a:off x="3048000" y="5549329"/>
+            <a:ext cx="2766300" cy="838273"/>
           </a:xfrm>
           <a:prstGeom prst="rect">
             <a:avLst/>
@@ -16346,7 +16285,7 @@
     </p:spTree>
     <p:extLst>
       <p:ext uri="{BB962C8B-B14F-4D97-AF65-F5344CB8AC3E}">
-        <p14:creationId xmlns:p14="http://schemas.microsoft.com/office/powerpoint/2010/main" val="3968594180"/>
+        <p14:creationId xmlns:p14="http://schemas.microsoft.com/office/powerpoint/2010/main" val="529676267"/>
       </p:ext>
     </p:extLst>
   </p:cSld>
@@ -16482,23 +16421,17 @@
           <a:p>
             <a:r>
               <a:rPr lang="en-US" sz="1400" dirty="0"/>
-              <a:t>Get Values</a:t>
-            </a:r>
-          </a:p>
-          <a:p>
-            <a:r>
-              <a:rPr lang="en-US" sz="1400" dirty="0"/>
-              <a:t>The values() method will return a list of all the values in the dictionary.</a:t>
+              <a:t>The list of the keys is a view of the dictionary, meaning that any changes done to the dictionary will be reflected in the keys list.</a:t>
             </a:r>
           </a:p>
         </p:txBody>
       </p:sp>
       <p:pic>
         <p:nvPicPr>
-          <p:cNvPr id="5" name="Picture 4">
-            <a:extLst>
-              <a:ext uri="{FF2B5EF4-FFF2-40B4-BE49-F238E27FC236}">
-                <a16:creationId xmlns:a16="http://schemas.microsoft.com/office/drawing/2014/main" id="{CC1D053B-B03E-4143-AC0C-0078EA4719B3}"/>
+          <p:cNvPr id="4" name="Picture 3">
+            <a:extLst>
+              <a:ext uri="{FF2B5EF4-FFF2-40B4-BE49-F238E27FC236}">
+                <a16:creationId xmlns:a16="http://schemas.microsoft.com/office/drawing/2014/main" id="{9F3D3FC5-50F6-4825-A05E-5BD0A01F5686}"/>
               </a:ext>
             </a:extLst>
           </p:cNvPr>
@@ -16507,63 +16440,27 @@
           </p:cNvPicPr>
           <p:nvPr/>
         </p:nvPicPr>
-        <p:blipFill>
+        <p:blipFill rotWithShape="1">
           <a:blip r:embed="rId2"/>
-          <a:stretch>
-            <a:fillRect/>
-          </a:stretch>
+          <a:srcRect l="-1257" t="13244" r="1257" b="-3383"/>
+          <a:stretch/>
         </p:blipFill>
         <p:spPr>
           <a:xfrm>
-            <a:off x="2895600" y="1143000"/>
-            <a:ext cx="2629128" cy="769687"/>
+            <a:off x="2728351" y="961653"/>
+            <a:ext cx="8325237" cy="2529977"/>
           </a:xfrm>
           <a:prstGeom prst="rect">
             <a:avLst/>
           </a:prstGeom>
         </p:spPr>
       </p:pic>
-      <p:sp>
-        <p:nvSpPr>
-          <p:cNvPr id="9" name="תיבת טקסט 9">
-            <a:extLst>
-              <a:ext uri="{FF2B5EF4-FFF2-40B4-BE49-F238E27FC236}">
-                <a16:creationId xmlns:a16="http://schemas.microsoft.com/office/drawing/2014/main" id="{960CDE70-18B7-409A-8D63-8CCC05E8983D}"/>
-              </a:ext>
-            </a:extLst>
-          </p:cNvPr>
-          <p:cNvSpPr txBox="1"/>
-          <p:nvPr/>
-        </p:nvSpPr>
-        <p:spPr>
-          <a:xfrm>
-            <a:off x="2779320" y="2091946"/>
-            <a:ext cx="9129622" cy="307777"/>
-          </a:xfrm>
-          <a:prstGeom prst="rect">
-            <a:avLst/>
-          </a:prstGeom>
-          <a:noFill/>
-        </p:spPr>
-        <p:txBody>
-          <a:bodyPr wrap="square">
-            <a:spAutoFit/>
-          </a:bodyPr>
-          <a:lstStyle/>
-          <a:p>
-            <a:r>
-              <a:rPr lang="en-US" sz="1400" dirty="0"/>
-              <a:t>The items() method will return each item in a dictionary, as tuples in a list.</a:t>
-            </a:r>
-          </a:p>
-        </p:txBody>
-      </p:sp>
       <p:pic>
         <p:nvPicPr>
-          <p:cNvPr id="12" name="Picture 11">
-            <a:extLst>
-              <a:ext uri="{FF2B5EF4-FFF2-40B4-BE49-F238E27FC236}">
-                <a16:creationId xmlns:a16="http://schemas.microsoft.com/office/drawing/2014/main" id="{B5964C34-E10E-45D3-A7B7-C6F0B8A24040}"/>
+          <p:cNvPr id="7" name="Picture 6">
+            <a:extLst>
+              <a:ext uri="{FF2B5EF4-FFF2-40B4-BE49-F238E27FC236}">
+                <a16:creationId xmlns:a16="http://schemas.microsoft.com/office/drawing/2014/main" id="{3748252B-9583-457E-9431-3507E871FBB4}"/>
               </a:ext>
             </a:extLst>
           </p:cNvPr>
@@ -16580,38 +16477,8 @@
         </p:blipFill>
         <p:spPr>
           <a:xfrm>
-            <a:off x="2906038" y="2428950"/>
-            <a:ext cx="2667231" cy="624894"/>
-          </a:xfrm>
-          <a:prstGeom prst="rect">
-            <a:avLst/>
-          </a:prstGeom>
-        </p:spPr>
-      </p:pic>
-      <p:pic>
-        <p:nvPicPr>
-          <p:cNvPr id="16" name="Picture 15">
-            <a:extLst>
-              <a:ext uri="{FF2B5EF4-FFF2-40B4-BE49-F238E27FC236}">
-                <a16:creationId xmlns:a16="http://schemas.microsoft.com/office/drawing/2014/main" id="{52122A25-D724-4A0E-AF77-203EDF4AC0E8}"/>
-              </a:ext>
-            </a:extLst>
-          </p:cNvPr>
-          <p:cNvPicPr>
-            <a:picLocks noChangeAspect="1"/>
-          </p:cNvPicPr>
-          <p:nvPr/>
-        </p:nvPicPr>
-        <p:blipFill>
-          <a:blip r:embed="rId4"/>
-          <a:stretch>
-            <a:fillRect/>
-          </a:stretch>
-        </p:blipFill>
-        <p:spPr>
-          <a:xfrm>
-            <a:off x="2889337" y="3177727"/>
-            <a:ext cx="7323455" cy="754445"/>
+            <a:off x="2910214" y="3810000"/>
+            <a:ext cx="5151566" cy="960203"/>
           </a:xfrm>
           <a:prstGeom prst="rect">
             <a:avLst/>
@@ -16621,7 +16488,7 @@
     </p:spTree>
     <p:extLst>
       <p:ext uri="{BB962C8B-B14F-4D97-AF65-F5344CB8AC3E}">
-        <p14:creationId xmlns:p14="http://schemas.microsoft.com/office/powerpoint/2010/main" val="1964077568"/>
+        <p14:creationId xmlns:p14="http://schemas.microsoft.com/office/powerpoint/2010/main" val="3968594180"/>
       </p:ext>
     </p:extLst>
   </p:cSld>
@@ -16687,7 +16554,7 @@
                 <a:latin typeface="Trebuchet MS"/>
                 <a:cs typeface="Trebuchet MS"/>
               </a:rPr>
-              <a:t>Loop Through a Dictionary</a:t>
+              <a:t>Access Dictionary Items</a:t>
             </a:r>
           </a:p>
         </p:txBody>
@@ -16742,7 +16609,7 @@
         <p:spPr>
           <a:xfrm>
             <a:off x="2757578" y="440521"/>
-            <a:ext cx="9129622" cy="954107"/>
+            <a:ext cx="9129622" cy="523220"/>
           </a:xfrm>
           <a:prstGeom prst="rect">
             <a:avLst/>
@@ -16757,26 +16624,23 @@
           <a:p>
             <a:r>
               <a:rPr lang="en-US" sz="1400" dirty="0"/>
-              <a:t>You can loop through a dictionary by using a for loop.</a:t>
-            </a:r>
-          </a:p>
-          <a:p>
-            <a:endParaRPr lang="en-US" sz="1400" dirty="0"/>
+              <a:t>Get Values</a:t>
+            </a:r>
           </a:p>
           <a:p>
             <a:r>
               <a:rPr lang="en-US" sz="1400" dirty="0"/>
-              <a:t>When looping through a dictionary, the return value are the keys of the dictionary, but there are methods to return the values as well.</a:t>
+              <a:t>The values() method will return a list of all the values in the dictionary.</a:t>
             </a:r>
           </a:p>
         </p:txBody>
       </p:sp>
       <p:pic>
         <p:nvPicPr>
-          <p:cNvPr id="18" name="Picture 17">
-            <a:extLst>
-              <a:ext uri="{FF2B5EF4-FFF2-40B4-BE49-F238E27FC236}">
-                <a16:creationId xmlns:a16="http://schemas.microsoft.com/office/drawing/2014/main" id="{D8BA1B89-0E48-4236-A363-BB4AD29D9599}"/>
+          <p:cNvPr id="5" name="Picture 4">
+            <a:extLst>
+              <a:ext uri="{FF2B5EF4-FFF2-40B4-BE49-F238E27FC236}">
+                <a16:creationId xmlns:a16="http://schemas.microsoft.com/office/drawing/2014/main" id="{CC1D053B-B03E-4143-AC0C-0078EA4719B3}"/>
               </a:ext>
             </a:extLst>
           </p:cNvPr>
@@ -16793,20 +16657,55 @@
         </p:blipFill>
         <p:spPr>
           <a:xfrm>
-            <a:off x="2924827" y="1535864"/>
-            <a:ext cx="4221846" cy="1066892"/>
+            <a:off x="2895600" y="1143000"/>
+            <a:ext cx="2629128" cy="769687"/>
           </a:xfrm>
           <a:prstGeom prst="rect">
             <a:avLst/>
           </a:prstGeom>
         </p:spPr>
       </p:pic>
+      <p:sp>
+        <p:nvSpPr>
+          <p:cNvPr id="9" name="תיבת טקסט 9">
+            <a:extLst>
+              <a:ext uri="{FF2B5EF4-FFF2-40B4-BE49-F238E27FC236}">
+                <a16:creationId xmlns:a16="http://schemas.microsoft.com/office/drawing/2014/main" id="{960CDE70-18B7-409A-8D63-8CCC05E8983D}"/>
+              </a:ext>
+            </a:extLst>
+          </p:cNvPr>
+          <p:cNvSpPr txBox="1"/>
+          <p:nvPr/>
+        </p:nvSpPr>
+        <p:spPr>
+          <a:xfrm>
+            <a:off x="2779320" y="2091946"/>
+            <a:ext cx="9129622" cy="307777"/>
+          </a:xfrm>
+          <a:prstGeom prst="rect">
+            <a:avLst/>
+          </a:prstGeom>
+          <a:noFill/>
+        </p:spPr>
+        <p:txBody>
+          <a:bodyPr wrap="square">
+            <a:spAutoFit/>
+          </a:bodyPr>
+          <a:lstStyle/>
+          <a:p>
+            <a:r>
+              <a:rPr lang="en-US" sz="1400" dirty="0"/>
+              <a:t>The items() method will return each item in a dictionary, as tuples in a list.</a:t>
+            </a:r>
+          </a:p>
+        </p:txBody>
+      </p:sp>
       <p:pic>
         <p:nvPicPr>
-          <p:cNvPr id="20" name="Picture 19">
-            <a:extLst>
-              <a:ext uri="{FF2B5EF4-FFF2-40B4-BE49-F238E27FC236}">
-                <a16:creationId xmlns:a16="http://schemas.microsoft.com/office/drawing/2014/main" id="{82BF0386-FFB0-4381-B017-8A1164188FE7}"/>
+          <p:cNvPr id="12" name="Picture 11">
+            <a:extLst>
+              <a:ext uri="{FF2B5EF4-FFF2-40B4-BE49-F238E27FC236}">
+                <a16:creationId xmlns:a16="http://schemas.microsoft.com/office/drawing/2014/main" id="{B5964C34-E10E-45D3-A7B7-C6F0B8A24040}"/>
               </a:ext>
             </a:extLst>
           </p:cNvPr>
@@ -16823,8 +16722,8 @@
         </p:blipFill>
         <p:spPr>
           <a:xfrm>
-            <a:off x="7575386" y="1535864"/>
-            <a:ext cx="1691787" cy="1356478"/>
+            <a:off x="2906038" y="2428950"/>
+            <a:ext cx="2667231" cy="624894"/>
           </a:xfrm>
           <a:prstGeom prst="rect">
             <a:avLst/>
@@ -16833,10 +16732,10 @@
       </p:pic>
       <p:pic>
         <p:nvPicPr>
-          <p:cNvPr id="22" name="Picture 21">
-            <a:extLst>
-              <a:ext uri="{FF2B5EF4-FFF2-40B4-BE49-F238E27FC236}">
-                <a16:creationId xmlns:a16="http://schemas.microsoft.com/office/drawing/2014/main" id="{7FD36437-BFF8-437E-A3AF-7F9D527D5BDB}"/>
+          <p:cNvPr id="16" name="Picture 15">
+            <a:extLst>
+              <a:ext uri="{FF2B5EF4-FFF2-40B4-BE49-F238E27FC236}">
+                <a16:creationId xmlns:a16="http://schemas.microsoft.com/office/drawing/2014/main" id="{52122A25-D724-4A0E-AF77-203EDF4AC0E8}"/>
               </a:ext>
             </a:extLst>
           </p:cNvPr>
@@ -16853,68 +16752,8 @@
         </p:blipFill>
         <p:spPr>
           <a:xfrm>
-            <a:off x="2924827" y="2933052"/>
-            <a:ext cx="4381880" cy="1051651"/>
-          </a:xfrm>
-          <a:prstGeom prst="rect">
-            <a:avLst/>
-          </a:prstGeom>
-        </p:spPr>
-      </p:pic>
-      <p:pic>
-        <p:nvPicPr>
-          <p:cNvPr id="24" name="Picture 23">
-            <a:extLst>
-              <a:ext uri="{FF2B5EF4-FFF2-40B4-BE49-F238E27FC236}">
-                <a16:creationId xmlns:a16="http://schemas.microsoft.com/office/drawing/2014/main" id="{AFA20433-115A-4A97-A4B9-033B9D8893F1}"/>
-              </a:ext>
-            </a:extLst>
-          </p:cNvPr>
-          <p:cNvPicPr>
-            <a:picLocks noChangeAspect="1"/>
-          </p:cNvPicPr>
-          <p:nvPr/>
-        </p:nvPicPr>
-        <p:blipFill>
-          <a:blip r:embed="rId5"/>
-          <a:stretch>
-            <a:fillRect/>
-          </a:stretch>
-        </p:blipFill>
-        <p:spPr>
-          <a:xfrm>
-            <a:off x="2895600" y="4255245"/>
-            <a:ext cx="6774767" cy="1150720"/>
-          </a:xfrm>
-          <a:prstGeom prst="rect">
-            <a:avLst/>
-          </a:prstGeom>
-        </p:spPr>
-      </p:pic>
-      <p:pic>
-        <p:nvPicPr>
-          <p:cNvPr id="26" name="Picture 25">
-            <a:extLst>
-              <a:ext uri="{FF2B5EF4-FFF2-40B4-BE49-F238E27FC236}">
-                <a16:creationId xmlns:a16="http://schemas.microsoft.com/office/drawing/2014/main" id="{60D6FF9E-38BE-4D3E-87F0-FF1A9F77B1F7}"/>
-              </a:ext>
-            </a:extLst>
-          </p:cNvPr>
-          <p:cNvPicPr>
-            <a:picLocks noChangeAspect="1"/>
-          </p:cNvPicPr>
-          <p:nvPr/>
-        </p:nvPicPr>
-        <p:blipFill>
-          <a:blip r:embed="rId6"/>
-          <a:stretch>
-            <a:fillRect/>
-          </a:stretch>
-        </p:blipFill>
-        <p:spPr>
-          <a:xfrm>
-            <a:off x="2895600" y="5637192"/>
-            <a:ext cx="5951736" cy="1104996"/>
+            <a:off x="2889337" y="3177727"/>
+            <a:ext cx="7323455" cy="754445"/>
           </a:xfrm>
           <a:prstGeom prst="rect">
             <a:avLst/>
@@ -16924,7 +16763,7 @@
     </p:spTree>
     <p:extLst>
       <p:ext uri="{BB962C8B-B14F-4D97-AF65-F5344CB8AC3E}">
-        <p14:creationId xmlns:p14="http://schemas.microsoft.com/office/powerpoint/2010/main" val="450156691"/>
+        <p14:creationId xmlns:p14="http://schemas.microsoft.com/office/powerpoint/2010/main" val="1964077568"/>
       </p:ext>
     </p:extLst>
   </p:cSld>
@@ -16990,7 +16829,7 @@
                 <a:latin typeface="Trebuchet MS"/>
                 <a:cs typeface="Trebuchet MS"/>
               </a:rPr>
-              <a:t>Python For Loops</a:t>
+              <a:t>Loop Through a Dictionary</a:t>
             </a:r>
           </a:p>
         </p:txBody>
@@ -17045,7 +16884,7 @@
         <p:spPr>
           <a:xfrm>
             <a:off x="2757578" y="440521"/>
-            <a:ext cx="9129622" cy="1384995"/>
+            <a:ext cx="9129622" cy="954107"/>
           </a:xfrm>
           <a:prstGeom prst="rect">
             <a:avLst/>
@@ -17060,7 +16899,7 @@
           <a:p>
             <a:r>
               <a:rPr lang="en-US" sz="1400" dirty="0"/>
-              <a:t>A for loop is used for iterating over a sequence (that is either a list, a tuple, a dictionary, a set, or a string).</a:t>
+              <a:t>You can loop through a dictionary by using a for loop.</a:t>
             </a:r>
           </a:p>
           <a:p>
@@ -17069,26 +16908,17 @@
           <a:p>
             <a:r>
               <a:rPr lang="en-US" sz="1400" dirty="0"/>
-              <a:t>This is less like the for keyword in other programming languages, and works more like an iterator method as found in other object-orientated programming languages.</a:t>
-            </a:r>
-          </a:p>
-          <a:p>
-            <a:endParaRPr lang="en-US" sz="1400" dirty="0"/>
-          </a:p>
-          <a:p>
-            <a:r>
-              <a:rPr lang="en-US" sz="1400" dirty="0"/>
-              <a:t>With the for loop we can execute a set of statements, once for each item in a list, tuple, set etc.</a:t>
+              <a:t>When looping through a dictionary, the return value are the keys of the dictionary, but there are methods to return the values as well.</a:t>
             </a:r>
           </a:p>
         </p:txBody>
       </p:sp>
       <p:pic>
         <p:nvPicPr>
-          <p:cNvPr id="4" name="Picture 3">
-            <a:extLst>
-              <a:ext uri="{FF2B5EF4-FFF2-40B4-BE49-F238E27FC236}">
-                <a16:creationId xmlns:a16="http://schemas.microsoft.com/office/drawing/2014/main" id="{9249DC55-0EBF-43D5-9F1A-BB4CEAB79180}"/>
+          <p:cNvPr id="18" name="Picture 17">
+            <a:extLst>
+              <a:ext uri="{FF2B5EF4-FFF2-40B4-BE49-F238E27FC236}">
+                <a16:creationId xmlns:a16="http://schemas.microsoft.com/office/drawing/2014/main" id="{D8BA1B89-0E48-4236-A363-BB4AD29D9599}"/>
               </a:ext>
             </a:extLst>
           </p:cNvPr>
@@ -17105,8 +16935,8 @@
         </p:blipFill>
         <p:spPr>
           <a:xfrm>
-            <a:off x="2859066" y="1971971"/>
-            <a:ext cx="5464013" cy="1165961"/>
+            <a:off x="2924827" y="1535864"/>
+            <a:ext cx="4221846" cy="1066892"/>
           </a:xfrm>
           <a:prstGeom prst="rect">
             <a:avLst/>
@@ -17115,10 +16945,10 @@
       </p:pic>
       <p:pic>
         <p:nvPicPr>
-          <p:cNvPr id="6" name="Picture 5">
-            <a:extLst>
-              <a:ext uri="{FF2B5EF4-FFF2-40B4-BE49-F238E27FC236}">
-                <a16:creationId xmlns:a16="http://schemas.microsoft.com/office/drawing/2014/main" id="{7EF8BF95-3554-48CA-A94C-8604BB1738B9}"/>
+          <p:cNvPr id="20" name="Picture 19">
+            <a:extLst>
+              <a:ext uri="{FF2B5EF4-FFF2-40B4-BE49-F238E27FC236}">
+                <a16:creationId xmlns:a16="http://schemas.microsoft.com/office/drawing/2014/main" id="{82BF0386-FFB0-4381-B017-8A1164188FE7}"/>
               </a:ext>
             </a:extLst>
           </p:cNvPr>
@@ -17135,8 +16965,8 @@
         </p:blipFill>
         <p:spPr>
           <a:xfrm>
-            <a:off x="9220200" y="2057400"/>
-            <a:ext cx="2065199" cy="1684166"/>
+            <a:off x="7575386" y="1535864"/>
+            <a:ext cx="1691787" cy="1356478"/>
           </a:xfrm>
           <a:prstGeom prst="rect">
             <a:avLst/>
@@ -17145,10 +16975,10 @@
       </p:pic>
       <p:pic>
         <p:nvPicPr>
-          <p:cNvPr id="9" name="Picture 8">
-            <a:extLst>
-              <a:ext uri="{FF2B5EF4-FFF2-40B4-BE49-F238E27FC236}">
-                <a16:creationId xmlns:a16="http://schemas.microsoft.com/office/drawing/2014/main" id="{D51CA056-D449-4E5B-AB2B-3CEAE3F57A72}"/>
+          <p:cNvPr id="22" name="Picture 21">
+            <a:extLst>
+              <a:ext uri="{FF2B5EF4-FFF2-40B4-BE49-F238E27FC236}">
+                <a16:creationId xmlns:a16="http://schemas.microsoft.com/office/drawing/2014/main" id="{7FD36437-BFF8-437E-A3AF-7F9D527D5BDB}"/>
               </a:ext>
             </a:extLst>
           </p:cNvPr>
@@ -17165,8 +16995,8 @@
         </p:blipFill>
         <p:spPr>
           <a:xfrm>
-            <a:off x="2895600" y="3505200"/>
-            <a:ext cx="4762913" cy="1021168"/>
+            <a:off x="2924827" y="2933052"/>
+            <a:ext cx="4381880" cy="1051651"/>
           </a:xfrm>
           <a:prstGeom prst="rect">
             <a:avLst/>
@@ -17175,10 +17005,10 @@
       </p:pic>
       <p:pic>
         <p:nvPicPr>
-          <p:cNvPr id="12" name="Picture 11">
-            <a:extLst>
-              <a:ext uri="{FF2B5EF4-FFF2-40B4-BE49-F238E27FC236}">
-                <a16:creationId xmlns:a16="http://schemas.microsoft.com/office/drawing/2014/main" id="{45A4AD0A-E363-46BB-B8BC-961871C4559D}"/>
+          <p:cNvPr id="24" name="Picture 23">
+            <a:extLst>
+              <a:ext uri="{FF2B5EF4-FFF2-40B4-BE49-F238E27FC236}">
+                <a16:creationId xmlns:a16="http://schemas.microsoft.com/office/drawing/2014/main" id="{AFA20433-115A-4A97-A4B9-033B9D8893F1}"/>
               </a:ext>
             </a:extLst>
           </p:cNvPr>
@@ -17195,8 +17025,38 @@
         </p:blipFill>
         <p:spPr>
           <a:xfrm>
-            <a:off x="9278655" y="4027266"/>
-            <a:ext cx="1120237" cy="1707028"/>
+            <a:off x="2895600" y="4255245"/>
+            <a:ext cx="6774767" cy="1150720"/>
+          </a:xfrm>
+          <a:prstGeom prst="rect">
+            <a:avLst/>
+          </a:prstGeom>
+        </p:spPr>
+      </p:pic>
+      <p:pic>
+        <p:nvPicPr>
+          <p:cNvPr id="26" name="Picture 25">
+            <a:extLst>
+              <a:ext uri="{FF2B5EF4-FFF2-40B4-BE49-F238E27FC236}">
+                <a16:creationId xmlns:a16="http://schemas.microsoft.com/office/drawing/2014/main" id="{60D6FF9E-38BE-4D3E-87F0-FF1A9F77B1F7}"/>
+              </a:ext>
+            </a:extLst>
+          </p:cNvPr>
+          <p:cNvPicPr>
+            <a:picLocks noChangeAspect="1"/>
+          </p:cNvPicPr>
+          <p:nvPr/>
+        </p:nvPicPr>
+        <p:blipFill>
+          <a:blip r:embed="rId6"/>
+          <a:stretch>
+            <a:fillRect/>
+          </a:stretch>
+        </p:blipFill>
+        <p:spPr>
+          <a:xfrm>
+            <a:off x="2895600" y="5637192"/>
+            <a:ext cx="5951736" cy="1104996"/>
           </a:xfrm>
           <a:prstGeom prst="rect">
             <a:avLst/>
@@ -17206,7 +17066,7 @@
     </p:spTree>
     <p:extLst>
       <p:ext uri="{BB962C8B-B14F-4D97-AF65-F5344CB8AC3E}">
-        <p14:creationId xmlns:p14="http://schemas.microsoft.com/office/powerpoint/2010/main" val="2682884874"/>
+        <p14:creationId xmlns:p14="http://schemas.microsoft.com/office/powerpoint/2010/main" val="450156691"/>
       </p:ext>
     </p:extLst>
   </p:cSld>
@@ -17272,7 +17132,7 @@
                 <a:latin typeface="Trebuchet MS"/>
                 <a:cs typeface="Trebuchet MS"/>
               </a:rPr>
-              <a:t>Python For Loops</a:t>
+              <a:t>Dictionary Methods Complexity</a:t>
             </a:r>
           </a:p>
         </p:txBody>
@@ -17312,47 +17172,12 @@
           </a:p>
         </p:txBody>
       </p:sp>
-      <p:sp>
-        <p:nvSpPr>
-          <p:cNvPr id="10" name="תיבת טקסט 9">
-            <a:extLst>
-              <a:ext uri="{FF2B5EF4-FFF2-40B4-BE49-F238E27FC236}">
-                <a16:creationId xmlns:a16="http://schemas.microsoft.com/office/drawing/2014/main" id="{18AC4B54-B5F4-474E-9673-04DCF759462F}"/>
-              </a:ext>
-            </a:extLst>
-          </p:cNvPr>
-          <p:cNvSpPr txBox="1"/>
-          <p:nvPr/>
-        </p:nvSpPr>
-        <p:spPr>
-          <a:xfrm>
-            <a:off x="2757578" y="440521"/>
-            <a:ext cx="9129622" cy="307777"/>
-          </a:xfrm>
-          <a:prstGeom prst="rect">
-            <a:avLst/>
-          </a:prstGeom>
-          <a:noFill/>
-        </p:spPr>
-        <p:txBody>
-          <a:bodyPr wrap="square">
-            <a:spAutoFit/>
-          </a:bodyPr>
-          <a:lstStyle/>
-          <a:p>
-            <a:r>
-              <a:rPr lang="en-US" sz="1400" dirty="0"/>
-              <a:t>With the break statement we can stop the loop before it has looped through all the items:</a:t>
-            </a:r>
-          </a:p>
-        </p:txBody>
-      </p:sp>
       <p:pic>
         <p:nvPicPr>
-          <p:cNvPr id="5" name="Picture 4">
-            <a:extLst>
-              <a:ext uri="{FF2B5EF4-FFF2-40B4-BE49-F238E27FC236}">
-                <a16:creationId xmlns:a16="http://schemas.microsoft.com/office/drawing/2014/main" id="{9A67C01D-3D12-4DEA-A675-74DEBC4BDAB3}"/>
+          <p:cNvPr id="4" name="Picture 3">
+            <a:extLst>
+              <a:ext uri="{FF2B5EF4-FFF2-40B4-BE49-F238E27FC236}">
+                <a16:creationId xmlns:a16="http://schemas.microsoft.com/office/drawing/2014/main" id="{C2B5822F-B9C9-4946-B662-79A79DC8E7D1}"/>
               </a:ext>
             </a:extLst>
           </p:cNvPr>
@@ -17369,73 +17194,8 @@
         </p:blipFill>
         <p:spPr>
           <a:xfrm>
-            <a:off x="2868460" y="913542"/>
-            <a:ext cx="4778154" cy="1714649"/>
-          </a:xfrm>
-          <a:prstGeom prst="rect">
-            <a:avLst/>
-          </a:prstGeom>
-        </p:spPr>
-      </p:pic>
-      <p:sp>
-        <p:nvSpPr>
-          <p:cNvPr id="11" name="תיבת טקסט 9">
-            <a:extLst>
-              <a:ext uri="{FF2B5EF4-FFF2-40B4-BE49-F238E27FC236}">
-                <a16:creationId xmlns:a16="http://schemas.microsoft.com/office/drawing/2014/main" id="{815CF92B-D074-4585-A7C1-21D2B164D289}"/>
-              </a:ext>
-            </a:extLst>
-          </p:cNvPr>
-          <p:cNvSpPr txBox="1"/>
-          <p:nvPr/>
-        </p:nvSpPr>
-        <p:spPr>
-          <a:xfrm>
-            <a:off x="2868460" y="2779533"/>
-            <a:ext cx="9129622" cy="307777"/>
-          </a:xfrm>
-          <a:prstGeom prst="rect">
-            <a:avLst/>
-          </a:prstGeom>
-          <a:noFill/>
-        </p:spPr>
-        <p:txBody>
-          <a:bodyPr wrap="square">
-            <a:spAutoFit/>
-          </a:bodyPr>
-          <a:lstStyle/>
-          <a:p>
-            <a:r>
-              <a:rPr lang="en-US" sz="1400" dirty="0"/>
-              <a:t>With the continue statement we can stop the current iteration of the loop, and continue with the next:</a:t>
-            </a:r>
-          </a:p>
-        </p:txBody>
-      </p:sp>
-      <p:pic>
-        <p:nvPicPr>
-          <p:cNvPr id="13" name="Picture 12">
-            <a:extLst>
-              <a:ext uri="{FF2B5EF4-FFF2-40B4-BE49-F238E27FC236}">
-                <a16:creationId xmlns:a16="http://schemas.microsoft.com/office/drawing/2014/main" id="{9AC75138-4709-4921-B484-861FFB22AB69}"/>
-              </a:ext>
-            </a:extLst>
-          </p:cNvPr>
-          <p:cNvPicPr>
-            <a:picLocks noChangeAspect="1"/>
-          </p:cNvPicPr>
-          <p:nvPr/>
-        </p:nvPicPr>
-        <p:blipFill>
-          <a:blip r:embed="rId3"/>
-          <a:stretch>
-            <a:fillRect/>
-          </a:stretch>
-        </p:blipFill>
-        <p:spPr>
-          <a:xfrm>
-            <a:off x="2872270" y="3170958"/>
-            <a:ext cx="4770533" cy="1623201"/>
+            <a:off x="2971800" y="868628"/>
+            <a:ext cx="7037554" cy="3886200"/>
           </a:xfrm>
           <a:prstGeom prst="rect">
             <a:avLst/>
@@ -17445,7 +17205,7 @@
     </p:spTree>
     <p:extLst>
       <p:ext uri="{BB962C8B-B14F-4D97-AF65-F5344CB8AC3E}">
-        <p14:creationId xmlns:p14="http://schemas.microsoft.com/office/powerpoint/2010/main" val="3287473603"/>
+        <p14:creationId xmlns:p14="http://schemas.microsoft.com/office/powerpoint/2010/main" val="2293508377"/>
       </p:ext>
     </p:extLst>
   </p:cSld>
@@ -17720,7 +17480,7 @@
                 <a:latin typeface="Trebuchet MS"/>
                 <a:cs typeface="Trebuchet MS"/>
               </a:rPr>
-              <a:t>Python For Loops  The range() Function</a:t>
+              <a:t>python data structures </a:t>
             </a:r>
           </a:p>
         </p:txBody>
@@ -17760,343 +17520,57 @@
           </a:p>
         </p:txBody>
       </p:sp>
-      <p:sp>
-        <p:nvSpPr>
-          <p:cNvPr id="10" name="תיבת טקסט 9">
-            <a:extLst>
-              <a:ext uri="{FF2B5EF4-FFF2-40B4-BE49-F238E27FC236}">
-                <a16:creationId xmlns:a16="http://schemas.microsoft.com/office/drawing/2014/main" id="{18AC4B54-B5F4-474E-9673-04DCF759462F}"/>
-              </a:ext>
-            </a:extLst>
-          </p:cNvPr>
-          <p:cNvSpPr txBox="1"/>
-          <p:nvPr/>
-        </p:nvSpPr>
-        <p:spPr>
-          <a:xfrm>
-            <a:off x="2757578" y="440521"/>
-            <a:ext cx="9129622" cy="738664"/>
-          </a:xfrm>
-          <a:prstGeom prst="rect">
-            <a:avLst/>
-          </a:prstGeom>
-          <a:noFill/>
-        </p:spPr>
-        <p:txBody>
-          <a:bodyPr wrap="square">
-            <a:spAutoFit/>
-          </a:bodyPr>
-          <a:lstStyle/>
-          <a:p>
-            <a:r>
-              <a:rPr lang="en-US" sz="1400" dirty="0"/>
-              <a:t>To loop through a set of code a specified number of times, we can use the range() function,</a:t>
-            </a:r>
-          </a:p>
-          <a:p>
-            <a:r>
-              <a:rPr lang="en-US" sz="1400" dirty="0"/>
-              <a:t>The range() function returns a sequence of numbers, starting from 0 by default, and increments by 1 (by default), and ends at a specified number.</a:t>
-            </a:r>
-          </a:p>
-        </p:txBody>
-      </p:sp>
       <p:pic>
         <p:nvPicPr>
-          <p:cNvPr id="6" name="Picture 5">
-            <a:extLst>
-              <a:ext uri="{FF2B5EF4-FFF2-40B4-BE49-F238E27FC236}">
-                <a16:creationId xmlns:a16="http://schemas.microsoft.com/office/drawing/2014/main" id="{0C05D00E-490C-4067-99E5-023B1C5BEF86}"/>
+          <p:cNvPr id="1026" name="Picture 2" descr="Data Structures- Lists, Tuples, Dictionaries, and Sets in Python | by  Rachel Aitaru | Medium">
+            <a:extLst>
+              <a:ext uri="{FF2B5EF4-FFF2-40B4-BE49-F238E27FC236}">
+                <a16:creationId xmlns:a16="http://schemas.microsoft.com/office/drawing/2014/main" id="{93ECF399-58B6-4EC6-8B1E-CF13E29703BA}"/>
               </a:ext>
             </a:extLst>
           </p:cNvPr>
           <p:cNvPicPr>
-            <a:picLocks noChangeAspect="1"/>
+            <a:picLocks noChangeAspect="1" noChangeArrowheads="1"/>
           </p:cNvPicPr>
           <p:nvPr/>
         </p:nvPicPr>
         <p:blipFill>
-          <a:blip r:embed="rId2"/>
+          <a:blip r:embed="rId2">
+            <a:extLst>
+              <a:ext uri="{28A0092B-C50C-407E-A947-70E740481C1C}">
+                <a14:useLocalDpi xmlns:a14="http://schemas.microsoft.com/office/drawing/2010/main" val="0"/>
+              </a:ext>
+            </a:extLst>
+          </a:blip>
+          <a:srcRect/>
           <a:stretch>
             <a:fillRect/>
           </a:stretch>
         </p:blipFill>
-        <p:spPr>
-          <a:xfrm>
-            <a:off x="2971800" y="1307539"/>
-            <a:ext cx="2651990" cy="975445"/>
-          </a:xfrm>
-          <a:prstGeom prst="rect">
-            <a:avLst/>
-          </a:prstGeom>
-        </p:spPr>
-      </p:pic>
-      <p:pic>
-        <p:nvPicPr>
-          <p:cNvPr id="12" name="Picture 11">
-            <a:extLst>
-              <a:ext uri="{FF2B5EF4-FFF2-40B4-BE49-F238E27FC236}">
-                <a16:creationId xmlns:a16="http://schemas.microsoft.com/office/drawing/2014/main" id="{357F6136-761C-49D1-975B-8052024EDA0D}"/>
-              </a:ext>
-            </a:extLst>
-          </p:cNvPr>
-          <p:cNvPicPr>
-            <a:picLocks noChangeAspect="1"/>
-          </p:cNvPicPr>
-          <p:nvPr/>
-        </p:nvPicPr>
-        <p:blipFill>
-          <a:blip r:embed="rId3"/>
-          <a:stretch>
-            <a:fillRect/>
-          </a:stretch>
-        </p:blipFill>
-        <p:spPr>
-          <a:xfrm>
-            <a:off x="10591800" y="1066800"/>
-            <a:ext cx="1051651" cy="1630821"/>
-          </a:xfrm>
-          <a:prstGeom prst="rect">
-            <a:avLst/>
-          </a:prstGeom>
-        </p:spPr>
-      </p:pic>
-      <p:pic>
-        <p:nvPicPr>
-          <p:cNvPr id="15" name="Picture 14">
-            <a:extLst>
-              <a:ext uri="{FF2B5EF4-FFF2-40B4-BE49-F238E27FC236}">
-                <a16:creationId xmlns:a16="http://schemas.microsoft.com/office/drawing/2014/main" id="{2F0E7824-325B-4D11-96DA-98CDB1CF7EF5}"/>
-              </a:ext>
-            </a:extLst>
-          </p:cNvPr>
-          <p:cNvPicPr>
-            <a:picLocks noChangeAspect="1"/>
-          </p:cNvPicPr>
-          <p:nvPr/>
-        </p:nvPicPr>
-        <p:blipFill>
-          <a:blip r:embed="rId4"/>
-          <a:stretch>
-            <a:fillRect/>
-          </a:stretch>
-        </p:blipFill>
-        <p:spPr>
-          <a:xfrm>
-            <a:off x="2899090" y="2362853"/>
-            <a:ext cx="6736664" cy="571550"/>
-          </a:xfrm>
-          <a:prstGeom prst="rect">
-            <a:avLst/>
-          </a:prstGeom>
-        </p:spPr>
-      </p:pic>
-      <p:sp>
-        <p:nvSpPr>
-          <p:cNvPr id="16" name="תיבת טקסט 9">
-            <a:extLst>
-              <a:ext uri="{FF2B5EF4-FFF2-40B4-BE49-F238E27FC236}">
-                <a16:creationId xmlns:a16="http://schemas.microsoft.com/office/drawing/2014/main" id="{45BE2277-1138-4135-A583-B02ED45A4F9C}"/>
-              </a:ext>
-            </a:extLst>
-          </p:cNvPr>
-          <p:cNvSpPr txBox="1"/>
-          <p:nvPr/>
-        </p:nvSpPr>
-        <p:spPr>
-          <a:xfrm>
-            <a:off x="2816898" y="2908040"/>
-            <a:ext cx="9129622" cy="738664"/>
+        <p:spPr bwMode="auto">
+          <a:xfrm>
+            <a:off x="2806460" y="941354"/>
+            <a:ext cx="8970256" cy="3582263"/>
           </a:xfrm>
           <a:prstGeom prst="rect">
             <a:avLst/>
           </a:prstGeom>
           <a:noFill/>
-        </p:spPr>
-        <p:txBody>
-          <a:bodyPr wrap="square">
-            <a:spAutoFit/>
-          </a:bodyPr>
-          <a:lstStyle/>
-          <a:p>
-            <a:r>
-              <a:rPr lang="en-US" sz="1400" dirty="0"/>
-              <a:t>To loop through a set of code a specified number of times, we can use the range() function,</a:t>
-            </a:r>
-          </a:p>
-          <a:p>
-            <a:r>
-              <a:rPr lang="en-US" sz="1400" dirty="0"/>
-              <a:t>The range() function returns a sequence of numbers, starting from 0 by default, and increments by 1 (by default), and ends at a specified number.</a:t>
-            </a:r>
-          </a:p>
-        </p:txBody>
-      </p:sp>
-      <p:pic>
-        <p:nvPicPr>
-          <p:cNvPr id="18" name="Picture 17">
-            <a:extLst>
-              <a:ext uri="{FF2B5EF4-FFF2-40B4-BE49-F238E27FC236}">
-                <a16:creationId xmlns:a16="http://schemas.microsoft.com/office/drawing/2014/main" id="{56C83166-0E2B-4B6B-9037-DDF7245CA2C3}"/>
-              </a:ext>
-            </a:extLst>
-          </p:cNvPr>
-          <p:cNvPicPr>
-            <a:picLocks noChangeAspect="1"/>
-          </p:cNvPicPr>
-          <p:nvPr/>
-        </p:nvPicPr>
-        <p:blipFill>
-          <a:blip r:embed="rId5"/>
-          <a:stretch>
-            <a:fillRect/>
-          </a:stretch>
-        </p:blipFill>
-        <p:spPr>
-          <a:xfrm>
-            <a:off x="2842994" y="3692737"/>
-            <a:ext cx="2812024" cy="998307"/>
-          </a:xfrm>
-          <a:prstGeom prst="rect">
-            <a:avLst/>
-          </a:prstGeom>
-        </p:spPr>
-      </p:pic>
-      <p:pic>
-        <p:nvPicPr>
-          <p:cNvPr id="20" name="Picture 19">
-            <a:extLst>
-              <a:ext uri="{FF2B5EF4-FFF2-40B4-BE49-F238E27FC236}">
-                <a16:creationId xmlns:a16="http://schemas.microsoft.com/office/drawing/2014/main" id="{91E41B25-814E-46DE-AABF-D45D1E60827F}"/>
-              </a:ext>
-            </a:extLst>
-          </p:cNvPr>
-          <p:cNvPicPr>
-            <a:picLocks noChangeAspect="1"/>
-          </p:cNvPicPr>
-          <p:nvPr/>
-        </p:nvPicPr>
-        <p:blipFill rotWithShape="1">
-          <a:blip r:embed="rId6"/>
-          <a:srcRect b="17645"/>
-          <a:stretch/>
-        </p:blipFill>
-        <p:spPr>
-          <a:xfrm>
-            <a:off x="6019800" y="3479590"/>
-            <a:ext cx="662997" cy="1186165"/>
-          </a:xfrm>
-          <a:prstGeom prst="rect">
-            <a:avLst/>
-          </a:prstGeom>
-        </p:spPr>
-      </p:pic>
-      <p:sp>
-        <p:nvSpPr>
-          <p:cNvPr id="21" name="תיבת טקסט 9">
-            <a:extLst>
-              <a:ext uri="{FF2B5EF4-FFF2-40B4-BE49-F238E27FC236}">
-                <a16:creationId xmlns:a16="http://schemas.microsoft.com/office/drawing/2014/main" id="{BAD89D2E-ABCC-4BEE-B8D2-D17BB3ED9057}"/>
-              </a:ext>
-            </a:extLst>
-          </p:cNvPr>
-          <p:cNvSpPr txBox="1"/>
-          <p:nvPr/>
-        </p:nvSpPr>
-        <p:spPr>
-          <a:xfrm>
-            <a:off x="2836731" y="4741252"/>
-            <a:ext cx="9129622" cy="523220"/>
-          </a:xfrm>
-          <a:prstGeom prst="rect">
-            <a:avLst/>
-          </a:prstGeom>
-          <a:noFill/>
-        </p:spPr>
-        <p:txBody>
-          <a:bodyPr wrap="square">
-            <a:spAutoFit/>
-          </a:bodyPr>
-          <a:lstStyle/>
-          <a:p>
-            <a:r>
-              <a:rPr lang="en-US" sz="1400" dirty="0"/>
-              <a:t>The range() function defaults to increment the sequence by 1, however it is possible to specify </a:t>
-            </a:r>
-            <a:endParaRPr lang="he-IL" sz="1400" dirty="0"/>
-          </a:p>
-          <a:p>
-            <a:r>
-              <a:rPr lang="en-US" sz="1400" dirty="0"/>
-              <a:t>the increment value by adding a third parameter: range(2, 30, 3):</a:t>
-            </a:r>
-          </a:p>
-        </p:txBody>
-      </p:sp>
-      <p:pic>
-        <p:nvPicPr>
-          <p:cNvPr id="23" name="Picture 22">
-            <a:extLst>
-              <a:ext uri="{FF2B5EF4-FFF2-40B4-BE49-F238E27FC236}">
-                <a16:creationId xmlns:a16="http://schemas.microsoft.com/office/drawing/2014/main" id="{BEA51F07-D0C5-4F3A-A649-1FC40EC4DB78}"/>
-              </a:ext>
-            </a:extLst>
-          </p:cNvPr>
-          <p:cNvPicPr>
-            <a:picLocks noChangeAspect="1"/>
-          </p:cNvPicPr>
-          <p:nvPr/>
-        </p:nvPicPr>
-        <p:blipFill>
-          <a:blip r:embed="rId7"/>
-          <a:stretch>
-            <a:fillRect/>
-          </a:stretch>
-        </p:blipFill>
-        <p:spPr>
-          <a:xfrm>
-            <a:off x="2899775" y="5377797"/>
-            <a:ext cx="4610500" cy="952583"/>
-          </a:xfrm>
-          <a:prstGeom prst="rect">
-            <a:avLst/>
-          </a:prstGeom>
-        </p:spPr>
-      </p:pic>
-      <p:pic>
-        <p:nvPicPr>
-          <p:cNvPr id="25" name="Picture 24">
-            <a:extLst>
-              <a:ext uri="{FF2B5EF4-FFF2-40B4-BE49-F238E27FC236}">
-                <a16:creationId xmlns:a16="http://schemas.microsoft.com/office/drawing/2014/main" id="{B67F5FD1-2692-41FF-843F-44409DF6EE2C}"/>
-              </a:ext>
-            </a:extLst>
-          </p:cNvPr>
-          <p:cNvPicPr>
-            <a:picLocks noChangeAspect="1"/>
-          </p:cNvPicPr>
-          <p:nvPr/>
-        </p:nvPicPr>
-        <p:blipFill>
-          <a:blip r:embed="rId8"/>
-          <a:stretch>
-            <a:fillRect/>
-          </a:stretch>
-        </p:blipFill>
-        <p:spPr>
-          <a:xfrm>
-            <a:off x="10470962" y="4691044"/>
-            <a:ext cx="962335" cy="2124887"/>
-          </a:xfrm>
-          <a:prstGeom prst="rect">
-            <a:avLst/>
-          </a:prstGeom>
+          <a:extLst>
+            <a:ext uri="{909E8E84-426E-40DD-AFC4-6F175D3DCCD1}">
+              <a14:hiddenFill xmlns:a14="http://schemas.microsoft.com/office/drawing/2010/main">
+                <a:solidFill>
+                  <a:srgbClr val="FFFFFF"/>
+                </a:solidFill>
+              </a14:hiddenFill>
+            </a:ext>
+          </a:extLst>
         </p:spPr>
       </p:pic>
     </p:spTree>
     <p:extLst>
       <p:ext uri="{BB962C8B-B14F-4D97-AF65-F5344CB8AC3E}">
-        <p14:creationId xmlns:p14="http://schemas.microsoft.com/office/powerpoint/2010/main" val="2554105143"/>
+        <p14:creationId xmlns:p14="http://schemas.microsoft.com/office/powerpoint/2010/main" val="2986946005"/>
       </p:ext>
     </p:extLst>
   </p:cSld>
@@ -18216,8 +17690,8 @@
         </p:nvSpPr>
         <p:spPr>
           <a:xfrm>
-            <a:off x="2754088" y="392475"/>
-            <a:ext cx="9129622" cy="738664"/>
+            <a:off x="2757578" y="440521"/>
+            <a:ext cx="9129622" cy="1384995"/>
           </a:xfrm>
           <a:prstGeom prst="rect">
             <a:avLst/>
@@ -18232,7 +17706,7 @@
           <a:p>
             <a:r>
               <a:rPr lang="en-US" sz="1400" dirty="0"/>
-              <a:t>A nested loop is a loop inside a loop.</a:t>
+              <a:t>A for loop is used for iterating over a sequence (that is either a list, a tuple, a dictionary, a set, or a string).</a:t>
             </a:r>
           </a:p>
           <a:p>
@@ -18241,49 +17715,16 @@
           <a:p>
             <a:r>
               <a:rPr lang="en-US" sz="1400" dirty="0"/>
-              <a:t>The "inner loop" will be executed one time for each iteration of the "outer loop":</a:t>
-            </a:r>
-          </a:p>
-        </p:txBody>
-      </p:sp>
-      <p:sp>
-        <p:nvSpPr>
-          <p:cNvPr id="16" name="תיבת טקסט 9">
-            <a:extLst>
-              <a:ext uri="{FF2B5EF4-FFF2-40B4-BE49-F238E27FC236}">
-                <a16:creationId xmlns:a16="http://schemas.microsoft.com/office/drawing/2014/main" id="{45BE2277-1138-4135-A583-B02ED45A4F9C}"/>
-              </a:ext>
-            </a:extLst>
-          </p:cNvPr>
-          <p:cNvSpPr txBox="1"/>
-          <p:nvPr/>
-        </p:nvSpPr>
-        <p:spPr>
-          <a:xfrm>
-            <a:off x="2816898" y="2908040"/>
-            <a:ext cx="9129622" cy="738664"/>
-          </a:xfrm>
-          <a:prstGeom prst="rect">
-            <a:avLst/>
-          </a:prstGeom>
-          <a:noFill/>
-        </p:spPr>
-        <p:txBody>
-          <a:bodyPr wrap="square">
-            <a:spAutoFit/>
-          </a:bodyPr>
-          <a:lstStyle/>
+              <a:t>This is less like the for keyword in other programming languages, and works more like an iterator method as found in other object-orientated programming languages.</a:t>
+            </a:r>
+          </a:p>
+          <a:p>
+            <a:endParaRPr lang="en-US" sz="1400" dirty="0"/>
+          </a:p>
           <a:p>
             <a:r>
               <a:rPr lang="en-US" sz="1400" dirty="0"/>
-              <a:t>The pass Statement</a:t>
-            </a:r>
-            <a:endParaRPr lang="he-IL" sz="1400" dirty="0"/>
-          </a:p>
-          <a:p>
-            <a:r>
-              <a:rPr lang="en-US" sz="1400" dirty="0"/>
-              <a:t>for loops cannot be empty, but if you for some reason have a for loop with no content, put in the pass statement to avoid getting an error.</a:t>
+              <a:t>With the for loop we can execute a set of statements, once for each item in a list, tuple, set etc.</a:t>
             </a:r>
           </a:p>
         </p:txBody>
@@ -18293,7 +17734,7 @@
           <p:cNvPr id="4" name="Picture 3">
             <a:extLst>
               <a:ext uri="{FF2B5EF4-FFF2-40B4-BE49-F238E27FC236}">
-                <a16:creationId xmlns:a16="http://schemas.microsoft.com/office/drawing/2014/main" id="{A0F70BE2-C6B8-4E08-80A7-B3E06292FA84}"/>
+                <a16:creationId xmlns:a16="http://schemas.microsoft.com/office/drawing/2014/main" id="{9249DC55-0EBF-43D5-9F1A-BB4CEAB79180}"/>
               </a:ext>
             </a:extLst>
           </p:cNvPr>
@@ -18310,8 +17751,8 @@
         </p:blipFill>
         <p:spPr>
           <a:xfrm>
-            <a:off x="2912384" y="1244464"/>
-            <a:ext cx="4267200" cy="1666875"/>
+            <a:off x="2859066" y="1971971"/>
+            <a:ext cx="5464013" cy="1165961"/>
           </a:xfrm>
           <a:prstGeom prst="rect">
             <a:avLst/>
@@ -18320,10 +17761,10 @@
       </p:pic>
       <p:pic>
         <p:nvPicPr>
-          <p:cNvPr id="9" name="Picture 8">
-            <a:extLst>
-              <a:ext uri="{FF2B5EF4-FFF2-40B4-BE49-F238E27FC236}">
-                <a16:creationId xmlns:a16="http://schemas.microsoft.com/office/drawing/2014/main" id="{A962F4E7-7DAE-47C7-8A97-AC222BA8B175}"/>
+          <p:cNvPr id="6" name="Picture 5">
+            <a:extLst>
+              <a:ext uri="{FF2B5EF4-FFF2-40B4-BE49-F238E27FC236}">
+                <a16:creationId xmlns:a16="http://schemas.microsoft.com/office/drawing/2014/main" id="{7EF8BF95-3554-48CA-A94C-8604BB1738B9}"/>
               </a:ext>
             </a:extLst>
           </p:cNvPr>
@@ -18340,8 +17781,68 @@
         </p:blipFill>
         <p:spPr>
           <a:xfrm>
-            <a:off x="2895600" y="3733800"/>
-            <a:ext cx="2415749" cy="701101"/>
+            <a:off x="9220200" y="2057400"/>
+            <a:ext cx="2065199" cy="1684166"/>
+          </a:xfrm>
+          <a:prstGeom prst="rect">
+            <a:avLst/>
+          </a:prstGeom>
+        </p:spPr>
+      </p:pic>
+      <p:pic>
+        <p:nvPicPr>
+          <p:cNvPr id="9" name="Picture 8">
+            <a:extLst>
+              <a:ext uri="{FF2B5EF4-FFF2-40B4-BE49-F238E27FC236}">
+                <a16:creationId xmlns:a16="http://schemas.microsoft.com/office/drawing/2014/main" id="{D51CA056-D449-4E5B-AB2B-3CEAE3F57A72}"/>
+              </a:ext>
+            </a:extLst>
+          </p:cNvPr>
+          <p:cNvPicPr>
+            <a:picLocks noChangeAspect="1"/>
+          </p:cNvPicPr>
+          <p:nvPr/>
+        </p:nvPicPr>
+        <p:blipFill>
+          <a:blip r:embed="rId4"/>
+          <a:stretch>
+            <a:fillRect/>
+          </a:stretch>
+        </p:blipFill>
+        <p:spPr>
+          <a:xfrm>
+            <a:off x="2895600" y="3505200"/>
+            <a:ext cx="4762913" cy="1021168"/>
+          </a:xfrm>
+          <a:prstGeom prst="rect">
+            <a:avLst/>
+          </a:prstGeom>
+        </p:spPr>
+      </p:pic>
+      <p:pic>
+        <p:nvPicPr>
+          <p:cNvPr id="12" name="Picture 11">
+            <a:extLst>
+              <a:ext uri="{FF2B5EF4-FFF2-40B4-BE49-F238E27FC236}">
+                <a16:creationId xmlns:a16="http://schemas.microsoft.com/office/drawing/2014/main" id="{45A4AD0A-E363-46BB-B8BC-961871C4559D}"/>
+              </a:ext>
+            </a:extLst>
+          </p:cNvPr>
+          <p:cNvPicPr>
+            <a:picLocks noChangeAspect="1"/>
+          </p:cNvPicPr>
+          <p:nvPr/>
+        </p:nvPicPr>
+        <p:blipFill>
+          <a:blip r:embed="rId5"/>
+          <a:stretch>
+            <a:fillRect/>
+          </a:stretch>
+        </p:blipFill>
+        <p:spPr>
+          <a:xfrm>
+            <a:off x="9278655" y="4027266"/>
+            <a:ext cx="1120237" cy="1707028"/>
           </a:xfrm>
           <a:prstGeom prst="rect">
             <a:avLst/>
@@ -18351,7 +17852,7 @@
     </p:spTree>
     <p:extLst>
       <p:ext uri="{BB962C8B-B14F-4D97-AF65-F5344CB8AC3E}">
-        <p14:creationId xmlns:p14="http://schemas.microsoft.com/office/powerpoint/2010/main" val="3624734538"/>
+        <p14:creationId xmlns:p14="http://schemas.microsoft.com/office/powerpoint/2010/main" val="2682884874"/>
       </p:ext>
     </p:extLst>
   </p:cSld>
@@ -18417,7 +17918,7 @@
                 <a:latin typeface="Trebuchet MS"/>
                 <a:cs typeface="Trebuchet MS"/>
               </a:rPr>
-              <a:t>Python Functions</a:t>
+              <a:t>Python For Loops</a:t>
             </a:r>
           </a:p>
         </p:txBody>
@@ -18471,7 +17972,7 @@
         </p:nvSpPr>
         <p:spPr>
           <a:xfrm>
-            <a:off x="2754088" y="392475"/>
+            <a:off x="2757578" y="440521"/>
             <a:ext cx="9129622" cy="307777"/>
           </a:xfrm>
           <a:prstGeom prst="rect">
@@ -18487,42 +17988,7 @@
           <a:p>
             <a:r>
               <a:rPr lang="en-US" sz="1400" dirty="0"/>
-              <a:t>n Python a function is defined using the def keyword:</a:t>
-            </a:r>
-          </a:p>
-        </p:txBody>
-      </p:sp>
-      <p:sp>
-        <p:nvSpPr>
-          <p:cNvPr id="16" name="תיבת טקסט 9">
-            <a:extLst>
-              <a:ext uri="{FF2B5EF4-FFF2-40B4-BE49-F238E27FC236}">
-                <a16:creationId xmlns:a16="http://schemas.microsoft.com/office/drawing/2014/main" id="{45BE2277-1138-4135-A583-B02ED45A4F9C}"/>
-              </a:ext>
-            </a:extLst>
-          </p:cNvPr>
-          <p:cNvSpPr txBox="1"/>
-          <p:nvPr/>
-        </p:nvSpPr>
-        <p:spPr>
-          <a:xfrm>
-            <a:off x="2711124" y="2103342"/>
-            <a:ext cx="9129622" cy="307777"/>
-          </a:xfrm>
-          <a:prstGeom prst="rect">
-            <a:avLst/>
-          </a:prstGeom>
-          <a:noFill/>
-        </p:spPr>
-        <p:txBody>
-          <a:bodyPr wrap="square">
-            <a:spAutoFit/>
-          </a:bodyPr>
-          <a:lstStyle/>
-          <a:p>
-            <a:r>
-              <a:rPr lang="en-US" sz="1400" dirty="0"/>
-              <a:t>To call a function, use the function name followed by parenthesis:</a:t>
+              <a:t>With the break statement we can stop the loop before it has looped through all the items:</a:t>
             </a:r>
           </a:p>
         </p:txBody>
@@ -18532,7 +17998,7 @@
           <p:cNvPr id="5" name="Picture 4">
             <a:extLst>
               <a:ext uri="{FF2B5EF4-FFF2-40B4-BE49-F238E27FC236}">
-                <a16:creationId xmlns:a16="http://schemas.microsoft.com/office/drawing/2014/main" id="{D1AF3751-08C8-45ED-B30B-3CF0617411CB}"/>
+                <a16:creationId xmlns:a16="http://schemas.microsoft.com/office/drawing/2014/main" id="{9A67C01D-3D12-4DEA-A675-74DEBC4BDAB3}"/>
               </a:ext>
             </a:extLst>
           </p:cNvPr>
@@ -18549,20 +18015,55 @@
         </p:blipFill>
         <p:spPr>
           <a:xfrm>
-            <a:off x="2806460" y="837868"/>
-            <a:ext cx="3307367" cy="1127858"/>
+            <a:off x="2868460" y="913542"/>
+            <a:ext cx="4778154" cy="1714649"/>
           </a:xfrm>
           <a:prstGeom prst="rect">
             <a:avLst/>
           </a:prstGeom>
         </p:spPr>
       </p:pic>
+      <p:sp>
+        <p:nvSpPr>
+          <p:cNvPr id="11" name="תיבת טקסט 9">
+            <a:extLst>
+              <a:ext uri="{FF2B5EF4-FFF2-40B4-BE49-F238E27FC236}">
+                <a16:creationId xmlns:a16="http://schemas.microsoft.com/office/drawing/2014/main" id="{815CF92B-D074-4585-A7C1-21D2B164D289}"/>
+              </a:ext>
+            </a:extLst>
+          </p:cNvPr>
+          <p:cNvSpPr txBox="1"/>
+          <p:nvPr/>
+        </p:nvSpPr>
+        <p:spPr>
+          <a:xfrm>
+            <a:off x="2868460" y="2779533"/>
+            <a:ext cx="9129622" cy="307777"/>
+          </a:xfrm>
+          <a:prstGeom prst="rect">
+            <a:avLst/>
+          </a:prstGeom>
+          <a:noFill/>
+        </p:spPr>
+        <p:txBody>
+          <a:bodyPr wrap="square">
+            <a:spAutoFit/>
+          </a:bodyPr>
+          <a:lstStyle/>
+          <a:p>
+            <a:r>
+              <a:rPr lang="en-US" sz="1400" dirty="0"/>
+              <a:t>With the continue statement we can stop the current iteration of the loop, and continue with the next:</a:t>
+            </a:r>
+          </a:p>
+        </p:txBody>
+      </p:sp>
       <p:pic>
         <p:nvPicPr>
-          <p:cNvPr id="7" name="Picture 6">
-            <a:extLst>
-              <a:ext uri="{FF2B5EF4-FFF2-40B4-BE49-F238E27FC236}">
-                <a16:creationId xmlns:a16="http://schemas.microsoft.com/office/drawing/2014/main" id="{5B78D863-E5E7-4103-A775-5FC400CAEEA4}"/>
+          <p:cNvPr id="13" name="Picture 12">
+            <a:extLst>
+              <a:ext uri="{FF2B5EF4-FFF2-40B4-BE49-F238E27FC236}">
+                <a16:creationId xmlns:a16="http://schemas.microsoft.com/office/drawing/2014/main" id="{9AC75138-4709-4921-B484-861FFB22AB69}"/>
               </a:ext>
             </a:extLst>
           </p:cNvPr>
@@ -18579,99 +18080,8 @@
         </p:blipFill>
         <p:spPr>
           <a:xfrm>
-            <a:off x="7772400" y="2085765"/>
-            <a:ext cx="1569856" cy="342930"/>
-          </a:xfrm>
-          <a:prstGeom prst="rect">
-            <a:avLst/>
-          </a:prstGeom>
-        </p:spPr>
-      </p:pic>
-      <p:sp>
-        <p:nvSpPr>
-          <p:cNvPr id="12" name="תיבת טקסט 9">
-            <a:extLst>
-              <a:ext uri="{FF2B5EF4-FFF2-40B4-BE49-F238E27FC236}">
-                <a16:creationId xmlns:a16="http://schemas.microsoft.com/office/drawing/2014/main" id="{ACF18D42-302A-4EB9-8418-6DCA13AB7F00}"/>
-              </a:ext>
-            </a:extLst>
-          </p:cNvPr>
-          <p:cNvSpPr txBox="1"/>
-          <p:nvPr/>
-        </p:nvSpPr>
-        <p:spPr>
-          <a:xfrm>
-            <a:off x="2754088" y="2548735"/>
-            <a:ext cx="9129622" cy="1600438"/>
-          </a:xfrm>
-          <a:prstGeom prst="rect">
-            <a:avLst/>
-          </a:prstGeom>
-          <a:noFill/>
-        </p:spPr>
-        <p:txBody>
-          <a:bodyPr wrap="square">
-            <a:spAutoFit/>
-          </a:bodyPr>
-          <a:lstStyle/>
-          <a:p>
-            <a:r>
-              <a:rPr lang="en-US" sz="1400" dirty="0"/>
-              <a:t>Information can be passed into functions as arguments.</a:t>
-            </a:r>
-          </a:p>
-          <a:p>
-            <a:endParaRPr lang="en-US" sz="1400" dirty="0"/>
-          </a:p>
-          <a:p>
-            <a:r>
-              <a:rPr lang="en-US" sz="1400" dirty="0"/>
-              <a:t>Arguments are specified after the function name, inside the parentheses. You can add as many arguments as you want, just separate them with a comma.</a:t>
-            </a:r>
-          </a:p>
-          <a:p>
-            <a:endParaRPr lang="en-US" sz="1400" dirty="0"/>
-          </a:p>
-          <a:p>
-            <a:r>
-              <a:rPr lang="en-US" sz="1400" dirty="0"/>
-              <a:t>The following example has a function with one argument (</a:t>
-            </a:r>
-            <a:r>
-              <a:rPr lang="en-US" sz="1400" dirty="0" err="1"/>
-              <a:t>fname</a:t>
-            </a:r>
-            <a:r>
-              <a:rPr lang="en-US" sz="1400" dirty="0"/>
-              <a:t>). When the function is called, we pass along a first name, which is used inside the function to print the full name:</a:t>
-            </a:r>
-          </a:p>
-        </p:txBody>
-      </p:sp>
-      <p:pic>
-        <p:nvPicPr>
-          <p:cNvPr id="13" name="Picture 12">
-            <a:extLst>
-              <a:ext uri="{FF2B5EF4-FFF2-40B4-BE49-F238E27FC236}">
-                <a16:creationId xmlns:a16="http://schemas.microsoft.com/office/drawing/2014/main" id="{F36A3273-D5B1-4822-895A-26B79A28DE24}"/>
-              </a:ext>
-            </a:extLst>
-          </p:cNvPr>
-          <p:cNvPicPr>
-            <a:picLocks noChangeAspect="1"/>
-          </p:cNvPicPr>
-          <p:nvPr/>
-        </p:nvPicPr>
-        <p:blipFill>
-          <a:blip r:embed="rId4"/>
-          <a:stretch>
-            <a:fillRect/>
-          </a:stretch>
-        </p:blipFill>
-        <p:spPr>
-          <a:xfrm>
-            <a:off x="2806460" y="4299349"/>
-            <a:ext cx="2933954" cy="1341236"/>
+            <a:off x="2872270" y="3170958"/>
+            <a:ext cx="4770533" cy="1623201"/>
           </a:xfrm>
           <a:prstGeom prst="rect">
             <a:avLst/>
@@ -18681,7 +18091,7 @@
     </p:spTree>
     <p:extLst>
       <p:ext uri="{BB962C8B-B14F-4D97-AF65-F5344CB8AC3E}">
-        <p14:creationId xmlns:p14="http://schemas.microsoft.com/office/powerpoint/2010/main" val="1383092833"/>
+        <p14:creationId xmlns:p14="http://schemas.microsoft.com/office/powerpoint/2010/main" val="3287473603"/>
       </p:ext>
     </p:extLst>
   </p:cSld>
@@ -18747,7 +18157,7 @@
                 <a:latin typeface="Trebuchet MS"/>
                 <a:cs typeface="Trebuchet MS"/>
               </a:rPr>
-              <a:t>Python Functions</a:t>
+              <a:t>Python For Loops  The range() Function</a:t>
             </a:r>
           </a:p>
         </p:txBody>
@@ -18801,8 +18211,8 @@
         </p:nvSpPr>
         <p:spPr>
           <a:xfrm>
-            <a:off x="2754088" y="392475"/>
-            <a:ext cx="9129622" cy="307777"/>
+            <a:off x="2757578" y="440521"/>
+            <a:ext cx="9129622" cy="738664"/>
           </a:xfrm>
           <a:prstGeom prst="rect">
             <a:avLst/>
@@ -18817,52 +18227,23 @@
           <a:p>
             <a:r>
               <a:rPr lang="en-US" sz="1400" dirty="0"/>
-              <a:t>n Python a function is defined using the def keyword:</a:t>
-            </a:r>
-          </a:p>
-        </p:txBody>
-      </p:sp>
-      <p:sp>
-        <p:nvSpPr>
-          <p:cNvPr id="16" name="תיבת טקסט 9">
-            <a:extLst>
-              <a:ext uri="{FF2B5EF4-FFF2-40B4-BE49-F238E27FC236}">
-                <a16:creationId xmlns:a16="http://schemas.microsoft.com/office/drawing/2014/main" id="{45BE2277-1138-4135-A583-B02ED45A4F9C}"/>
-              </a:ext>
-            </a:extLst>
-          </p:cNvPr>
-          <p:cNvSpPr txBox="1"/>
-          <p:nvPr/>
-        </p:nvSpPr>
-        <p:spPr>
-          <a:xfrm>
-            <a:off x="2711124" y="2103342"/>
-            <a:ext cx="9129622" cy="307777"/>
-          </a:xfrm>
-          <a:prstGeom prst="rect">
-            <a:avLst/>
-          </a:prstGeom>
-          <a:noFill/>
-        </p:spPr>
-        <p:txBody>
-          <a:bodyPr wrap="square">
-            <a:spAutoFit/>
-          </a:bodyPr>
-          <a:lstStyle/>
+              <a:t>To loop through a set of code a specified number of times, we can use the range() function,</a:t>
+            </a:r>
+          </a:p>
           <a:p>
             <a:r>
               <a:rPr lang="en-US" sz="1400" dirty="0"/>
-              <a:t>To call a function, use the function name followed by parenthesis:</a:t>
+              <a:t>The range() function returns a sequence of numbers, starting from 0 by default, and increments by 1 (by default), and ends at a specified number.</a:t>
             </a:r>
           </a:p>
         </p:txBody>
       </p:sp>
       <p:pic>
         <p:nvPicPr>
-          <p:cNvPr id="5" name="Picture 4">
-            <a:extLst>
-              <a:ext uri="{FF2B5EF4-FFF2-40B4-BE49-F238E27FC236}">
-                <a16:creationId xmlns:a16="http://schemas.microsoft.com/office/drawing/2014/main" id="{D1AF3751-08C8-45ED-B30B-3CF0617411CB}"/>
+          <p:cNvPr id="6" name="Picture 5">
+            <a:extLst>
+              <a:ext uri="{FF2B5EF4-FFF2-40B4-BE49-F238E27FC236}">
+                <a16:creationId xmlns:a16="http://schemas.microsoft.com/office/drawing/2014/main" id="{0C05D00E-490C-4067-99E5-023B1C5BEF86}"/>
               </a:ext>
             </a:extLst>
           </p:cNvPr>
@@ -18879,8 +18260,8 @@
         </p:blipFill>
         <p:spPr>
           <a:xfrm>
-            <a:off x="2806460" y="837868"/>
-            <a:ext cx="3307367" cy="1127858"/>
+            <a:off x="2971800" y="1307539"/>
+            <a:ext cx="2651990" cy="975445"/>
           </a:xfrm>
           <a:prstGeom prst="rect">
             <a:avLst/>
@@ -18889,10 +18270,10 @@
       </p:pic>
       <p:pic>
         <p:nvPicPr>
-          <p:cNvPr id="7" name="Picture 6">
-            <a:extLst>
-              <a:ext uri="{FF2B5EF4-FFF2-40B4-BE49-F238E27FC236}">
-                <a16:creationId xmlns:a16="http://schemas.microsoft.com/office/drawing/2014/main" id="{5B78D863-E5E7-4103-A775-5FC400CAEEA4}"/>
+          <p:cNvPr id="12" name="Picture 11">
+            <a:extLst>
+              <a:ext uri="{FF2B5EF4-FFF2-40B4-BE49-F238E27FC236}">
+                <a16:creationId xmlns:a16="http://schemas.microsoft.com/office/drawing/2014/main" id="{357F6136-761C-49D1-975B-8052024EDA0D}"/>
               </a:ext>
             </a:extLst>
           </p:cNvPr>
@@ -18909,81 +18290,20 @@
         </p:blipFill>
         <p:spPr>
           <a:xfrm>
-            <a:off x="7772400" y="2085765"/>
-            <a:ext cx="1569856" cy="342930"/>
+            <a:off x="10591800" y="1066800"/>
+            <a:ext cx="1051651" cy="1630821"/>
           </a:xfrm>
           <a:prstGeom prst="rect">
             <a:avLst/>
           </a:prstGeom>
         </p:spPr>
       </p:pic>
-      <p:sp>
-        <p:nvSpPr>
-          <p:cNvPr id="12" name="תיבת טקסט 9">
-            <a:extLst>
-              <a:ext uri="{FF2B5EF4-FFF2-40B4-BE49-F238E27FC236}">
-                <a16:creationId xmlns:a16="http://schemas.microsoft.com/office/drawing/2014/main" id="{ACF18D42-302A-4EB9-8418-6DCA13AB7F00}"/>
-              </a:ext>
-            </a:extLst>
-          </p:cNvPr>
-          <p:cNvSpPr txBox="1"/>
-          <p:nvPr/>
-        </p:nvSpPr>
-        <p:spPr>
-          <a:xfrm>
-            <a:off x="2754088" y="2548735"/>
-            <a:ext cx="9129622" cy="1600438"/>
-          </a:xfrm>
-          <a:prstGeom prst="rect">
-            <a:avLst/>
-          </a:prstGeom>
-          <a:noFill/>
-        </p:spPr>
-        <p:txBody>
-          <a:bodyPr wrap="square">
-            <a:spAutoFit/>
-          </a:bodyPr>
-          <a:lstStyle/>
-          <a:p>
-            <a:r>
-              <a:rPr lang="en-US" sz="1400" dirty="0"/>
-              <a:t>Information can be passed into functions as arguments.</a:t>
-            </a:r>
-          </a:p>
-          <a:p>
-            <a:endParaRPr lang="en-US" sz="1400" dirty="0"/>
-          </a:p>
-          <a:p>
-            <a:r>
-              <a:rPr lang="en-US" sz="1400" dirty="0"/>
-              <a:t>Arguments are specified after the function name, inside the parentheses. You can add as many arguments as you want, just separate them with a comma.</a:t>
-            </a:r>
-          </a:p>
-          <a:p>
-            <a:endParaRPr lang="en-US" sz="1400" dirty="0"/>
-          </a:p>
-          <a:p>
-            <a:r>
-              <a:rPr lang="en-US" sz="1400" dirty="0"/>
-              <a:t>The following example has a function with one argument (</a:t>
-            </a:r>
-            <a:r>
-              <a:rPr lang="en-US" sz="1400" dirty="0" err="1"/>
-              <a:t>fname</a:t>
-            </a:r>
-            <a:r>
-              <a:rPr lang="en-US" sz="1400" dirty="0"/>
-              <a:t>). When the function is called, we pass along a first name, which is used inside the function to print the full name:</a:t>
-            </a:r>
-          </a:p>
-        </p:txBody>
-      </p:sp>
       <p:pic>
         <p:nvPicPr>
-          <p:cNvPr id="13" name="Picture 12">
-            <a:extLst>
-              <a:ext uri="{FF2B5EF4-FFF2-40B4-BE49-F238E27FC236}">
-                <a16:creationId xmlns:a16="http://schemas.microsoft.com/office/drawing/2014/main" id="{F36A3273-D5B1-4822-895A-26B79A28DE24}"/>
+          <p:cNvPr id="15" name="Picture 14">
+            <a:extLst>
+              <a:ext uri="{FF2B5EF4-FFF2-40B4-BE49-F238E27FC236}">
+                <a16:creationId xmlns:a16="http://schemas.microsoft.com/office/drawing/2014/main" id="{2F0E7824-325B-4D11-96DA-98CDB1CF7EF5}"/>
               </a:ext>
             </a:extLst>
           </p:cNvPr>
@@ -19000,8 +18320,210 @@
         </p:blipFill>
         <p:spPr>
           <a:xfrm>
-            <a:off x="2806460" y="4299349"/>
-            <a:ext cx="2933954" cy="1341236"/>
+            <a:off x="2899090" y="2362853"/>
+            <a:ext cx="6736664" cy="571550"/>
+          </a:xfrm>
+          <a:prstGeom prst="rect">
+            <a:avLst/>
+          </a:prstGeom>
+        </p:spPr>
+      </p:pic>
+      <p:sp>
+        <p:nvSpPr>
+          <p:cNvPr id="16" name="תיבת טקסט 9">
+            <a:extLst>
+              <a:ext uri="{FF2B5EF4-FFF2-40B4-BE49-F238E27FC236}">
+                <a16:creationId xmlns:a16="http://schemas.microsoft.com/office/drawing/2014/main" id="{45BE2277-1138-4135-A583-B02ED45A4F9C}"/>
+              </a:ext>
+            </a:extLst>
+          </p:cNvPr>
+          <p:cNvSpPr txBox="1"/>
+          <p:nvPr/>
+        </p:nvSpPr>
+        <p:spPr>
+          <a:xfrm>
+            <a:off x="2816898" y="2908040"/>
+            <a:ext cx="9129622" cy="738664"/>
+          </a:xfrm>
+          <a:prstGeom prst="rect">
+            <a:avLst/>
+          </a:prstGeom>
+          <a:noFill/>
+        </p:spPr>
+        <p:txBody>
+          <a:bodyPr wrap="square">
+            <a:spAutoFit/>
+          </a:bodyPr>
+          <a:lstStyle/>
+          <a:p>
+            <a:r>
+              <a:rPr lang="en-US" sz="1400" dirty="0"/>
+              <a:t>To loop through a set of code a specified number of times, we can use the range() function,</a:t>
+            </a:r>
+          </a:p>
+          <a:p>
+            <a:r>
+              <a:rPr lang="en-US" sz="1400" dirty="0"/>
+              <a:t>The range() function returns a sequence of numbers, starting from 0 by default, and increments by 1 (by default), and ends at a specified number.</a:t>
+            </a:r>
+          </a:p>
+        </p:txBody>
+      </p:sp>
+      <p:pic>
+        <p:nvPicPr>
+          <p:cNvPr id="18" name="Picture 17">
+            <a:extLst>
+              <a:ext uri="{FF2B5EF4-FFF2-40B4-BE49-F238E27FC236}">
+                <a16:creationId xmlns:a16="http://schemas.microsoft.com/office/drawing/2014/main" id="{56C83166-0E2B-4B6B-9037-DDF7245CA2C3}"/>
+              </a:ext>
+            </a:extLst>
+          </p:cNvPr>
+          <p:cNvPicPr>
+            <a:picLocks noChangeAspect="1"/>
+          </p:cNvPicPr>
+          <p:nvPr/>
+        </p:nvPicPr>
+        <p:blipFill>
+          <a:blip r:embed="rId5"/>
+          <a:stretch>
+            <a:fillRect/>
+          </a:stretch>
+        </p:blipFill>
+        <p:spPr>
+          <a:xfrm>
+            <a:off x="2842994" y="3692737"/>
+            <a:ext cx="2812024" cy="998307"/>
+          </a:xfrm>
+          <a:prstGeom prst="rect">
+            <a:avLst/>
+          </a:prstGeom>
+        </p:spPr>
+      </p:pic>
+      <p:pic>
+        <p:nvPicPr>
+          <p:cNvPr id="20" name="Picture 19">
+            <a:extLst>
+              <a:ext uri="{FF2B5EF4-FFF2-40B4-BE49-F238E27FC236}">
+                <a16:creationId xmlns:a16="http://schemas.microsoft.com/office/drawing/2014/main" id="{91E41B25-814E-46DE-AABF-D45D1E60827F}"/>
+              </a:ext>
+            </a:extLst>
+          </p:cNvPr>
+          <p:cNvPicPr>
+            <a:picLocks noChangeAspect="1"/>
+          </p:cNvPicPr>
+          <p:nvPr/>
+        </p:nvPicPr>
+        <p:blipFill rotWithShape="1">
+          <a:blip r:embed="rId6"/>
+          <a:srcRect b="17645"/>
+          <a:stretch/>
+        </p:blipFill>
+        <p:spPr>
+          <a:xfrm>
+            <a:off x="6019800" y="3479590"/>
+            <a:ext cx="662997" cy="1186165"/>
+          </a:xfrm>
+          <a:prstGeom prst="rect">
+            <a:avLst/>
+          </a:prstGeom>
+        </p:spPr>
+      </p:pic>
+      <p:sp>
+        <p:nvSpPr>
+          <p:cNvPr id="21" name="תיבת טקסט 9">
+            <a:extLst>
+              <a:ext uri="{FF2B5EF4-FFF2-40B4-BE49-F238E27FC236}">
+                <a16:creationId xmlns:a16="http://schemas.microsoft.com/office/drawing/2014/main" id="{BAD89D2E-ABCC-4BEE-B8D2-D17BB3ED9057}"/>
+              </a:ext>
+            </a:extLst>
+          </p:cNvPr>
+          <p:cNvSpPr txBox="1"/>
+          <p:nvPr/>
+        </p:nvSpPr>
+        <p:spPr>
+          <a:xfrm>
+            <a:off x="2836731" y="4741252"/>
+            <a:ext cx="9129622" cy="523220"/>
+          </a:xfrm>
+          <a:prstGeom prst="rect">
+            <a:avLst/>
+          </a:prstGeom>
+          <a:noFill/>
+        </p:spPr>
+        <p:txBody>
+          <a:bodyPr wrap="square">
+            <a:spAutoFit/>
+          </a:bodyPr>
+          <a:lstStyle/>
+          <a:p>
+            <a:r>
+              <a:rPr lang="en-US" sz="1400" dirty="0"/>
+              <a:t>The range() function defaults to increment the sequence by 1, however it is possible to specify </a:t>
+            </a:r>
+            <a:endParaRPr lang="he-IL" sz="1400" dirty="0"/>
+          </a:p>
+          <a:p>
+            <a:r>
+              <a:rPr lang="en-US" sz="1400" dirty="0"/>
+              <a:t>the increment value by adding a third parameter: range(2, 30, 3):</a:t>
+            </a:r>
+          </a:p>
+        </p:txBody>
+      </p:sp>
+      <p:pic>
+        <p:nvPicPr>
+          <p:cNvPr id="23" name="Picture 22">
+            <a:extLst>
+              <a:ext uri="{FF2B5EF4-FFF2-40B4-BE49-F238E27FC236}">
+                <a16:creationId xmlns:a16="http://schemas.microsoft.com/office/drawing/2014/main" id="{BEA51F07-D0C5-4F3A-A649-1FC40EC4DB78}"/>
+              </a:ext>
+            </a:extLst>
+          </p:cNvPr>
+          <p:cNvPicPr>
+            <a:picLocks noChangeAspect="1"/>
+          </p:cNvPicPr>
+          <p:nvPr/>
+        </p:nvPicPr>
+        <p:blipFill>
+          <a:blip r:embed="rId7"/>
+          <a:stretch>
+            <a:fillRect/>
+          </a:stretch>
+        </p:blipFill>
+        <p:spPr>
+          <a:xfrm>
+            <a:off x="2899775" y="5377797"/>
+            <a:ext cx="4610500" cy="952583"/>
+          </a:xfrm>
+          <a:prstGeom prst="rect">
+            <a:avLst/>
+          </a:prstGeom>
+        </p:spPr>
+      </p:pic>
+      <p:pic>
+        <p:nvPicPr>
+          <p:cNvPr id="25" name="Picture 24">
+            <a:extLst>
+              <a:ext uri="{FF2B5EF4-FFF2-40B4-BE49-F238E27FC236}">
+                <a16:creationId xmlns:a16="http://schemas.microsoft.com/office/drawing/2014/main" id="{B67F5FD1-2692-41FF-843F-44409DF6EE2C}"/>
+              </a:ext>
+            </a:extLst>
+          </p:cNvPr>
+          <p:cNvPicPr>
+            <a:picLocks noChangeAspect="1"/>
+          </p:cNvPicPr>
+          <p:nvPr/>
+        </p:nvPicPr>
+        <p:blipFill>
+          <a:blip r:embed="rId8"/>
+          <a:stretch>
+            <a:fillRect/>
+          </a:stretch>
+        </p:blipFill>
+        <p:spPr>
+          <a:xfrm>
+            <a:off x="10470962" y="4691044"/>
+            <a:ext cx="962335" cy="2124887"/>
           </a:xfrm>
           <a:prstGeom prst="rect">
             <a:avLst/>
@@ -19011,7 +18533,7 @@
     </p:spTree>
     <p:extLst>
       <p:ext uri="{BB962C8B-B14F-4D97-AF65-F5344CB8AC3E}">
-        <p14:creationId xmlns:p14="http://schemas.microsoft.com/office/powerpoint/2010/main" val="3159100237"/>
+        <p14:creationId xmlns:p14="http://schemas.microsoft.com/office/powerpoint/2010/main" val="2554105143"/>
       </p:ext>
     </p:extLst>
   </p:cSld>
@@ -19077,7 +18599,7 @@
                 <a:latin typeface="Trebuchet MS"/>
                 <a:cs typeface="Trebuchet MS"/>
               </a:rPr>
-              <a:t>Python Functions</a:t>
+              <a:t>Python For Loops</a:t>
             </a:r>
           </a:p>
         </p:txBody>
@@ -19132,7 +18654,7 @@
         <p:spPr>
           <a:xfrm>
             <a:off x="2754088" y="392475"/>
-            <a:ext cx="9129622" cy="523220"/>
+            <a:ext cx="9129622" cy="738664"/>
           </a:xfrm>
           <a:prstGeom prst="rect">
             <a:avLst/>
@@ -19147,7 +18669,58 @@
           <a:p>
             <a:r>
               <a:rPr lang="en-US" sz="1400" dirty="0"/>
-              <a:t>By default, a function must be called with the correct number of arguments. Meaning that if your function expects 2 arguments, you have to call the function with 2 arguments, not more, and not less.</a:t>
+              <a:t>A nested loop is a loop inside a loop.</a:t>
+            </a:r>
+          </a:p>
+          <a:p>
+            <a:endParaRPr lang="en-US" sz="1400" dirty="0"/>
+          </a:p>
+          <a:p>
+            <a:r>
+              <a:rPr lang="en-US" sz="1400" dirty="0"/>
+              <a:t>The "inner loop" will be executed one time for each iteration of the "outer loop":</a:t>
+            </a:r>
+          </a:p>
+        </p:txBody>
+      </p:sp>
+      <p:sp>
+        <p:nvSpPr>
+          <p:cNvPr id="16" name="תיבת טקסט 9">
+            <a:extLst>
+              <a:ext uri="{FF2B5EF4-FFF2-40B4-BE49-F238E27FC236}">
+                <a16:creationId xmlns:a16="http://schemas.microsoft.com/office/drawing/2014/main" id="{45BE2277-1138-4135-A583-B02ED45A4F9C}"/>
+              </a:ext>
+            </a:extLst>
+          </p:cNvPr>
+          <p:cNvSpPr txBox="1"/>
+          <p:nvPr/>
+        </p:nvSpPr>
+        <p:spPr>
+          <a:xfrm>
+            <a:off x="2816898" y="2908040"/>
+            <a:ext cx="9129622" cy="738664"/>
+          </a:xfrm>
+          <a:prstGeom prst="rect">
+            <a:avLst/>
+          </a:prstGeom>
+          <a:noFill/>
+        </p:spPr>
+        <p:txBody>
+          <a:bodyPr wrap="square">
+            <a:spAutoFit/>
+          </a:bodyPr>
+          <a:lstStyle/>
+          <a:p>
+            <a:r>
+              <a:rPr lang="en-US" sz="1400" dirty="0"/>
+              <a:t>The pass Statement</a:t>
+            </a:r>
+            <a:endParaRPr lang="he-IL" sz="1400" dirty="0"/>
+          </a:p>
+          <a:p>
+            <a:r>
+              <a:rPr lang="en-US" sz="1400" dirty="0"/>
+              <a:t>for loops cannot be empty, but if you for some reason have a for loop with no content, put in the pass statement to avoid getting an error.</a:t>
             </a:r>
           </a:p>
         </p:txBody>
@@ -19157,7 +18730,7 @@
           <p:cNvPr id="4" name="Picture 3">
             <a:extLst>
               <a:ext uri="{FF2B5EF4-FFF2-40B4-BE49-F238E27FC236}">
-                <a16:creationId xmlns:a16="http://schemas.microsoft.com/office/drawing/2014/main" id="{1B833606-2C29-4A42-8356-382437B36D58}"/>
+                <a16:creationId xmlns:a16="http://schemas.microsoft.com/office/drawing/2014/main" id="{A0F70BE2-C6B8-4E08-80A7-B3E06292FA84}"/>
               </a:ext>
             </a:extLst>
           </p:cNvPr>
@@ -19174,70 +18747,20 @@
         </p:blipFill>
         <p:spPr>
           <a:xfrm>
-            <a:off x="2785583" y="966189"/>
-            <a:ext cx="5845047" cy="1425063"/>
+            <a:off x="2912384" y="1244464"/>
+            <a:ext cx="4267200" cy="1666875"/>
           </a:xfrm>
           <a:prstGeom prst="rect">
             <a:avLst/>
           </a:prstGeom>
         </p:spPr>
       </p:pic>
-      <p:sp>
-        <p:nvSpPr>
-          <p:cNvPr id="14" name="תיבת טקסט 9">
-            <a:extLst>
-              <a:ext uri="{FF2B5EF4-FFF2-40B4-BE49-F238E27FC236}">
-                <a16:creationId xmlns:a16="http://schemas.microsoft.com/office/drawing/2014/main" id="{71E74AD8-3B44-4664-AC71-7DA9CCD03477}"/>
-              </a:ext>
-            </a:extLst>
-          </p:cNvPr>
-          <p:cNvSpPr txBox="1"/>
-          <p:nvPr/>
-        </p:nvSpPr>
-        <p:spPr>
-          <a:xfrm>
-            <a:off x="2770969" y="2590800"/>
-            <a:ext cx="9129622" cy="954107"/>
-          </a:xfrm>
-          <a:prstGeom prst="rect">
-            <a:avLst/>
-          </a:prstGeom>
-          <a:noFill/>
-        </p:spPr>
-        <p:txBody>
-          <a:bodyPr wrap="square">
-            <a:spAutoFit/>
-          </a:bodyPr>
-          <a:lstStyle/>
-          <a:p>
-            <a:r>
-              <a:rPr lang="en-US" sz="1400" dirty="0"/>
-              <a:t>Keyword Arguments</a:t>
-            </a:r>
-          </a:p>
-          <a:p>
-            <a:r>
-              <a:rPr lang="en-US" sz="1400" dirty="0"/>
-              <a:t>You can also send arguments with the key = value syntax.</a:t>
-            </a:r>
-          </a:p>
-          <a:p>
-            <a:endParaRPr lang="en-US" sz="1400" dirty="0"/>
-          </a:p>
-          <a:p>
-            <a:r>
-              <a:rPr lang="en-US" sz="1400" dirty="0"/>
-              <a:t>This way the order of the arguments does not matter.</a:t>
-            </a:r>
-          </a:p>
-        </p:txBody>
-      </p:sp>
       <p:pic>
         <p:nvPicPr>
           <p:cNvPr id="9" name="Picture 8">
             <a:extLst>
               <a:ext uri="{FF2B5EF4-FFF2-40B4-BE49-F238E27FC236}">
-                <a16:creationId xmlns:a16="http://schemas.microsoft.com/office/drawing/2014/main" id="{A5BEF5E2-31BC-4CB7-8B41-72D8DDD4DB98}"/>
+                <a16:creationId xmlns:a16="http://schemas.microsoft.com/office/drawing/2014/main" id="{A962F4E7-7DAE-47C7-8A97-AC222BA8B175}"/>
               </a:ext>
             </a:extLst>
           </p:cNvPr>
@@ -19254,8 +18777,8 @@
         </p:blipFill>
         <p:spPr>
           <a:xfrm>
-            <a:off x="2895600" y="3706050"/>
-            <a:ext cx="5730737" cy="1386960"/>
+            <a:off x="2895600" y="3733800"/>
+            <a:ext cx="2415749" cy="701101"/>
           </a:xfrm>
           <a:prstGeom prst="rect">
             <a:avLst/>
@@ -19265,7 +18788,7 @@
     </p:spTree>
     <p:extLst>
       <p:ext uri="{BB962C8B-B14F-4D97-AF65-F5344CB8AC3E}">
-        <p14:creationId xmlns:p14="http://schemas.microsoft.com/office/powerpoint/2010/main" val="1337655945"/>
+        <p14:creationId xmlns:p14="http://schemas.microsoft.com/office/powerpoint/2010/main" val="3624734538"/>
       </p:ext>
     </p:extLst>
   </p:cSld>
@@ -19386,7 +18909,7 @@
         <p:spPr>
           <a:xfrm>
             <a:off x="2754088" y="392475"/>
-            <a:ext cx="9129622" cy="954107"/>
+            <a:ext cx="9129622" cy="307777"/>
           </a:xfrm>
           <a:prstGeom prst="rect">
             <a:avLst/>
@@ -19401,63 +18924,42 @@
           <a:p>
             <a:r>
               <a:rPr lang="en-US" sz="1400" dirty="0"/>
-              <a:t>Default Parameter Value</a:t>
-            </a:r>
-          </a:p>
+              <a:t>n Python a function is defined using the def keyword:</a:t>
+            </a:r>
+          </a:p>
+        </p:txBody>
+      </p:sp>
+      <p:sp>
+        <p:nvSpPr>
+          <p:cNvPr id="16" name="תיבת טקסט 9">
+            <a:extLst>
+              <a:ext uri="{FF2B5EF4-FFF2-40B4-BE49-F238E27FC236}">
+                <a16:creationId xmlns:a16="http://schemas.microsoft.com/office/drawing/2014/main" id="{45BE2277-1138-4135-A583-B02ED45A4F9C}"/>
+              </a:ext>
+            </a:extLst>
+          </p:cNvPr>
+          <p:cNvSpPr txBox="1"/>
+          <p:nvPr/>
+        </p:nvSpPr>
+        <p:spPr>
+          <a:xfrm>
+            <a:off x="2711124" y="2103342"/>
+            <a:ext cx="9129622" cy="307777"/>
+          </a:xfrm>
+          <a:prstGeom prst="rect">
+            <a:avLst/>
+          </a:prstGeom>
+          <a:noFill/>
+        </p:spPr>
+        <p:txBody>
+          <a:bodyPr wrap="square">
+            <a:spAutoFit/>
+          </a:bodyPr>
+          <a:lstStyle/>
           <a:p>
             <a:r>
               <a:rPr lang="en-US" sz="1400" dirty="0"/>
-              <a:t>The following example shows how to use a default parameter value.</a:t>
-            </a:r>
-          </a:p>
-          <a:p>
-            <a:endParaRPr lang="en-US" sz="1400" dirty="0"/>
-          </a:p>
-          <a:p>
-            <a:r>
-              <a:rPr lang="en-US" sz="1400" dirty="0"/>
-              <a:t>If we call the function without argument, it uses the default value:</a:t>
-            </a:r>
-          </a:p>
-        </p:txBody>
-      </p:sp>
-      <p:sp>
-        <p:nvSpPr>
-          <p:cNvPr id="14" name="תיבת טקסט 9">
-            <a:extLst>
-              <a:ext uri="{FF2B5EF4-FFF2-40B4-BE49-F238E27FC236}">
-                <a16:creationId xmlns:a16="http://schemas.microsoft.com/office/drawing/2014/main" id="{71E74AD8-3B44-4664-AC71-7DA9CCD03477}"/>
-              </a:ext>
-            </a:extLst>
-          </p:cNvPr>
-          <p:cNvSpPr txBox="1"/>
-          <p:nvPr/>
-        </p:nvSpPr>
-        <p:spPr>
-          <a:xfrm>
-            <a:off x="2757365" y="3611095"/>
-            <a:ext cx="9129622" cy="738664"/>
-          </a:xfrm>
-          <a:prstGeom prst="rect">
-            <a:avLst/>
-          </a:prstGeom>
-          <a:noFill/>
-        </p:spPr>
-        <p:txBody>
-          <a:bodyPr wrap="square">
-            <a:spAutoFit/>
-          </a:bodyPr>
-          <a:lstStyle/>
-          <a:p>
-            <a:r>
-              <a:rPr lang="en-US" sz="1400" dirty="0"/>
-              <a:t>You can send any data types of argument to a function (string, number, list, dictionary etc.), and it will be treated as the same data type inside the function.</a:t>
-            </a:r>
-          </a:p>
-          <a:p>
-            <a:r>
-              <a:rPr lang="en-US" sz="1400" dirty="0"/>
-              <a:t>E.g. if you send a List as an argument, it will still be a List when it reaches the function:</a:t>
+              <a:t>To call a function, use the function name followed by parenthesis:</a:t>
             </a:r>
           </a:p>
         </p:txBody>
@@ -19467,7 +18969,7 @@
           <p:cNvPr id="5" name="Picture 4">
             <a:extLst>
               <a:ext uri="{FF2B5EF4-FFF2-40B4-BE49-F238E27FC236}">
-                <a16:creationId xmlns:a16="http://schemas.microsoft.com/office/drawing/2014/main" id="{6B2C293D-7BA2-4A88-AD2D-B3C6AED5AC27}"/>
+                <a16:creationId xmlns:a16="http://schemas.microsoft.com/office/drawing/2014/main" id="{D1AF3751-08C8-45ED-B30B-3CF0617411CB}"/>
               </a:ext>
             </a:extLst>
           </p:cNvPr>
@@ -19484,8 +18986,8 @@
         </p:blipFill>
         <p:spPr>
           <a:xfrm>
-            <a:off x="2754088" y="1346582"/>
-            <a:ext cx="3718882" cy="2232853"/>
+            <a:off x="2806460" y="837868"/>
+            <a:ext cx="3307367" cy="1127858"/>
           </a:xfrm>
           <a:prstGeom prst="rect">
             <a:avLst/>
@@ -19497,7 +18999,7 @@
           <p:cNvPr id="7" name="Picture 6">
             <a:extLst>
               <a:ext uri="{FF2B5EF4-FFF2-40B4-BE49-F238E27FC236}">
-                <a16:creationId xmlns:a16="http://schemas.microsoft.com/office/drawing/2014/main" id="{11104D5D-9269-4F15-B285-F2DBFC83C895}"/>
+                <a16:creationId xmlns:a16="http://schemas.microsoft.com/office/drawing/2014/main" id="{5B78D863-E5E7-4103-A775-5FC400CAEEA4}"/>
               </a:ext>
             </a:extLst>
           </p:cNvPr>
@@ -19514,8 +19016,99 @@
         </p:blipFill>
         <p:spPr>
           <a:xfrm>
-            <a:off x="2861973" y="4505358"/>
-            <a:ext cx="4351397" cy="1828958"/>
+            <a:off x="7772400" y="2085765"/>
+            <a:ext cx="1569856" cy="342930"/>
+          </a:xfrm>
+          <a:prstGeom prst="rect">
+            <a:avLst/>
+          </a:prstGeom>
+        </p:spPr>
+      </p:pic>
+      <p:sp>
+        <p:nvSpPr>
+          <p:cNvPr id="12" name="תיבת טקסט 9">
+            <a:extLst>
+              <a:ext uri="{FF2B5EF4-FFF2-40B4-BE49-F238E27FC236}">
+                <a16:creationId xmlns:a16="http://schemas.microsoft.com/office/drawing/2014/main" id="{ACF18D42-302A-4EB9-8418-6DCA13AB7F00}"/>
+              </a:ext>
+            </a:extLst>
+          </p:cNvPr>
+          <p:cNvSpPr txBox="1"/>
+          <p:nvPr/>
+        </p:nvSpPr>
+        <p:spPr>
+          <a:xfrm>
+            <a:off x="2754088" y="2548735"/>
+            <a:ext cx="9129622" cy="1600438"/>
+          </a:xfrm>
+          <a:prstGeom prst="rect">
+            <a:avLst/>
+          </a:prstGeom>
+          <a:noFill/>
+        </p:spPr>
+        <p:txBody>
+          <a:bodyPr wrap="square">
+            <a:spAutoFit/>
+          </a:bodyPr>
+          <a:lstStyle/>
+          <a:p>
+            <a:r>
+              <a:rPr lang="en-US" sz="1400" dirty="0"/>
+              <a:t>Information can be passed into functions as arguments.</a:t>
+            </a:r>
+          </a:p>
+          <a:p>
+            <a:endParaRPr lang="en-US" sz="1400" dirty="0"/>
+          </a:p>
+          <a:p>
+            <a:r>
+              <a:rPr lang="en-US" sz="1400" dirty="0"/>
+              <a:t>Arguments are specified after the function name, inside the parentheses. You can add as many arguments as you want, just separate them with a comma.</a:t>
+            </a:r>
+          </a:p>
+          <a:p>
+            <a:endParaRPr lang="en-US" sz="1400" dirty="0"/>
+          </a:p>
+          <a:p>
+            <a:r>
+              <a:rPr lang="en-US" sz="1400" dirty="0"/>
+              <a:t>The following example has a function with one argument (</a:t>
+            </a:r>
+            <a:r>
+              <a:rPr lang="en-US" sz="1400" dirty="0" err="1"/>
+              <a:t>fname</a:t>
+            </a:r>
+            <a:r>
+              <a:rPr lang="en-US" sz="1400" dirty="0"/>
+              <a:t>). When the function is called, we pass along a first name, which is used inside the function to print the full name:</a:t>
+            </a:r>
+          </a:p>
+        </p:txBody>
+      </p:sp>
+      <p:pic>
+        <p:nvPicPr>
+          <p:cNvPr id="13" name="Picture 12">
+            <a:extLst>
+              <a:ext uri="{FF2B5EF4-FFF2-40B4-BE49-F238E27FC236}">
+                <a16:creationId xmlns:a16="http://schemas.microsoft.com/office/drawing/2014/main" id="{F36A3273-D5B1-4822-895A-26B79A28DE24}"/>
+              </a:ext>
+            </a:extLst>
+          </p:cNvPr>
+          <p:cNvPicPr>
+            <a:picLocks noChangeAspect="1"/>
+          </p:cNvPicPr>
+          <p:nvPr/>
+        </p:nvPicPr>
+        <p:blipFill>
+          <a:blip r:embed="rId4"/>
+          <a:stretch>
+            <a:fillRect/>
+          </a:stretch>
+        </p:blipFill>
+        <p:spPr>
+          <a:xfrm>
+            <a:off x="2806460" y="4299349"/>
+            <a:ext cx="2933954" cy="1341236"/>
           </a:xfrm>
           <a:prstGeom prst="rect">
             <a:avLst/>
@@ -19525,7 +19118,7 @@
     </p:spTree>
     <p:extLst>
       <p:ext uri="{BB962C8B-B14F-4D97-AF65-F5344CB8AC3E}">
-        <p14:creationId xmlns:p14="http://schemas.microsoft.com/office/powerpoint/2010/main" val="1779675077"/>
+        <p14:creationId xmlns:p14="http://schemas.microsoft.com/office/powerpoint/2010/main" val="1383092833"/>
       </p:ext>
     </p:extLst>
   </p:cSld>
@@ -19646,7 +19239,7 @@
         <p:spPr>
           <a:xfrm>
             <a:off x="2754088" y="392475"/>
-            <a:ext cx="9129622" cy="523220"/>
+            <a:ext cx="9129622" cy="307777"/>
           </a:xfrm>
           <a:prstGeom prst="rect">
             <a:avLst/>
@@ -19661,64 +19254,52 @@
           <a:p>
             <a:r>
               <a:rPr lang="en-US" sz="1400" dirty="0"/>
-              <a:t>Return Values</a:t>
-            </a:r>
-          </a:p>
+              <a:t>n Python a function is defined using the def keyword:</a:t>
+            </a:r>
+          </a:p>
+        </p:txBody>
+      </p:sp>
+      <p:sp>
+        <p:nvSpPr>
+          <p:cNvPr id="16" name="תיבת טקסט 9">
+            <a:extLst>
+              <a:ext uri="{FF2B5EF4-FFF2-40B4-BE49-F238E27FC236}">
+                <a16:creationId xmlns:a16="http://schemas.microsoft.com/office/drawing/2014/main" id="{45BE2277-1138-4135-A583-B02ED45A4F9C}"/>
+              </a:ext>
+            </a:extLst>
+          </p:cNvPr>
+          <p:cNvSpPr txBox="1"/>
+          <p:nvPr/>
+        </p:nvSpPr>
+        <p:spPr>
+          <a:xfrm>
+            <a:off x="2711124" y="2103342"/>
+            <a:ext cx="9129622" cy="307777"/>
+          </a:xfrm>
+          <a:prstGeom prst="rect">
+            <a:avLst/>
+          </a:prstGeom>
+          <a:noFill/>
+        </p:spPr>
+        <p:txBody>
+          <a:bodyPr wrap="square">
+            <a:spAutoFit/>
+          </a:bodyPr>
+          <a:lstStyle/>
           <a:p>
             <a:r>
               <a:rPr lang="en-US" sz="1400" dirty="0"/>
-              <a:t>To let a function return a value, use the return statement:</a:t>
-            </a:r>
-          </a:p>
-        </p:txBody>
-      </p:sp>
-      <p:sp>
-        <p:nvSpPr>
-          <p:cNvPr id="14" name="תיבת טקסט 9">
-            <a:extLst>
-              <a:ext uri="{FF2B5EF4-FFF2-40B4-BE49-F238E27FC236}">
-                <a16:creationId xmlns:a16="http://schemas.microsoft.com/office/drawing/2014/main" id="{71E74AD8-3B44-4664-AC71-7DA9CCD03477}"/>
-              </a:ext>
-            </a:extLst>
-          </p:cNvPr>
-          <p:cNvSpPr txBox="1"/>
-          <p:nvPr/>
-        </p:nvSpPr>
-        <p:spPr>
-          <a:xfrm>
-            <a:off x="2806460" y="2785196"/>
-            <a:ext cx="9129622" cy="738664"/>
-          </a:xfrm>
-          <a:prstGeom prst="rect">
-            <a:avLst/>
-          </a:prstGeom>
-          <a:noFill/>
-        </p:spPr>
-        <p:txBody>
-          <a:bodyPr wrap="square">
-            <a:spAutoFit/>
-          </a:bodyPr>
-          <a:lstStyle/>
-          <a:p>
-            <a:r>
-              <a:rPr lang="en-US" sz="1400" dirty="0"/>
-              <a:t>The pass Statement</a:t>
-            </a:r>
-          </a:p>
-          <a:p>
-            <a:r>
-              <a:rPr lang="en-US" sz="1400" dirty="0"/>
-              <a:t>function definitions cannot be empty, but if you for some reason have a function definition with no content, put in the pass statement to avoid getting an error.</a:t>
+              <a:t>To call a function, use the function name followed by parenthesis:</a:t>
             </a:r>
           </a:p>
         </p:txBody>
       </p:sp>
       <p:pic>
         <p:nvPicPr>
-          <p:cNvPr id="7" name="Picture 6">
-            <a:extLst>
-              <a:ext uri="{FF2B5EF4-FFF2-40B4-BE49-F238E27FC236}">
-                <a16:creationId xmlns:a16="http://schemas.microsoft.com/office/drawing/2014/main" id="{11104D5D-9269-4F15-B285-F2DBFC83C895}"/>
+          <p:cNvPr id="5" name="Picture 4">
+            <a:extLst>
+              <a:ext uri="{FF2B5EF4-FFF2-40B4-BE49-F238E27FC236}">
+                <a16:creationId xmlns:a16="http://schemas.microsoft.com/office/drawing/2014/main" id="{D1AF3751-08C8-45ED-B30B-3CF0617411CB}"/>
               </a:ext>
             </a:extLst>
           </p:cNvPr>
@@ -19735,8 +19316,8 @@
         </p:blipFill>
         <p:spPr>
           <a:xfrm>
-            <a:off x="2870324" y="3590879"/>
-            <a:ext cx="4351397" cy="1828958"/>
+            <a:off x="2806460" y="837868"/>
+            <a:ext cx="3307367" cy="1127858"/>
           </a:xfrm>
           <a:prstGeom prst="rect">
             <a:avLst/>
@@ -19745,10 +19326,10 @@
       </p:pic>
       <p:pic>
         <p:nvPicPr>
-          <p:cNvPr id="4" name="Picture 3">
-            <a:extLst>
-              <a:ext uri="{FF2B5EF4-FFF2-40B4-BE49-F238E27FC236}">
-                <a16:creationId xmlns:a16="http://schemas.microsoft.com/office/drawing/2014/main" id="{80215806-4C97-442F-89EB-A2E13CD2DDCF}"/>
+          <p:cNvPr id="7" name="Picture 6">
+            <a:extLst>
+              <a:ext uri="{FF2B5EF4-FFF2-40B4-BE49-F238E27FC236}">
+                <a16:creationId xmlns:a16="http://schemas.microsoft.com/office/drawing/2014/main" id="{5B78D863-E5E7-4103-A775-5FC400CAEEA4}"/>
               </a:ext>
             </a:extLst>
           </p:cNvPr>
@@ -19765,8 +19346,99 @@
         </p:blipFill>
         <p:spPr>
           <a:xfrm>
-            <a:off x="2861973" y="1203173"/>
-            <a:ext cx="2888230" cy="1432684"/>
+            <a:off x="7772400" y="2085765"/>
+            <a:ext cx="1569856" cy="342930"/>
+          </a:xfrm>
+          <a:prstGeom prst="rect">
+            <a:avLst/>
+          </a:prstGeom>
+        </p:spPr>
+      </p:pic>
+      <p:sp>
+        <p:nvSpPr>
+          <p:cNvPr id="12" name="תיבת טקסט 9">
+            <a:extLst>
+              <a:ext uri="{FF2B5EF4-FFF2-40B4-BE49-F238E27FC236}">
+                <a16:creationId xmlns:a16="http://schemas.microsoft.com/office/drawing/2014/main" id="{ACF18D42-302A-4EB9-8418-6DCA13AB7F00}"/>
+              </a:ext>
+            </a:extLst>
+          </p:cNvPr>
+          <p:cNvSpPr txBox="1"/>
+          <p:nvPr/>
+        </p:nvSpPr>
+        <p:spPr>
+          <a:xfrm>
+            <a:off x="2754088" y="2548735"/>
+            <a:ext cx="9129622" cy="1600438"/>
+          </a:xfrm>
+          <a:prstGeom prst="rect">
+            <a:avLst/>
+          </a:prstGeom>
+          <a:noFill/>
+        </p:spPr>
+        <p:txBody>
+          <a:bodyPr wrap="square">
+            <a:spAutoFit/>
+          </a:bodyPr>
+          <a:lstStyle/>
+          <a:p>
+            <a:r>
+              <a:rPr lang="en-US" sz="1400" dirty="0"/>
+              <a:t>Information can be passed into functions as arguments.</a:t>
+            </a:r>
+          </a:p>
+          <a:p>
+            <a:endParaRPr lang="en-US" sz="1400" dirty="0"/>
+          </a:p>
+          <a:p>
+            <a:r>
+              <a:rPr lang="en-US" sz="1400" dirty="0"/>
+              <a:t>Arguments are specified after the function name, inside the parentheses. You can add as many arguments as you want, just separate them with a comma.</a:t>
+            </a:r>
+          </a:p>
+          <a:p>
+            <a:endParaRPr lang="en-US" sz="1400" dirty="0"/>
+          </a:p>
+          <a:p>
+            <a:r>
+              <a:rPr lang="en-US" sz="1400" dirty="0"/>
+              <a:t>The following example has a function with one argument (</a:t>
+            </a:r>
+            <a:r>
+              <a:rPr lang="en-US" sz="1400" dirty="0" err="1"/>
+              <a:t>fname</a:t>
+            </a:r>
+            <a:r>
+              <a:rPr lang="en-US" sz="1400" dirty="0"/>
+              <a:t>). When the function is called, we pass along a first name, which is used inside the function to print the full name:</a:t>
+            </a:r>
+          </a:p>
+        </p:txBody>
+      </p:sp>
+      <p:pic>
+        <p:nvPicPr>
+          <p:cNvPr id="13" name="Picture 12">
+            <a:extLst>
+              <a:ext uri="{FF2B5EF4-FFF2-40B4-BE49-F238E27FC236}">
+                <a16:creationId xmlns:a16="http://schemas.microsoft.com/office/drawing/2014/main" id="{F36A3273-D5B1-4822-895A-26B79A28DE24}"/>
+              </a:ext>
+            </a:extLst>
+          </p:cNvPr>
+          <p:cNvPicPr>
+            <a:picLocks noChangeAspect="1"/>
+          </p:cNvPicPr>
+          <p:nvPr/>
+        </p:nvPicPr>
+        <p:blipFill>
+          <a:blip r:embed="rId4"/>
+          <a:stretch>
+            <a:fillRect/>
+          </a:stretch>
+        </p:blipFill>
+        <p:spPr>
+          <a:xfrm>
+            <a:off x="2806460" y="4299349"/>
+            <a:ext cx="2933954" cy="1341236"/>
           </a:xfrm>
           <a:prstGeom prst="rect">
             <a:avLst/>
@@ -19776,7 +19448,7 @@
     </p:spTree>
     <p:extLst>
       <p:ext uri="{BB962C8B-B14F-4D97-AF65-F5344CB8AC3E}">
-        <p14:creationId xmlns:p14="http://schemas.microsoft.com/office/powerpoint/2010/main" val="712982720"/>
+        <p14:creationId xmlns:p14="http://schemas.microsoft.com/office/powerpoint/2010/main" val="3159100237"/>
       </p:ext>
     </p:extLst>
   </p:cSld>
@@ -19811,7 +19483,7 @@
         </p:nvSpPr>
         <p:spPr>
           <a:xfrm>
-            <a:off x="2904392" y="152400"/>
+            <a:off x="2806460" y="86208"/>
             <a:ext cx="10210800" cy="382156"/>
           </a:xfrm>
           <a:prstGeom prst="rect">
@@ -19833,7 +19505,7 @@
               </a:spcBef>
             </a:pPr>
             <a:r>
-              <a:rPr lang="fr-FR" sz="2400" dirty="0">
+              <a:rPr lang="en-US" sz="2400" dirty="0">
                 <a:solidFill>
                   <a:schemeClr val="accent1">
                     <a:lumMod val="75000"/>
@@ -19842,26 +19514,17 @@
                 <a:latin typeface="Trebuchet MS"/>
                 <a:cs typeface="Trebuchet MS"/>
               </a:rPr>
-              <a:t>Python - Global Variables</a:t>
-            </a:r>
-            <a:endParaRPr lang="en-US" sz="2400" dirty="0">
-              <a:solidFill>
-                <a:schemeClr val="accent1">
-                  <a:lumMod val="75000"/>
-                </a:schemeClr>
-              </a:solidFill>
-              <a:latin typeface="Trebuchet MS"/>
-              <a:cs typeface="Trebuchet MS"/>
-            </a:endParaRPr>
-          </a:p>
-        </p:txBody>
-      </p:sp>
-      <p:sp>
-        <p:nvSpPr>
-          <p:cNvPr id="6" name="object 3">
-            <a:extLst>
-              <a:ext uri="{FF2B5EF4-FFF2-40B4-BE49-F238E27FC236}">
-                <a16:creationId xmlns:a16="http://schemas.microsoft.com/office/drawing/2014/main" id="{504C54EB-F689-45AF-9B50-A537385B0172}"/>
+              <a:t>Python Functions</a:t>
+            </a:r>
+          </a:p>
+        </p:txBody>
+      </p:sp>
+      <p:sp>
+        <p:nvSpPr>
+          <p:cNvPr id="8" name="object 3">
+            <a:extLst>
+              <a:ext uri="{FF2B5EF4-FFF2-40B4-BE49-F238E27FC236}">
+                <a16:creationId xmlns:a16="http://schemas.microsoft.com/office/drawing/2014/main" id="{F616E044-87B4-4BFF-A22F-890CA709EC6C}"/>
               </a:ext>
             </a:extLst>
           </p:cNvPr>
@@ -19871,7 +19534,7 @@
         <p:spPr>
           <a:xfrm>
             <a:off x="2895600" y="609600"/>
-            <a:ext cx="8561705" cy="659155"/>
+            <a:ext cx="8561705" cy="228268"/>
           </a:xfrm>
           <a:prstGeom prst="rect">
             <a:avLst/>
@@ -19884,30 +19547,6 @@
           <a:lstStyle/>
           <a:p>
             <a:pPr algn="l" fontAlgn="base"/>
-            <a:r>
-              <a:rPr lang="en-US" sz="1400" b="1" dirty="0">
-                <a:latin typeface="var(--font-din)"/>
-              </a:rPr>
-              <a:t>Global Variables</a:t>
-            </a:r>
-          </a:p>
-          <a:p>
-            <a:pPr algn="l" fontAlgn="base"/>
-            <a:r>
-              <a:rPr lang="en-US" sz="1400" b="1" dirty="0">
-                <a:latin typeface="var(--font-din)"/>
-              </a:rPr>
-              <a:t>Variables that are created outside of a function (as in all of the examples above) are known as global variables.</a:t>
-            </a:r>
-          </a:p>
-          <a:p>
-            <a:pPr algn="l" fontAlgn="base"/>
-            <a:r>
-              <a:rPr lang="en-US" sz="1400" b="1" dirty="0">
-                <a:latin typeface="var(--font-din)"/>
-              </a:rPr>
-              <a:t>Global variables can be used by everyone, both inside of functions and outside.</a:t>
-            </a:r>
             <a:endParaRPr lang="en-US" sz="1400" b="1" i="0" dirty="0">
               <a:effectLst/>
               <a:latin typeface="var(--font-din)"/>
@@ -19917,51 +19556,45 @@
       </p:sp>
       <p:sp>
         <p:nvSpPr>
-          <p:cNvPr id="8" name="object 3">
-            <a:extLst>
-              <a:ext uri="{FF2B5EF4-FFF2-40B4-BE49-F238E27FC236}">
-                <a16:creationId xmlns:a16="http://schemas.microsoft.com/office/drawing/2014/main" id="{BAB998D1-0355-4374-BE6C-58AB9395D3F0}"/>
-              </a:ext>
-            </a:extLst>
-          </p:cNvPr>
-          <p:cNvSpPr txBox="1"/>
-          <p:nvPr/>
-        </p:nvSpPr>
-        <p:spPr>
-          <a:xfrm>
-            <a:off x="2895599" y="3509434"/>
-            <a:ext cx="8561705" cy="443711"/>
-          </a:xfrm>
-          <a:prstGeom prst="rect">
-            <a:avLst/>
-          </a:prstGeom>
-        </p:spPr>
-        <p:txBody>
-          <a:bodyPr vert="horz" wrap="square" lIns="0" tIns="12700" rIns="0" bIns="0" rtlCol="0">
-            <a:spAutoFit/>
-          </a:bodyPr>
-          <a:lstStyle/>
-          <a:p>
-            <a:pPr algn="l" fontAlgn="base"/>
-            <a:r>
-              <a:rPr lang="en-US" sz="1400" b="1" dirty="0">
-                <a:latin typeface="var(--font-din)"/>
-              </a:rPr>
-              <a:t>If you create a variable with the same name inside a function, this variable will be local, and can only be used inside the function. The global variable with the same name will remain as it was, global and with the original value.</a:t>
-            </a:r>
-            <a:endParaRPr lang="en-US" sz="1400" b="1" i="0" dirty="0">
-              <a:effectLst/>
-              <a:latin typeface="var(--font-din)"/>
-            </a:endParaRPr>
+          <p:cNvPr id="10" name="תיבת טקסט 9">
+            <a:extLst>
+              <a:ext uri="{FF2B5EF4-FFF2-40B4-BE49-F238E27FC236}">
+                <a16:creationId xmlns:a16="http://schemas.microsoft.com/office/drawing/2014/main" id="{18AC4B54-B5F4-474E-9673-04DCF759462F}"/>
+              </a:ext>
+            </a:extLst>
+          </p:cNvPr>
+          <p:cNvSpPr txBox="1"/>
+          <p:nvPr/>
+        </p:nvSpPr>
+        <p:spPr>
+          <a:xfrm>
+            <a:off x="2754088" y="392475"/>
+            <a:ext cx="9129622" cy="523220"/>
+          </a:xfrm>
+          <a:prstGeom prst="rect">
+            <a:avLst/>
+          </a:prstGeom>
+          <a:noFill/>
+        </p:spPr>
+        <p:txBody>
+          <a:bodyPr wrap="square">
+            <a:spAutoFit/>
+          </a:bodyPr>
+          <a:lstStyle/>
+          <a:p>
+            <a:r>
+              <a:rPr lang="en-US" sz="1400" dirty="0"/>
+              <a:t>By default, a function must be called with the correct number of arguments. Meaning that if your function expects 2 arguments, you have to call the function with 2 arguments, not more, and not less.</a:t>
+            </a:r>
           </a:p>
         </p:txBody>
       </p:sp>
       <p:pic>
         <p:nvPicPr>
-          <p:cNvPr id="4" name="תמונה 3">
-            <a:extLst>
-              <a:ext uri="{FF2B5EF4-FFF2-40B4-BE49-F238E27FC236}">
-                <a16:creationId xmlns:a16="http://schemas.microsoft.com/office/drawing/2014/main" id="{14E13A8A-9ECA-452F-AB46-D6C5E0023418}"/>
+          <p:cNvPr id="4" name="Picture 3">
+            <a:extLst>
+              <a:ext uri="{FF2B5EF4-FFF2-40B4-BE49-F238E27FC236}">
+                <a16:creationId xmlns:a16="http://schemas.microsoft.com/office/drawing/2014/main" id="{1B833606-2C29-4A42-8356-382437B36D58}"/>
               </a:ext>
             </a:extLst>
           </p:cNvPr>
@@ -19978,20 +19611,70 @@
         </p:blipFill>
         <p:spPr>
           <a:xfrm>
-            <a:off x="2759015" y="1279956"/>
-            <a:ext cx="6905625" cy="2105025"/>
+            <a:off x="2785583" y="966189"/>
+            <a:ext cx="5845047" cy="1425063"/>
           </a:xfrm>
           <a:prstGeom prst="rect">
             <a:avLst/>
           </a:prstGeom>
         </p:spPr>
       </p:pic>
+      <p:sp>
+        <p:nvSpPr>
+          <p:cNvPr id="14" name="תיבת טקסט 9">
+            <a:extLst>
+              <a:ext uri="{FF2B5EF4-FFF2-40B4-BE49-F238E27FC236}">
+                <a16:creationId xmlns:a16="http://schemas.microsoft.com/office/drawing/2014/main" id="{71E74AD8-3B44-4664-AC71-7DA9CCD03477}"/>
+              </a:ext>
+            </a:extLst>
+          </p:cNvPr>
+          <p:cNvSpPr txBox="1"/>
+          <p:nvPr/>
+        </p:nvSpPr>
+        <p:spPr>
+          <a:xfrm>
+            <a:off x="2770969" y="2590800"/>
+            <a:ext cx="9129622" cy="954107"/>
+          </a:xfrm>
+          <a:prstGeom prst="rect">
+            <a:avLst/>
+          </a:prstGeom>
+          <a:noFill/>
+        </p:spPr>
+        <p:txBody>
+          <a:bodyPr wrap="square">
+            <a:spAutoFit/>
+          </a:bodyPr>
+          <a:lstStyle/>
+          <a:p>
+            <a:r>
+              <a:rPr lang="en-US" sz="1400" dirty="0"/>
+              <a:t>Keyword Arguments</a:t>
+            </a:r>
+          </a:p>
+          <a:p>
+            <a:r>
+              <a:rPr lang="en-US" sz="1400" dirty="0"/>
+              <a:t>You can also send arguments with the key = value syntax.</a:t>
+            </a:r>
+          </a:p>
+          <a:p>
+            <a:endParaRPr lang="en-US" sz="1400" dirty="0"/>
+          </a:p>
+          <a:p>
+            <a:r>
+              <a:rPr lang="en-US" sz="1400" dirty="0"/>
+              <a:t>This way the order of the arguments does not matter.</a:t>
+            </a:r>
+          </a:p>
+        </p:txBody>
+      </p:sp>
       <p:pic>
         <p:nvPicPr>
-          <p:cNvPr id="10" name="תמונה 9">
-            <a:extLst>
-              <a:ext uri="{FF2B5EF4-FFF2-40B4-BE49-F238E27FC236}">
-                <a16:creationId xmlns:a16="http://schemas.microsoft.com/office/drawing/2014/main" id="{522C7B4E-5F6A-43E5-BE31-41B8A451DDA7}"/>
+          <p:cNvPr id="9" name="Picture 8">
+            <a:extLst>
+              <a:ext uri="{FF2B5EF4-FFF2-40B4-BE49-F238E27FC236}">
+                <a16:creationId xmlns:a16="http://schemas.microsoft.com/office/drawing/2014/main" id="{A5BEF5E2-31BC-4CB7-8B41-72D8DDD4DB98}"/>
               </a:ext>
             </a:extLst>
           </p:cNvPr>
@@ -20008,38 +19691,8 @@
         </p:blipFill>
         <p:spPr>
           <a:xfrm>
-            <a:off x="7480360" y="2738719"/>
-            <a:ext cx="1952625" cy="504825"/>
-          </a:xfrm>
-          <a:prstGeom prst="rect">
-            <a:avLst/>
-          </a:prstGeom>
-        </p:spPr>
-      </p:pic>
-      <p:pic>
-        <p:nvPicPr>
-          <p:cNvPr id="13" name="תמונה 12">
-            <a:extLst>
-              <a:ext uri="{FF2B5EF4-FFF2-40B4-BE49-F238E27FC236}">
-                <a16:creationId xmlns:a16="http://schemas.microsoft.com/office/drawing/2014/main" id="{33E37D12-F845-4AF5-866F-7703746D4D40}"/>
-              </a:ext>
-            </a:extLst>
-          </p:cNvPr>
-          <p:cNvPicPr>
-            <a:picLocks noChangeAspect="1"/>
-          </p:cNvPicPr>
-          <p:nvPr/>
-        </p:nvPicPr>
-        <p:blipFill>
-          <a:blip r:embed="rId4"/>
-          <a:stretch>
-            <a:fillRect/>
-          </a:stretch>
-        </p:blipFill>
-        <p:spPr>
-          <a:xfrm>
-            <a:off x="2819400" y="4057470"/>
-            <a:ext cx="8181975" cy="2619375"/>
+            <a:off x="2895600" y="3706050"/>
+            <a:ext cx="5730737" cy="1386960"/>
           </a:xfrm>
           <a:prstGeom prst="rect">
             <a:avLst/>
@@ -20049,7 +19702,7 @@
     </p:spTree>
     <p:extLst>
       <p:ext uri="{BB962C8B-B14F-4D97-AF65-F5344CB8AC3E}">
-        <p14:creationId xmlns:p14="http://schemas.microsoft.com/office/powerpoint/2010/main" val="1662837464"/>
+        <p14:creationId xmlns:p14="http://schemas.microsoft.com/office/powerpoint/2010/main" val="1337655945"/>
       </p:ext>
     </p:extLst>
   </p:cSld>
@@ -20084,7 +19737,7 @@
         </p:nvSpPr>
         <p:spPr>
           <a:xfrm>
-            <a:off x="2904392" y="152400"/>
+            <a:off x="2806460" y="86208"/>
             <a:ext cx="10210800" cy="382156"/>
           </a:xfrm>
           <a:prstGeom prst="rect">
@@ -20106,7 +19759,7 @@
               </a:spcBef>
             </a:pPr>
             <a:r>
-              <a:rPr lang="fr-FR" sz="2400" dirty="0">
+              <a:rPr lang="en-US" sz="2400" dirty="0">
                 <a:solidFill>
                   <a:schemeClr val="accent1">
                     <a:lumMod val="75000"/>
@@ -20115,50 +19768,17 @@
                 <a:latin typeface="Trebuchet MS"/>
                 <a:cs typeface="Trebuchet MS"/>
               </a:rPr>
-              <a:t>Python - Global Variables </a:t>
-            </a:r>
-            <a:r>
-              <a:rPr lang="fr-FR" sz="2400" dirty="0" err="1">
-                <a:solidFill>
-                  <a:schemeClr val="accent1">
-                    <a:lumMod val="75000"/>
-                  </a:schemeClr>
-                </a:solidFill>
-                <a:latin typeface="Trebuchet MS"/>
-                <a:cs typeface="Trebuchet MS"/>
-              </a:rPr>
-              <a:t>Cont</a:t>
-            </a:r>
-            <a:r>
-              <a:rPr lang="fr-FR" sz="2400" dirty="0">
-                <a:solidFill>
-                  <a:schemeClr val="accent1">
-                    <a:lumMod val="75000"/>
-                  </a:schemeClr>
-                </a:solidFill>
-                <a:latin typeface="Trebuchet MS"/>
-                <a:cs typeface="Trebuchet MS"/>
-              </a:rPr>
-              <a:t>.</a:t>
-            </a:r>
-            <a:endParaRPr lang="en-US" sz="2400" dirty="0">
-              <a:solidFill>
-                <a:schemeClr val="accent1">
-                  <a:lumMod val="75000"/>
-                </a:schemeClr>
-              </a:solidFill>
-              <a:latin typeface="Trebuchet MS"/>
-              <a:cs typeface="Trebuchet MS"/>
-            </a:endParaRPr>
-          </a:p>
-        </p:txBody>
-      </p:sp>
-      <p:sp>
-        <p:nvSpPr>
-          <p:cNvPr id="6" name="object 3">
-            <a:extLst>
-              <a:ext uri="{FF2B5EF4-FFF2-40B4-BE49-F238E27FC236}">
-                <a16:creationId xmlns:a16="http://schemas.microsoft.com/office/drawing/2014/main" id="{504C54EB-F689-45AF-9B50-A537385B0172}"/>
+              <a:t>Python Functions</a:t>
+            </a:r>
+          </a:p>
+        </p:txBody>
+      </p:sp>
+      <p:sp>
+        <p:nvSpPr>
+          <p:cNvPr id="8" name="object 3">
+            <a:extLst>
+              <a:ext uri="{FF2B5EF4-FFF2-40B4-BE49-F238E27FC236}">
+                <a16:creationId xmlns:a16="http://schemas.microsoft.com/office/drawing/2014/main" id="{F616E044-87B4-4BFF-A22F-890CA709EC6C}"/>
               </a:ext>
             </a:extLst>
           </p:cNvPr>
@@ -20168,7 +19788,7 @@
         <p:spPr>
           <a:xfrm>
             <a:off x="2895600" y="609600"/>
-            <a:ext cx="8561705" cy="1090042"/>
+            <a:ext cx="8561705" cy="228268"/>
           </a:xfrm>
           <a:prstGeom prst="rect">
             <a:avLst/>
@@ -20181,36 +19801,6 @@
           <a:lstStyle/>
           <a:p>
             <a:pPr algn="l" fontAlgn="base"/>
-            <a:r>
-              <a:rPr lang="en-US" sz="1400" b="1" dirty="0">
-                <a:latin typeface="var(--font-din)"/>
-              </a:rPr>
-              <a:t>The global Keyword</a:t>
-            </a:r>
-          </a:p>
-          <a:p>
-            <a:pPr algn="l" fontAlgn="base"/>
-            <a:r>
-              <a:rPr lang="en-US" sz="1400" b="1" dirty="0">
-                <a:latin typeface="var(--font-din)"/>
-              </a:rPr>
-              <a:t>Normally, when you create a variable inside a function, that variable is local, and can only be used inside that function.</a:t>
-            </a:r>
-          </a:p>
-          <a:p>
-            <a:pPr algn="l" fontAlgn="base"/>
-            <a:endParaRPr lang="en-US" sz="1400" b="1" dirty="0">
-              <a:latin typeface="var(--font-din)"/>
-            </a:endParaRPr>
-          </a:p>
-          <a:p>
-            <a:pPr algn="l" fontAlgn="base"/>
-            <a:r>
-              <a:rPr lang="en-US" sz="1400" b="1" dirty="0">
-                <a:latin typeface="var(--font-din)"/>
-              </a:rPr>
-              <a:t>To create a global variable inside a function, you can use the global keyword.</a:t>
-            </a:r>
             <a:endParaRPr lang="en-US" sz="1400" b="1" i="0" dirty="0">
               <a:effectLst/>
               <a:latin typeface="var(--font-din)"/>
@@ -20220,51 +19810,101 @@
       </p:sp>
       <p:sp>
         <p:nvSpPr>
-          <p:cNvPr id="8" name="object 3">
-            <a:extLst>
-              <a:ext uri="{FF2B5EF4-FFF2-40B4-BE49-F238E27FC236}">
-                <a16:creationId xmlns:a16="http://schemas.microsoft.com/office/drawing/2014/main" id="{BAB998D1-0355-4374-BE6C-58AB9395D3F0}"/>
-              </a:ext>
-            </a:extLst>
-          </p:cNvPr>
-          <p:cNvSpPr txBox="1"/>
-          <p:nvPr/>
-        </p:nvSpPr>
-        <p:spPr>
-          <a:xfrm>
-            <a:off x="2769854" y="4191000"/>
-            <a:ext cx="8561705" cy="228268"/>
-          </a:xfrm>
-          <a:prstGeom prst="rect">
-            <a:avLst/>
-          </a:prstGeom>
-        </p:spPr>
-        <p:txBody>
-          <a:bodyPr vert="horz" wrap="square" lIns="0" tIns="12700" rIns="0" bIns="0" rtlCol="0">
-            <a:spAutoFit/>
-          </a:bodyPr>
-          <a:lstStyle/>
-          <a:p>
-            <a:pPr algn="l" fontAlgn="base"/>
-            <a:r>
-              <a:rPr lang="en-US" sz="1400" b="1" dirty="0">
-                <a:latin typeface="var(--font-din)"/>
-              </a:rPr>
-              <a:t>Also, use the global keyword if you want to change a global variable inside a function.</a:t>
-            </a:r>
-            <a:endParaRPr lang="en-US" sz="1400" b="1" i="0" dirty="0">
-              <a:effectLst/>
-              <a:latin typeface="var(--font-din)"/>
-            </a:endParaRPr>
+          <p:cNvPr id="10" name="תיבת טקסט 9">
+            <a:extLst>
+              <a:ext uri="{FF2B5EF4-FFF2-40B4-BE49-F238E27FC236}">
+                <a16:creationId xmlns:a16="http://schemas.microsoft.com/office/drawing/2014/main" id="{18AC4B54-B5F4-474E-9673-04DCF759462F}"/>
+              </a:ext>
+            </a:extLst>
+          </p:cNvPr>
+          <p:cNvSpPr txBox="1"/>
+          <p:nvPr/>
+        </p:nvSpPr>
+        <p:spPr>
+          <a:xfrm>
+            <a:off x="2754088" y="392475"/>
+            <a:ext cx="9129622" cy="954107"/>
+          </a:xfrm>
+          <a:prstGeom prst="rect">
+            <a:avLst/>
+          </a:prstGeom>
+          <a:noFill/>
+        </p:spPr>
+        <p:txBody>
+          <a:bodyPr wrap="square">
+            <a:spAutoFit/>
+          </a:bodyPr>
+          <a:lstStyle/>
+          <a:p>
+            <a:r>
+              <a:rPr lang="en-US" sz="1400" dirty="0"/>
+              <a:t>Default Parameter Value</a:t>
+            </a:r>
+          </a:p>
+          <a:p>
+            <a:r>
+              <a:rPr lang="en-US" sz="1400" dirty="0"/>
+              <a:t>The following example shows how to use a default parameter value.</a:t>
+            </a:r>
+          </a:p>
+          <a:p>
+            <a:endParaRPr lang="en-US" sz="1400" dirty="0"/>
+          </a:p>
+          <a:p>
+            <a:r>
+              <a:rPr lang="en-US" sz="1400" dirty="0"/>
+              <a:t>If we call the function without argument, it uses the default value:</a:t>
+            </a:r>
+          </a:p>
+        </p:txBody>
+      </p:sp>
+      <p:sp>
+        <p:nvSpPr>
+          <p:cNvPr id="14" name="תיבת טקסט 9">
+            <a:extLst>
+              <a:ext uri="{FF2B5EF4-FFF2-40B4-BE49-F238E27FC236}">
+                <a16:creationId xmlns:a16="http://schemas.microsoft.com/office/drawing/2014/main" id="{71E74AD8-3B44-4664-AC71-7DA9CCD03477}"/>
+              </a:ext>
+            </a:extLst>
+          </p:cNvPr>
+          <p:cNvSpPr txBox="1"/>
+          <p:nvPr/>
+        </p:nvSpPr>
+        <p:spPr>
+          <a:xfrm>
+            <a:off x="2757365" y="3611095"/>
+            <a:ext cx="9129622" cy="738664"/>
+          </a:xfrm>
+          <a:prstGeom prst="rect">
+            <a:avLst/>
+          </a:prstGeom>
+          <a:noFill/>
+        </p:spPr>
+        <p:txBody>
+          <a:bodyPr wrap="square">
+            <a:spAutoFit/>
+          </a:bodyPr>
+          <a:lstStyle/>
+          <a:p>
+            <a:r>
+              <a:rPr lang="en-US" sz="1400" dirty="0"/>
+              <a:t>You can send any data types of argument to a function (string, number, list, dictionary etc.), and it will be treated as the same data type inside the function.</a:t>
+            </a:r>
+          </a:p>
+          <a:p>
+            <a:r>
+              <a:rPr lang="en-US" sz="1400" dirty="0"/>
+              <a:t>E.g. if you send a List as an argument, it will still be a List when it reaches the function:</a:t>
+            </a:r>
           </a:p>
         </p:txBody>
       </p:sp>
       <p:pic>
         <p:nvPicPr>
-          <p:cNvPr id="5" name="תמונה 4">
-            <a:extLst>
-              <a:ext uri="{FF2B5EF4-FFF2-40B4-BE49-F238E27FC236}">
-                <a16:creationId xmlns:a16="http://schemas.microsoft.com/office/drawing/2014/main" id="{B905B2AD-FE29-45FF-AB42-18788046F82F}"/>
+          <p:cNvPr id="5" name="Picture 4">
+            <a:extLst>
+              <a:ext uri="{FF2B5EF4-FFF2-40B4-BE49-F238E27FC236}">
+                <a16:creationId xmlns:a16="http://schemas.microsoft.com/office/drawing/2014/main" id="{6B2C293D-7BA2-4A88-AD2D-B3C6AED5AC27}"/>
               </a:ext>
             </a:extLst>
           </p:cNvPr>
@@ -20281,8 +19921,8 @@
         </p:blipFill>
         <p:spPr>
           <a:xfrm>
-            <a:off x="2805023" y="1725402"/>
-            <a:ext cx="6943725" cy="2257425"/>
+            <a:off x="2754088" y="1346582"/>
+            <a:ext cx="3718882" cy="2232853"/>
           </a:xfrm>
           <a:prstGeom prst="rect">
             <a:avLst/>
@@ -20291,10 +19931,10 @@
       </p:pic>
       <p:pic>
         <p:nvPicPr>
-          <p:cNvPr id="9" name="תמונה 8">
-            <a:extLst>
-              <a:ext uri="{FF2B5EF4-FFF2-40B4-BE49-F238E27FC236}">
-                <a16:creationId xmlns:a16="http://schemas.microsoft.com/office/drawing/2014/main" id="{C0E77BA9-05B1-4B15-99B3-C6EA9A3F5937}"/>
+          <p:cNvPr id="7" name="Picture 6">
+            <a:extLst>
+              <a:ext uri="{FF2B5EF4-FFF2-40B4-BE49-F238E27FC236}">
+                <a16:creationId xmlns:a16="http://schemas.microsoft.com/office/drawing/2014/main" id="{11104D5D-9269-4F15-B285-F2DBFC83C895}"/>
               </a:ext>
             </a:extLst>
           </p:cNvPr>
@@ -20311,68 +19951,8 @@
         </p:blipFill>
         <p:spPr>
           <a:xfrm>
-            <a:off x="7176452" y="3333179"/>
-            <a:ext cx="2257425" cy="523875"/>
-          </a:xfrm>
-          <a:prstGeom prst="rect">
-            <a:avLst/>
-          </a:prstGeom>
-        </p:spPr>
-      </p:pic>
-      <p:pic>
-        <p:nvPicPr>
-          <p:cNvPr id="12" name="תמונה 11">
-            <a:extLst>
-              <a:ext uri="{FF2B5EF4-FFF2-40B4-BE49-F238E27FC236}">
-                <a16:creationId xmlns:a16="http://schemas.microsoft.com/office/drawing/2014/main" id="{91F6131C-9399-4038-9217-741CC839F4D8}"/>
-              </a:ext>
-            </a:extLst>
-          </p:cNvPr>
-          <p:cNvPicPr>
-            <a:picLocks noChangeAspect="1"/>
-          </p:cNvPicPr>
-          <p:nvPr/>
-        </p:nvPicPr>
-        <p:blipFill>
-          <a:blip r:embed="rId4"/>
-          <a:stretch>
-            <a:fillRect/>
-          </a:stretch>
-        </p:blipFill>
-        <p:spPr>
-          <a:xfrm>
-            <a:off x="2769854" y="4481104"/>
-            <a:ext cx="7954011" cy="2224496"/>
-          </a:xfrm>
-          <a:prstGeom prst="rect">
-            <a:avLst/>
-          </a:prstGeom>
-        </p:spPr>
-      </p:pic>
-      <p:pic>
-        <p:nvPicPr>
-          <p:cNvPr id="15" name="תמונה 14">
-            <a:extLst>
-              <a:ext uri="{FF2B5EF4-FFF2-40B4-BE49-F238E27FC236}">
-                <a16:creationId xmlns:a16="http://schemas.microsoft.com/office/drawing/2014/main" id="{F52C9571-3675-40DD-83C7-146A50178EDA}"/>
-              </a:ext>
-            </a:extLst>
-          </p:cNvPr>
-          <p:cNvPicPr>
-            <a:picLocks noChangeAspect="1"/>
-          </p:cNvPicPr>
-          <p:nvPr/>
-        </p:nvPicPr>
-        <p:blipFill>
-          <a:blip r:embed="rId5"/>
-          <a:stretch>
-            <a:fillRect/>
-          </a:stretch>
-        </p:blipFill>
-        <p:spPr>
-          <a:xfrm>
-            <a:off x="8610600" y="6110287"/>
-            <a:ext cx="1962150" cy="476250"/>
+            <a:off x="2861973" y="4505358"/>
+            <a:ext cx="4351397" cy="1828958"/>
           </a:xfrm>
           <a:prstGeom prst="rect">
             <a:avLst/>
@@ -20382,7 +19962,7 @@
     </p:spTree>
     <p:extLst>
       <p:ext uri="{BB962C8B-B14F-4D97-AF65-F5344CB8AC3E}">
-        <p14:creationId xmlns:p14="http://schemas.microsoft.com/office/powerpoint/2010/main" val="2704522598"/>
+        <p14:creationId xmlns:p14="http://schemas.microsoft.com/office/powerpoint/2010/main" val="1779675077"/>
       </p:ext>
     </p:extLst>
   </p:cSld>
@@ -20448,7 +20028,7 @@
                 <a:latin typeface="Trebuchet MS"/>
                 <a:cs typeface="Trebuchet MS"/>
               </a:rPr>
-              <a:t>Python String Formatting</a:t>
+              <a:t>Python Functions</a:t>
             </a:r>
           </a:p>
         </p:txBody>
@@ -20502,8 +20082,8 @@
         </p:nvSpPr>
         <p:spPr>
           <a:xfrm>
-            <a:off x="2743200" y="441950"/>
-            <a:ext cx="9129622" cy="954107"/>
+            <a:off x="2754088" y="392475"/>
+            <a:ext cx="9129622" cy="523220"/>
           </a:xfrm>
           <a:prstGeom prst="rect">
             <a:avLst/>
@@ -20518,71 +20098,64 @@
           <a:p>
             <a:r>
               <a:rPr lang="en-US" sz="1400" dirty="0"/>
-              <a:t>To make sure a string will display as expected, we can format the result with the format() method.</a:t>
-            </a:r>
-            <a:endParaRPr lang="he-IL" sz="1400" dirty="0"/>
+              <a:t>Return Values</a:t>
+            </a:r>
           </a:p>
           <a:p>
             <a:r>
               <a:rPr lang="en-US" sz="1400" dirty="0"/>
-              <a:t>The format() method allows you to format selected parts of a string.</a:t>
-            </a:r>
-          </a:p>
+              <a:t>To let a function return a value, use the return statement:</a:t>
+            </a:r>
+          </a:p>
+        </p:txBody>
+      </p:sp>
+      <p:sp>
+        <p:nvSpPr>
+          <p:cNvPr id="14" name="תיבת טקסט 9">
+            <a:extLst>
+              <a:ext uri="{FF2B5EF4-FFF2-40B4-BE49-F238E27FC236}">
+                <a16:creationId xmlns:a16="http://schemas.microsoft.com/office/drawing/2014/main" id="{71E74AD8-3B44-4664-AC71-7DA9CCD03477}"/>
+              </a:ext>
+            </a:extLst>
+          </p:cNvPr>
+          <p:cNvSpPr txBox="1"/>
+          <p:nvPr/>
+        </p:nvSpPr>
+        <p:spPr>
+          <a:xfrm>
+            <a:off x="2806460" y="2785196"/>
+            <a:ext cx="9129622" cy="738664"/>
+          </a:xfrm>
+          <a:prstGeom prst="rect">
+            <a:avLst/>
+          </a:prstGeom>
+          <a:noFill/>
+        </p:spPr>
+        <p:txBody>
+          <a:bodyPr wrap="square">
+            <a:spAutoFit/>
+          </a:bodyPr>
+          <a:lstStyle/>
           <a:p>
             <a:r>
               <a:rPr lang="en-US" sz="1400" dirty="0"/>
-              <a:t>Sometimes there are parts of a text that you do not control, maybe they come from a database, or user input?</a:t>
+              <a:t>The pass Statement</a:t>
             </a:r>
           </a:p>
           <a:p>
             <a:r>
               <a:rPr lang="en-US" sz="1400" dirty="0"/>
-              <a:t>To control such values, add placeholders (curly brackets {}) in the text, and run the values through the format() method:</a:t>
-            </a:r>
-          </a:p>
-        </p:txBody>
-      </p:sp>
-      <p:sp>
-        <p:nvSpPr>
-          <p:cNvPr id="14" name="תיבת טקסט 9">
-            <a:extLst>
-              <a:ext uri="{FF2B5EF4-FFF2-40B4-BE49-F238E27FC236}">
-                <a16:creationId xmlns:a16="http://schemas.microsoft.com/office/drawing/2014/main" id="{71E74AD8-3B44-4664-AC71-7DA9CCD03477}"/>
-              </a:ext>
-            </a:extLst>
-          </p:cNvPr>
-          <p:cNvSpPr txBox="1"/>
-          <p:nvPr/>
-        </p:nvSpPr>
-        <p:spPr>
-          <a:xfrm>
-            <a:off x="2806460" y="2785196"/>
-            <a:ext cx="9129622" cy="307777"/>
-          </a:xfrm>
-          <a:prstGeom prst="rect">
-            <a:avLst/>
-          </a:prstGeom>
-          <a:noFill/>
-        </p:spPr>
-        <p:txBody>
-          <a:bodyPr wrap="square">
-            <a:spAutoFit/>
-          </a:bodyPr>
-          <a:lstStyle/>
-          <a:p>
-            <a:r>
-              <a:rPr lang="en-US" sz="1400" dirty="0"/>
-              <a:t>You can add parameters inside the curly brackets to specify how to convert the value:</a:t>
+              <a:t>function definitions cannot be empty, but if you for some reason have a function definition with no content, put in the pass statement to avoid getting an error.</a:t>
             </a:r>
           </a:p>
         </p:txBody>
       </p:sp>
       <p:pic>
         <p:nvPicPr>
-          <p:cNvPr id="6" name="Picture 5">
-            <a:extLst>
-              <a:ext uri="{FF2B5EF4-FFF2-40B4-BE49-F238E27FC236}">
-                <a16:creationId xmlns:a16="http://schemas.microsoft.com/office/drawing/2014/main" id="{A07F2DB0-D34E-43A1-A6EA-F96CF1455CAB}"/>
+          <p:cNvPr id="7" name="Picture 6">
+            <a:extLst>
+              <a:ext uri="{FF2B5EF4-FFF2-40B4-BE49-F238E27FC236}">
+                <a16:creationId xmlns:a16="http://schemas.microsoft.com/office/drawing/2014/main" id="{11104D5D-9269-4F15-B285-F2DBFC83C895}"/>
               </a:ext>
             </a:extLst>
           </p:cNvPr>
@@ -20599,8 +20172,8 @@
         </p:blipFill>
         <p:spPr>
           <a:xfrm>
-            <a:off x="2920805" y="1428832"/>
-            <a:ext cx="4450466" cy="1242168"/>
+            <a:off x="2870324" y="3590879"/>
+            <a:ext cx="4351397" cy="1828958"/>
           </a:xfrm>
           <a:prstGeom prst="rect">
             <a:avLst/>
@@ -20609,10 +20182,10 @@
       </p:pic>
       <p:pic>
         <p:nvPicPr>
-          <p:cNvPr id="11" name="Picture 10">
-            <a:extLst>
-              <a:ext uri="{FF2B5EF4-FFF2-40B4-BE49-F238E27FC236}">
-                <a16:creationId xmlns:a16="http://schemas.microsoft.com/office/drawing/2014/main" id="{551129B4-2881-46F4-956E-A9DE4AAFE1C2}"/>
+          <p:cNvPr id="4" name="Picture 3">
+            <a:extLst>
+              <a:ext uri="{FF2B5EF4-FFF2-40B4-BE49-F238E27FC236}">
+                <a16:creationId xmlns:a16="http://schemas.microsoft.com/office/drawing/2014/main" id="{80215806-4C97-442F-89EB-A2E13CD2DDCF}"/>
               </a:ext>
             </a:extLst>
           </p:cNvPr>
@@ -20629,163 +20202,8 @@
         </p:blipFill>
         <p:spPr>
           <a:xfrm>
-            <a:off x="7620000" y="1511456"/>
-            <a:ext cx="2987299" cy="579170"/>
-          </a:xfrm>
-          <a:prstGeom prst="rect">
-            <a:avLst/>
-          </a:prstGeom>
-        </p:spPr>
-      </p:pic>
-      <p:pic>
-        <p:nvPicPr>
-          <p:cNvPr id="13" name="Picture 12">
-            <a:extLst>
-              <a:ext uri="{FF2B5EF4-FFF2-40B4-BE49-F238E27FC236}">
-                <a16:creationId xmlns:a16="http://schemas.microsoft.com/office/drawing/2014/main" id="{0BBB2557-9BFF-462D-BB46-687C38813DEE}"/>
-              </a:ext>
-            </a:extLst>
-          </p:cNvPr>
-          <p:cNvPicPr>
-            <a:picLocks noChangeAspect="1"/>
-          </p:cNvPicPr>
-          <p:nvPr/>
-        </p:nvPicPr>
-        <p:blipFill>
-          <a:blip r:embed="rId4"/>
-          <a:stretch>
-            <a:fillRect/>
-          </a:stretch>
-        </p:blipFill>
-        <p:spPr>
-          <a:xfrm>
-            <a:off x="2895600" y="3270890"/>
-            <a:ext cx="5776461" cy="883997"/>
-          </a:xfrm>
-          <a:prstGeom prst="rect">
-            <a:avLst/>
-          </a:prstGeom>
-        </p:spPr>
-      </p:pic>
-      <p:pic>
-        <p:nvPicPr>
-          <p:cNvPr id="16" name="Picture 15">
-            <a:extLst>
-              <a:ext uri="{FF2B5EF4-FFF2-40B4-BE49-F238E27FC236}">
-                <a16:creationId xmlns:a16="http://schemas.microsoft.com/office/drawing/2014/main" id="{935BDEA3-8284-4D81-B20B-5C906D6CF77F}"/>
-              </a:ext>
-            </a:extLst>
-          </p:cNvPr>
-          <p:cNvPicPr>
-            <a:picLocks noChangeAspect="1"/>
-          </p:cNvPicPr>
-          <p:nvPr/>
-        </p:nvPicPr>
-        <p:blipFill>
-          <a:blip r:embed="rId5"/>
-          <a:stretch>
-            <a:fillRect/>
-          </a:stretch>
-        </p:blipFill>
-        <p:spPr>
-          <a:xfrm>
-            <a:off x="8763000" y="3270890"/>
-            <a:ext cx="3314987" cy="472481"/>
-          </a:xfrm>
-          <a:prstGeom prst="rect">
-            <a:avLst/>
-          </a:prstGeom>
-        </p:spPr>
-      </p:pic>
-      <p:sp>
-        <p:nvSpPr>
-          <p:cNvPr id="17" name="תיבת טקסט 9">
-            <a:extLst>
-              <a:ext uri="{FF2B5EF4-FFF2-40B4-BE49-F238E27FC236}">
-                <a16:creationId xmlns:a16="http://schemas.microsoft.com/office/drawing/2014/main" id="{C3A75BA8-310C-40DF-91F8-97B70A4682B7}"/>
-              </a:ext>
-            </a:extLst>
-          </p:cNvPr>
-          <p:cNvSpPr txBox="1"/>
-          <p:nvPr/>
-        </p:nvSpPr>
-        <p:spPr>
-          <a:xfrm>
-            <a:off x="2895600" y="4314521"/>
-            <a:ext cx="9129622" cy="307777"/>
-          </a:xfrm>
-          <a:prstGeom prst="rect">
-            <a:avLst/>
-          </a:prstGeom>
-          <a:noFill/>
-        </p:spPr>
-        <p:txBody>
-          <a:bodyPr wrap="square">
-            <a:spAutoFit/>
-          </a:bodyPr>
-          <a:lstStyle/>
-          <a:p>
-            <a:r>
-              <a:rPr lang="en-US" sz="1400" dirty="0"/>
-              <a:t>If you want to use more values, just add more values to the format() method:</a:t>
-            </a:r>
-          </a:p>
-        </p:txBody>
-      </p:sp>
-      <p:pic>
-        <p:nvPicPr>
-          <p:cNvPr id="21" name="Picture 20">
-            <a:extLst>
-              <a:ext uri="{FF2B5EF4-FFF2-40B4-BE49-F238E27FC236}">
-                <a16:creationId xmlns:a16="http://schemas.microsoft.com/office/drawing/2014/main" id="{CCEA8213-D3FA-4F9A-9307-55FA9B64D593}"/>
-              </a:ext>
-            </a:extLst>
-          </p:cNvPr>
-          <p:cNvPicPr>
-            <a:picLocks noChangeAspect="1"/>
-          </p:cNvPicPr>
-          <p:nvPr/>
-        </p:nvPicPr>
-        <p:blipFill>
-          <a:blip r:embed="rId6"/>
-          <a:stretch>
-            <a:fillRect/>
-          </a:stretch>
-        </p:blipFill>
-        <p:spPr>
-          <a:xfrm>
-            <a:off x="2895600" y="4706408"/>
-            <a:ext cx="6934801" cy="1280271"/>
-          </a:xfrm>
-          <a:prstGeom prst="rect">
-            <a:avLst/>
-          </a:prstGeom>
-        </p:spPr>
-      </p:pic>
-      <p:pic>
-        <p:nvPicPr>
-          <p:cNvPr id="23" name="Picture 22">
-            <a:extLst>
-              <a:ext uri="{FF2B5EF4-FFF2-40B4-BE49-F238E27FC236}">
-                <a16:creationId xmlns:a16="http://schemas.microsoft.com/office/drawing/2014/main" id="{FC607B10-B6DA-44FB-B7D0-E5B4516C0128}"/>
-              </a:ext>
-            </a:extLst>
-          </p:cNvPr>
-          <p:cNvPicPr>
-            <a:picLocks noChangeAspect="1"/>
-          </p:cNvPicPr>
-          <p:nvPr/>
-        </p:nvPicPr>
-        <p:blipFill>
-          <a:blip r:embed="rId7"/>
-          <a:stretch>
-            <a:fillRect/>
-          </a:stretch>
-        </p:blipFill>
-        <p:spPr>
-          <a:xfrm>
-            <a:off x="2911258" y="6070789"/>
-            <a:ext cx="4762913" cy="602032"/>
+            <a:off x="2861973" y="1203173"/>
+            <a:ext cx="2888230" cy="1432684"/>
           </a:xfrm>
           <a:prstGeom prst="rect">
             <a:avLst/>
@@ -20795,7 +20213,7 @@
     </p:spTree>
     <p:extLst>
       <p:ext uri="{BB962C8B-B14F-4D97-AF65-F5344CB8AC3E}">
-        <p14:creationId xmlns:p14="http://schemas.microsoft.com/office/powerpoint/2010/main" val="3100385331"/>
+        <p14:creationId xmlns:p14="http://schemas.microsoft.com/office/powerpoint/2010/main" val="712982720"/>
       </p:ext>
     </p:extLst>
   </p:cSld>
@@ -21002,7 +20420,7 @@
         </p:nvSpPr>
         <p:spPr>
           <a:xfrm>
-            <a:off x="2806460" y="86208"/>
+            <a:off x="2904392" y="152400"/>
             <a:ext cx="10210800" cy="382156"/>
           </a:xfrm>
           <a:prstGeom prst="rect">
@@ -21024,7 +20442,7 @@
               </a:spcBef>
             </a:pPr>
             <a:r>
-              <a:rPr lang="en-US" sz="2400" dirty="0">
+              <a:rPr lang="fr-FR" sz="2400" dirty="0">
                 <a:solidFill>
                   <a:schemeClr val="accent1">
                     <a:lumMod val="75000"/>
@@ -21033,17 +20451,26 @@
                 <a:latin typeface="Trebuchet MS"/>
                 <a:cs typeface="Trebuchet MS"/>
               </a:rPr>
-              <a:t>Python Try Except</a:t>
-            </a:r>
-          </a:p>
-        </p:txBody>
-      </p:sp>
-      <p:sp>
-        <p:nvSpPr>
-          <p:cNvPr id="8" name="object 3">
-            <a:extLst>
-              <a:ext uri="{FF2B5EF4-FFF2-40B4-BE49-F238E27FC236}">
-                <a16:creationId xmlns:a16="http://schemas.microsoft.com/office/drawing/2014/main" id="{F616E044-87B4-4BFF-A22F-890CA709EC6C}"/>
+              <a:t>Python - Global Variables</a:t>
+            </a:r>
+            <a:endParaRPr lang="en-US" sz="2400" dirty="0">
+              <a:solidFill>
+                <a:schemeClr val="accent1">
+                  <a:lumMod val="75000"/>
+                </a:schemeClr>
+              </a:solidFill>
+              <a:latin typeface="Trebuchet MS"/>
+              <a:cs typeface="Trebuchet MS"/>
+            </a:endParaRPr>
+          </a:p>
+        </p:txBody>
+      </p:sp>
+      <p:sp>
+        <p:nvSpPr>
+          <p:cNvPr id="6" name="object 3">
+            <a:extLst>
+              <a:ext uri="{FF2B5EF4-FFF2-40B4-BE49-F238E27FC236}">
+                <a16:creationId xmlns:a16="http://schemas.microsoft.com/office/drawing/2014/main" id="{504C54EB-F689-45AF-9B50-A537385B0172}"/>
               </a:ext>
             </a:extLst>
           </p:cNvPr>
@@ -21053,7 +20480,7 @@
         <p:spPr>
           <a:xfrm>
             <a:off x="2895600" y="609600"/>
-            <a:ext cx="8561705" cy="228268"/>
+            <a:ext cx="8561705" cy="659155"/>
           </a:xfrm>
           <a:prstGeom prst="rect">
             <a:avLst/>
@@ -21066,6 +20493,30 @@
           <a:lstStyle/>
           <a:p>
             <a:pPr algn="l" fontAlgn="base"/>
+            <a:r>
+              <a:rPr lang="en-US" sz="1400" b="1" dirty="0">
+                <a:latin typeface="var(--font-din)"/>
+              </a:rPr>
+              <a:t>Global Variables</a:t>
+            </a:r>
+          </a:p>
+          <a:p>
+            <a:pPr algn="l" fontAlgn="base"/>
+            <a:r>
+              <a:rPr lang="en-US" sz="1400" b="1" dirty="0">
+                <a:latin typeface="var(--font-din)"/>
+              </a:rPr>
+              <a:t>Variables that are created outside of a function (as in all of the examples above) are known as global variables.</a:t>
+            </a:r>
+          </a:p>
+          <a:p>
+            <a:pPr algn="l" fontAlgn="base"/>
+            <a:r>
+              <a:rPr lang="en-US" sz="1400" b="1" dirty="0">
+                <a:latin typeface="var(--font-din)"/>
+              </a:rPr>
+              <a:t>Global variables can be used by everyone, both inside of functions and outside.</a:t>
+            </a:r>
             <a:endParaRPr lang="en-US" sz="1400" b="1" i="0" dirty="0">
               <a:effectLst/>
               <a:latin typeface="var(--font-din)"/>
@@ -21075,98 +20526,51 @@
       </p:sp>
       <p:sp>
         <p:nvSpPr>
-          <p:cNvPr id="10" name="תיבת טקסט 9">
-            <a:extLst>
-              <a:ext uri="{FF2B5EF4-FFF2-40B4-BE49-F238E27FC236}">
-                <a16:creationId xmlns:a16="http://schemas.microsoft.com/office/drawing/2014/main" id="{18AC4B54-B5F4-474E-9673-04DCF759462F}"/>
-              </a:ext>
-            </a:extLst>
-          </p:cNvPr>
-          <p:cNvSpPr txBox="1"/>
-          <p:nvPr/>
-        </p:nvSpPr>
-        <p:spPr>
-          <a:xfrm>
-            <a:off x="2743200" y="441950"/>
-            <a:ext cx="9129622" cy="1169551"/>
-          </a:xfrm>
-          <a:prstGeom prst="rect">
-            <a:avLst/>
-          </a:prstGeom>
-          <a:noFill/>
-        </p:spPr>
-        <p:txBody>
-          <a:bodyPr wrap="square">
-            <a:spAutoFit/>
-          </a:bodyPr>
-          <a:lstStyle/>
-          <a:p>
-            <a:r>
-              <a:rPr lang="en-US" sz="1400" dirty="0"/>
-              <a:t>The try block lets you test a block of code for errors.</a:t>
-            </a:r>
-          </a:p>
-          <a:p>
-            <a:endParaRPr lang="en-US" sz="1400" dirty="0"/>
-          </a:p>
-          <a:p>
-            <a:r>
-              <a:rPr lang="en-US" sz="1400" dirty="0"/>
-              <a:t>The except block lets you handle the error.</a:t>
-            </a:r>
-          </a:p>
-          <a:p>
-            <a:endParaRPr lang="en-US" sz="1400" dirty="0"/>
-          </a:p>
-          <a:p>
-            <a:r>
-              <a:rPr lang="en-US" sz="1400" dirty="0"/>
-              <a:t>The finally block lets you execute code, regardless of the result of the try- and except blocks.</a:t>
-            </a:r>
-          </a:p>
-        </p:txBody>
-      </p:sp>
-      <p:sp>
-        <p:nvSpPr>
-          <p:cNvPr id="14" name="תיבת טקסט 9">
-            <a:extLst>
-              <a:ext uri="{FF2B5EF4-FFF2-40B4-BE49-F238E27FC236}">
-                <a16:creationId xmlns:a16="http://schemas.microsoft.com/office/drawing/2014/main" id="{71E74AD8-3B44-4664-AC71-7DA9CCD03477}"/>
-              </a:ext>
-            </a:extLst>
-          </p:cNvPr>
-          <p:cNvSpPr txBox="1"/>
-          <p:nvPr/>
-        </p:nvSpPr>
-        <p:spPr>
-          <a:xfrm>
-            <a:off x="2806460" y="3259679"/>
-            <a:ext cx="9129622" cy="523220"/>
-          </a:xfrm>
-          <a:prstGeom prst="rect">
-            <a:avLst/>
-          </a:prstGeom>
-          <a:noFill/>
-        </p:spPr>
-        <p:txBody>
-          <a:bodyPr wrap="square">
-            <a:spAutoFit/>
-          </a:bodyPr>
-          <a:lstStyle/>
-          <a:p>
-            <a:r>
-              <a:rPr lang="en-US" sz="1400" dirty="0"/>
-              <a:t>You can define as many exception blocks as you want, e.g. if you want to execute a special block of code for a special kind of error:</a:t>
-            </a:r>
+          <p:cNvPr id="8" name="object 3">
+            <a:extLst>
+              <a:ext uri="{FF2B5EF4-FFF2-40B4-BE49-F238E27FC236}">
+                <a16:creationId xmlns:a16="http://schemas.microsoft.com/office/drawing/2014/main" id="{BAB998D1-0355-4374-BE6C-58AB9395D3F0}"/>
+              </a:ext>
+            </a:extLst>
+          </p:cNvPr>
+          <p:cNvSpPr txBox="1"/>
+          <p:nvPr/>
+        </p:nvSpPr>
+        <p:spPr>
+          <a:xfrm>
+            <a:off x="2895599" y="3509434"/>
+            <a:ext cx="8561705" cy="443711"/>
+          </a:xfrm>
+          <a:prstGeom prst="rect">
+            <a:avLst/>
+          </a:prstGeom>
+        </p:spPr>
+        <p:txBody>
+          <a:bodyPr vert="horz" wrap="square" lIns="0" tIns="12700" rIns="0" bIns="0" rtlCol="0">
+            <a:spAutoFit/>
+          </a:bodyPr>
+          <a:lstStyle/>
+          <a:p>
+            <a:pPr algn="l" fontAlgn="base"/>
+            <a:r>
+              <a:rPr lang="en-US" sz="1400" b="1" dirty="0">
+                <a:latin typeface="var(--font-din)"/>
+              </a:rPr>
+              <a:t>If you create a variable with the same name inside a function, this variable will be local, and can only be used inside the function. The global variable with the same name will remain as it was, global and with the original value.</a:t>
+            </a:r>
+            <a:endParaRPr lang="en-US" sz="1400" b="1" i="0" dirty="0">
+              <a:effectLst/>
+              <a:latin typeface="var(--font-din)"/>
+            </a:endParaRPr>
           </a:p>
         </p:txBody>
       </p:sp>
       <p:pic>
         <p:nvPicPr>
-          <p:cNvPr id="4" name="Picture 3">
-            <a:extLst>
-              <a:ext uri="{FF2B5EF4-FFF2-40B4-BE49-F238E27FC236}">
-                <a16:creationId xmlns:a16="http://schemas.microsoft.com/office/drawing/2014/main" id="{CD4DE299-E583-4B20-8268-CFF2615817F4}"/>
+          <p:cNvPr id="4" name="תמונה 3">
+            <a:extLst>
+              <a:ext uri="{FF2B5EF4-FFF2-40B4-BE49-F238E27FC236}">
+                <a16:creationId xmlns:a16="http://schemas.microsoft.com/office/drawing/2014/main" id="{14E13A8A-9ECA-452F-AB46-D6C5E0023418}"/>
               </a:ext>
             </a:extLst>
           </p:cNvPr>
@@ -21183,8 +20587,8 @@
         </p:blipFill>
         <p:spPr>
           <a:xfrm>
-            <a:off x="2806460" y="1674254"/>
-            <a:ext cx="5913632" cy="1539373"/>
+            <a:off x="2759015" y="1279956"/>
+            <a:ext cx="6905625" cy="2105025"/>
           </a:xfrm>
           <a:prstGeom prst="rect">
             <a:avLst/>
@@ -21193,10 +20597,10 @@
       </p:pic>
       <p:pic>
         <p:nvPicPr>
-          <p:cNvPr id="7" name="Picture 6">
-            <a:extLst>
-              <a:ext uri="{FF2B5EF4-FFF2-40B4-BE49-F238E27FC236}">
-                <a16:creationId xmlns:a16="http://schemas.microsoft.com/office/drawing/2014/main" id="{B638EC79-A196-4F2E-B0E9-829864B31C59}"/>
+          <p:cNvPr id="10" name="תמונה 9">
+            <a:extLst>
+              <a:ext uri="{FF2B5EF4-FFF2-40B4-BE49-F238E27FC236}">
+                <a16:creationId xmlns:a16="http://schemas.microsoft.com/office/drawing/2014/main" id="{522C7B4E-5F6A-43E5-BE31-41B8A451DDA7}"/>
               </a:ext>
             </a:extLst>
           </p:cNvPr>
@@ -21205,15 +20609,16 @@
           </p:cNvPicPr>
           <p:nvPr/>
         </p:nvPicPr>
-        <p:blipFill rotWithShape="1">
+        <p:blipFill>
           <a:blip r:embed="rId3"/>
-          <a:srcRect l="13153" r="11114"/>
-          <a:stretch/>
+          <a:stretch>
+            <a:fillRect/>
+          </a:stretch>
         </p:blipFill>
         <p:spPr>
           <a:xfrm>
-            <a:off x="8991600" y="1674254"/>
-            <a:ext cx="2077648" cy="662997"/>
+            <a:off x="7480360" y="2738719"/>
+            <a:ext cx="1952625" cy="504825"/>
           </a:xfrm>
           <a:prstGeom prst="rect">
             <a:avLst/>
@@ -21222,10 +20627,10 @@
       </p:pic>
       <p:pic>
         <p:nvPicPr>
-          <p:cNvPr id="12" name="Picture 11">
-            <a:extLst>
-              <a:ext uri="{FF2B5EF4-FFF2-40B4-BE49-F238E27FC236}">
-                <a16:creationId xmlns:a16="http://schemas.microsoft.com/office/drawing/2014/main" id="{A8CD6388-60C5-4BCF-9CC6-8AD28E909897}"/>
+          <p:cNvPr id="13" name="תמונה 12">
+            <a:extLst>
+              <a:ext uri="{FF2B5EF4-FFF2-40B4-BE49-F238E27FC236}">
+                <a16:creationId xmlns:a16="http://schemas.microsoft.com/office/drawing/2014/main" id="{33E37D12-F845-4AF5-866F-7703746D4D40}"/>
               </a:ext>
             </a:extLst>
           </p:cNvPr>
@@ -21242,8 +20647,8 @@
         </p:blipFill>
         <p:spPr>
           <a:xfrm>
-            <a:off x="2806460" y="3743691"/>
-            <a:ext cx="5052498" cy="1630821"/>
+            <a:off x="2819400" y="4057470"/>
+            <a:ext cx="8181975" cy="2619375"/>
           </a:xfrm>
           <a:prstGeom prst="rect">
             <a:avLst/>
@@ -21253,7 +20658,7 @@
     </p:spTree>
     <p:extLst>
       <p:ext uri="{BB962C8B-B14F-4D97-AF65-F5344CB8AC3E}">
-        <p14:creationId xmlns:p14="http://schemas.microsoft.com/office/powerpoint/2010/main" val="3461868384"/>
+        <p14:creationId xmlns:p14="http://schemas.microsoft.com/office/powerpoint/2010/main" val="1662837464"/>
       </p:ext>
     </p:extLst>
   </p:cSld>
@@ -21288,7 +20693,7 @@
         </p:nvSpPr>
         <p:spPr>
           <a:xfrm>
-            <a:off x="2806460" y="86208"/>
+            <a:off x="2904392" y="152400"/>
             <a:ext cx="10210800" cy="382156"/>
           </a:xfrm>
           <a:prstGeom prst="rect">
@@ -21310,7 +20715,7 @@
               </a:spcBef>
             </a:pPr>
             <a:r>
-              <a:rPr lang="en-US" sz="2400" dirty="0">
+              <a:rPr lang="fr-FR" sz="2400" dirty="0">
                 <a:solidFill>
                   <a:schemeClr val="accent1">
                     <a:lumMod val="75000"/>
@@ -21319,17 +20724,50 @@
                 <a:latin typeface="Trebuchet MS"/>
                 <a:cs typeface="Trebuchet MS"/>
               </a:rPr>
-              <a:t>Python Try Except</a:t>
-            </a:r>
-          </a:p>
-        </p:txBody>
-      </p:sp>
-      <p:sp>
-        <p:nvSpPr>
-          <p:cNvPr id="8" name="object 3">
-            <a:extLst>
-              <a:ext uri="{FF2B5EF4-FFF2-40B4-BE49-F238E27FC236}">
-                <a16:creationId xmlns:a16="http://schemas.microsoft.com/office/drawing/2014/main" id="{F616E044-87B4-4BFF-A22F-890CA709EC6C}"/>
+              <a:t>Python - Global Variables </a:t>
+            </a:r>
+            <a:r>
+              <a:rPr lang="fr-FR" sz="2400" dirty="0" err="1">
+                <a:solidFill>
+                  <a:schemeClr val="accent1">
+                    <a:lumMod val="75000"/>
+                  </a:schemeClr>
+                </a:solidFill>
+                <a:latin typeface="Trebuchet MS"/>
+                <a:cs typeface="Trebuchet MS"/>
+              </a:rPr>
+              <a:t>Cont</a:t>
+            </a:r>
+            <a:r>
+              <a:rPr lang="fr-FR" sz="2400" dirty="0">
+                <a:solidFill>
+                  <a:schemeClr val="accent1">
+                    <a:lumMod val="75000"/>
+                  </a:schemeClr>
+                </a:solidFill>
+                <a:latin typeface="Trebuchet MS"/>
+                <a:cs typeface="Trebuchet MS"/>
+              </a:rPr>
+              <a:t>.</a:t>
+            </a:r>
+            <a:endParaRPr lang="en-US" sz="2400" dirty="0">
+              <a:solidFill>
+                <a:schemeClr val="accent1">
+                  <a:lumMod val="75000"/>
+                </a:schemeClr>
+              </a:solidFill>
+              <a:latin typeface="Trebuchet MS"/>
+              <a:cs typeface="Trebuchet MS"/>
+            </a:endParaRPr>
+          </a:p>
+        </p:txBody>
+      </p:sp>
+      <p:sp>
+        <p:nvSpPr>
+          <p:cNvPr id="6" name="object 3">
+            <a:extLst>
+              <a:ext uri="{FF2B5EF4-FFF2-40B4-BE49-F238E27FC236}">
+                <a16:creationId xmlns:a16="http://schemas.microsoft.com/office/drawing/2014/main" id="{504C54EB-F689-45AF-9B50-A537385B0172}"/>
               </a:ext>
             </a:extLst>
           </p:cNvPr>
@@ -21339,7 +20777,7 @@
         <p:spPr>
           <a:xfrm>
             <a:off x="2895600" y="609600"/>
-            <a:ext cx="8561705" cy="228268"/>
+            <a:ext cx="8561705" cy="1090042"/>
           </a:xfrm>
           <a:prstGeom prst="rect">
             <a:avLst/>
@@ -21352,6 +20790,36 @@
           <a:lstStyle/>
           <a:p>
             <a:pPr algn="l" fontAlgn="base"/>
+            <a:r>
+              <a:rPr lang="en-US" sz="1400" b="1" dirty="0">
+                <a:latin typeface="var(--font-din)"/>
+              </a:rPr>
+              <a:t>The global Keyword</a:t>
+            </a:r>
+          </a:p>
+          <a:p>
+            <a:pPr algn="l" fontAlgn="base"/>
+            <a:r>
+              <a:rPr lang="en-US" sz="1400" b="1" dirty="0">
+                <a:latin typeface="var(--font-din)"/>
+              </a:rPr>
+              <a:t>Normally, when you create a variable inside a function, that variable is local, and can only be used inside that function.</a:t>
+            </a:r>
+          </a:p>
+          <a:p>
+            <a:pPr algn="l" fontAlgn="base"/>
+            <a:endParaRPr lang="en-US" sz="1400" b="1" dirty="0">
+              <a:latin typeface="var(--font-din)"/>
+            </a:endParaRPr>
+          </a:p>
+          <a:p>
+            <a:pPr algn="l" fontAlgn="base"/>
+            <a:r>
+              <a:rPr lang="en-US" sz="1400" b="1" dirty="0">
+                <a:latin typeface="var(--font-din)"/>
+              </a:rPr>
+              <a:t>To create a global variable inside a function, you can use the global keyword.</a:t>
+            </a:r>
             <a:endParaRPr lang="en-US" sz="1400" b="1" i="0" dirty="0">
               <a:effectLst/>
               <a:latin typeface="var(--font-din)"/>
@@ -21361,80 +20829,51 @@
       </p:sp>
       <p:sp>
         <p:nvSpPr>
-          <p:cNvPr id="10" name="תיבת טקסט 9">
-            <a:extLst>
-              <a:ext uri="{FF2B5EF4-FFF2-40B4-BE49-F238E27FC236}">
-                <a16:creationId xmlns:a16="http://schemas.microsoft.com/office/drawing/2014/main" id="{18AC4B54-B5F4-474E-9673-04DCF759462F}"/>
-              </a:ext>
-            </a:extLst>
-          </p:cNvPr>
-          <p:cNvSpPr txBox="1"/>
-          <p:nvPr/>
-        </p:nvSpPr>
-        <p:spPr>
-          <a:xfrm>
-            <a:off x="2743200" y="441950"/>
-            <a:ext cx="9129622" cy="307777"/>
-          </a:xfrm>
-          <a:prstGeom prst="rect">
-            <a:avLst/>
-          </a:prstGeom>
-          <a:noFill/>
-        </p:spPr>
-        <p:txBody>
-          <a:bodyPr wrap="square">
-            <a:spAutoFit/>
-          </a:bodyPr>
-          <a:lstStyle/>
-          <a:p>
-            <a:r>
-              <a:rPr lang="en-US" sz="1400" dirty="0"/>
-              <a:t>The finally block, if specified, will be executed regardless if the try block raises an error or not.</a:t>
-            </a:r>
-          </a:p>
-        </p:txBody>
-      </p:sp>
-      <p:sp>
-        <p:nvSpPr>
-          <p:cNvPr id="14" name="תיבת טקסט 9">
-            <a:extLst>
-              <a:ext uri="{FF2B5EF4-FFF2-40B4-BE49-F238E27FC236}">
-                <a16:creationId xmlns:a16="http://schemas.microsoft.com/office/drawing/2014/main" id="{71E74AD8-3B44-4664-AC71-7DA9CCD03477}"/>
-              </a:ext>
-            </a:extLst>
-          </p:cNvPr>
-          <p:cNvSpPr txBox="1"/>
-          <p:nvPr/>
-        </p:nvSpPr>
-        <p:spPr>
-          <a:xfrm>
-            <a:off x="2887166" y="2293852"/>
-            <a:ext cx="9129622" cy="307777"/>
-          </a:xfrm>
-          <a:prstGeom prst="rect">
-            <a:avLst/>
-          </a:prstGeom>
-          <a:noFill/>
-        </p:spPr>
-        <p:txBody>
-          <a:bodyPr wrap="square">
-            <a:spAutoFit/>
-          </a:bodyPr>
-          <a:lstStyle/>
-          <a:p>
-            <a:r>
-              <a:rPr lang="en-US" sz="1400" dirty="0"/>
-              <a:t>This can be useful to close objects and clean up resources:</a:t>
-            </a:r>
+          <p:cNvPr id="8" name="object 3">
+            <a:extLst>
+              <a:ext uri="{FF2B5EF4-FFF2-40B4-BE49-F238E27FC236}">
+                <a16:creationId xmlns:a16="http://schemas.microsoft.com/office/drawing/2014/main" id="{BAB998D1-0355-4374-BE6C-58AB9395D3F0}"/>
+              </a:ext>
+            </a:extLst>
+          </p:cNvPr>
+          <p:cNvSpPr txBox="1"/>
+          <p:nvPr/>
+        </p:nvSpPr>
+        <p:spPr>
+          <a:xfrm>
+            <a:off x="2769854" y="4191000"/>
+            <a:ext cx="8561705" cy="228268"/>
+          </a:xfrm>
+          <a:prstGeom prst="rect">
+            <a:avLst/>
+          </a:prstGeom>
+        </p:spPr>
+        <p:txBody>
+          <a:bodyPr vert="horz" wrap="square" lIns="0" tIns="12700" rIns="0" bIns="0" rtlCol="0">
+            <a:spAutoFit/>
+          </a:bodyPr>
+          <a:lstStyle/>
+          <a:p>
+            <a:pPr algn="l" fontAlgn="base"/>
+            <a:r>
+              <a:rPr lang="en-US" sz="1400" b="1" dirty="0">
+                <a:latin typeface="var(--font-din)"/>
+              </a:rPr>
+              <a:t>Also, use the global keyword if you want to change a global variable inside a function.</a:t>
+            </a:r>
+            <a:endParaRPr lang="en-US" sz="1400" b="1" i="0" dirty="0">
+              <a:effectLst/>
+              <a:latin typeface="var(--font-din)"/>
+            </a:endParaRPr>
           </a:p>
         </p:txBody>
       </p:sp>
       <p:pic>
         <p:nvPicPr>
-          <p:cNvPr id="5" name="Picture 4">
-            <a:extLst>
-              <a:ext uri="{FF2B5EF4-FFF2-40B4-BE49-F238E27FC236}">
-                <a16:creationId xmlns:a16="http://schemas.microsoft.com/office/drawing/2014/main" id="{7FEEA4C7-1608-43AF-8E13-C76A78ADFD12}"/>
+          <p:cNvPr id="5" name="תמונה 4">
+            <a:extLst>
+              <a:ext uri="{FF2B5EF4-FFF2-40B4-BE49-F238E27FC236}">
+                <a16:creationId xmlns:a16="http://schemas.microsoft.com/office/drawing/2014/main" id="{B905B2AD-FE29-45FF-AB42-18788046F82F}"/>
               </a:ext>
             </a:extLst>
           </p:cNvPr>
@@ -21451,8 +20890,8 @@
         </p:blipFill>
         <p:spPr>
           <a:xfrm>
-            <a:off x="2887166" y="865950"/>
-            <a:ext cx="4313294" cy="1333616"/>
+            <a:off x="2805023" y="1725402"/>
+            <a:ext cx="6943725" cy="2257425"/>
           </a:xfrm>
           <a:prstGeom prst="rect">
             <a:avLst/>
@@ -21461,10 +20900,10 @@
       </p:pic>
       <p:pic>
         <p:nvPicPr>
-          <p:cNvPr id="9" name="Picture 8">
-            <a:extLst>
-              <a:ext uri="{FF2B5EF4-FFF2-40B4-BE49-F238E27FC236}">
-                <a16:creationId xmlns:a16="http://schemas.microsoft.com/office/drawing/2014/main" id="{251FBC09-0370-440B-9DE3-1657F8A77AD1}"/>
+          <p:cNvPr id="9" name="תמונה 8">
+            <a:extLst>
+              <a:ext uri="{FF2B5EF4-FFF2-40B4-BE49-F238E27FC236}">
+                <a16:creationId xmlns:a16="http://schemas.microsoft.com/office/drawing/2014/main" id="{C0E77BA9-05B1-4B15-99B3-C6EA9A3F5937}"/>
               </a:ext>
             </a:extLst>
           </p:cNvPr>
@@ -21473,15 +20912,16 @@
           </p:cNvPicPr>
           <p:nvPr/>
         </p:nvPicPr>
-        <p:blipFill rotWithShape="1">
+        <p:blipFill>
           <a:blip r:embed="rId3"/>
-          <a:srcRect l="122" t="-7469" r="19665" b="7469"/>
-          <a:stretch/>
+          <a:stretch>
+            <a:fillRect/>
+          </a:stretch>
         </p:blipFill>
         <p:spPr>
           <a:xfrm>
-            <a:off x="7308011" y="833471"/>
-            <a:ext cx="3740989" cy="769687"/>
+            <a:off x="7176452" y="3333179"/>
+            <a:ext cx="2257425" cy="523875"/>
           </a:xfrm>
           <a:prstGeom prst="rect">
             <a:avLst/>
@@ -21490,10 +20930,10 @@
       </p:pic>
       <p:pic>
         <p:nvPicPr>
-          <p:cNvPr id="13" name="Picture 12">
-            <a:extLst>
-              <a:ext uri="{FF2B5EF4-FFF2-40B4-BE49-F238E27FC236}">
-                <a16:creationId xmlns:a16="http://schemas.microsoft.com/office/drawing/2014/main" id="{1916B2C9-5CCB-42AC-8411-AF71E147DA70}"/>
+          <p:cNvPr id="12" name="תמונה 11">
+            <a:extLst>
+              <a:ext uri="{FF2B5EF4-FFF2-40B4-BE49-F238E27FC236}">
+                <a16:creationId xmlns:a16="http://schemas.microsoft.com/office/drawing/2014/main" id="{91F6131C-9399-4038-9217-741CC839F4D8}"/>
               </a:ext>
             </a:extLst>
           </p:cNvPr>
@@ -21510,8 +20950,38 @@
         </p:blipFill>
         <p:spPr>
           <a:xfrm>
-            <a:off x="2971800" y="2695915"/>
-            <a:ext cx="5113463" cy="1676545"/>
+            <a:off x="2769854" y="4481104"/>
+            <a:ext cx="7954011" cy="2224496"/>
+          </a:xfrm>
+          <a:prstGeom prst="rect">
+            <a:avLst/>
+          </a:prstGeom>
+        </p:spPr>
+      </p:pic>
+      <p:pic>
+        <p:nvPicPr>
+          <p:cNvPr id="15" name="תמונה 14">
+            <a:extLst>
+              <a:ext uri="{FF2B5EF4-FFF2-40B4-BE49-F238E27FC236}">
+                <a16:creationId xmlns:a16="http://schemas.microsoft.com/office/drawing/2014/main" id="{F52C9571-3675-40DD-83C7-146A50178EDA}"/>
+              </a:ext>
+            </a:extLst>
+          </p:cNvPr>
+          <p:cNvPicPr>
+            <a:picLocks noChangeAspect="1"/>
+          </p:cNvPicPr>
+          <p:nvPr/>
+        </p:nvPicPr>
+        <p:blipFill>
+          <a:blip r:embed="rId5"/>
+          <a:stretch>
+            <a:fillRect/>
+          </a:stretch>
+        </p:blipFill>
+        <p:spPr>
+          <a:xfrm>
+            <a:off x="8610600" y="6110287"/>
+            <a:ext cx="1962150" cy="476250"/>
           </a:xfrm>
           <a:prstGeom prst="rect">
             <a:avLst/>
@@ -21521,7 +20991,7 @@
     </p:spTree>
     <p:extLst>
       <p:ext uri="{BB962C8B-B14F-4D97-AF65-F5344CB8AC3E}">
-        <p14:creationId xmlns:p14="http://schemas.microsoft.com/office/powerpoint/2010/main" val="553612727"/>
+        <p14:creationId xmlns:p14="http://schemas.microsoft.com/office/powerpoint/2010/main" val="2704522598"/>
       </p:ext>
     </p:extLst>
   </p:cSld>
@@ -21587,7 +21057,7 @@
                 <a:latin typeface="Trebuchet MS"/>
                 <a:cs typeface="Trebuchet MS"/>
               </a:rPr>
-              <a:t>Raise an exception</a:t>
+              <a:t>Python String Formatting</a:t>
             </a:r>
           </a:p>
         </p:txBody>
@@ -21642,7 +21112,7 @@
         <p:spPr>
           <a:xfrm>
             <a:off x="2743200" y="441950"/>
-            <a:ext cx="9129622" cy="738664"/>
+            <a:ext cx="9129622" cy="954107"/>
           </a:xfrm>
           <a:prstGeom prst="rect">
             <a:avLst/>
@@ -21657,16 +21127,26 @@
           <a:p>
             <a:r>
               <a:rPr lang="en-US" sz="1400" dirty="0"/>
-              <a:t>As a Python developer you can choose to throw an exception if a condition occurs.</a:t>
-            </a:r>
-          </a:p>
-          <a:p>
-            <a:endParaRPr lang="en-US" sz="1400" dirty="0"/>
+              <a:t>To make sure a string will display as expected, we can format the result with the format() method.</a:t>
+            </a:r>
+            <a:endParaRPr lang="he-IL" sz="1400" dirty="0"/>
           </a:p>
           <a:p>
             <a:r>
               <a:rPr lang="en-US" sz="1400" dirty="0"/>
-              <a:t>To throw (or raise) an exception, use the raise keyword</a:t>
+              <a:t>The format() method allows you to format selected parts of a string.</a:t>
+            </a:r>
+          </a:p>
+          <a:p>
+            <a:r>
+              <a:rPr lang="en-US" sz="1400" dirty="0"/>
+              <a:t>Sometimes there are parts of a text that you do not control, maybe they come from a database, or user input?</a:t>
+            </a:r>
+          </a:p>
+          <a:p>
+            <a:r>
+              <a:rPr lang="en-US" sz="1400" dirty="0"/>
+              <a:t>To control such values, add placeholders (curly brackets {}) in the text, and run the values through the format() method:</a:t>
             </a:r>
           </a:p>
         </p:txBody>
@@ -21685,8 +21165,8 @@
         </p:nvSpPr>
         <p:spPr>
           <a:xfrm>
-            <a:off x="2776603" y="2956735"/>
-            <a:ext cx="9129622" cy="738664"/>
+            <a:off x="2806460" y="2785196"/>
+            <a:ext cx="9129622" cy="307777"/>
           </a:xfrm>
           <a:prstGeom prst="rect">
             <a:avLst/>
@@ -21701,26 +21181,17 @@
           <a:p>
             <a:r>
               <a:rPr lang="en-US" sz="1400" dirty="0"/>
-              <a:t>The raise keyword is used to raise an exception.</a:t>
-            </a:r>
-          </a:p>
-          <a:p>
-            <a:endParaRPr lang="en-US" sz="1400" dirty="0"/>
-          </a:p>
-          <a:p>
-            <a:r>
-              <a:rPr lang="en-US" sz="1400" dirty="0"/>
-              <a:t>You can define what kind of error to raise, and the text to print to the user.</a:t>
+              <a:t>You can add parameters inside the curly brackets to specify how to convert the value:</a:t>
             </a:r>
           </a:p>
         </p:txBody>
       </p:sp>
       <p:pic>
         <p:nvPicPr>
-          <p:cNvPr id="4" name="Picture 3">
-            <a:extLst>
-              <a:ext uri="{FF2B5EF4-FFF2-40B4-BE49-F238E27FC236}">
-                <a16:creationId xmlns:a16="http://schemas.microsoft.com/office/drawing/2014/main" id="{2867C4A7-3BFE-48CE-B9FA-0FA6480E9134}"/>
+          <p:cNvPr id="6" name="Picture 5">
+            <a:extLst>
+              <a:ext uri="{FF2B5EF4-FFF2-40B4-BE49-F238E27FC236}">
+                <a16:creationId xmlns:a16="http://schemas.microsoft.com/office/drawing/2014/main" id="{A07F2DB0-D34E-43A1-A6EA-F96CF1455CAB}"/>
               </a:ext>
             </a:extLst>
           </p:cNvPr>
@@ -21737,8 +21208,8 @@
         </p:blipFill>
         <p:spPr>
           <a:xfrm>
-            <a:off x="2826293" y="1321850"/>
-            <a:ext cx="5311600" cy="1493649"/>
+            <a:off x="2920805" y="1428832"/>
+            <a:ext cx="4450466" cy="1242168"/>
           </a:xfrm>
           <a:prstGeom prst="rect">
             <a:avLst/>
@@ -21747,10 +21218,10 @@
       </p:pic>
       <p:pic>
         <p:nvPicPr>
-          <p:cNvPr id="7" name="Picture 6">
-            <a:extLst>
-              <a:ext uri="{FF2B5EF4-FFF2-40B4-BE49-F238E27FC236}">
-                <a16:creationId xmlns:a16="http://schemas.microsoft.com/office/drawing/2014/main" id="{CE0705AF-AF76-4173-9744-2BB49CA52176}"/>
+          <p:cNvPr id="11" name="Picture 10">
+            <a:extLst>
+              <a:ext uri="{FF2B5EF4-FFF2-40B4-BE49-F238E27FC236}">
+                <a16:creationId xmlns:a16="http://schemas.microsoft.com/office/drawing/2014/main" id="{551129B4-2881-46F4-956E-A9DE4AAFE1C2}"/>
               </a:ext>
             </a:extLst>
           </p:cNvPr>
@@ -21767,8 +21238,163 @@
         </p:blipFill>
         <p:spPr>
           <a:xfrm>
-            <a:off x="2867416" y="3962400"/>
-            <a:ext cx="5098222" cy="1432684"/>
+            <a:off x="7620000" y="1511456"/>
+            <a:ext cx="2987299" cy="579170"/>
+          </a:xfrm>
+          <a:prstGeom prst="rect">
+            <a:avLst/>
+          </a:prstGeom>
+        </p:spPr>
+      </p:pic>
+      <p:pic>
+        <p:nvPicPr>
+          <p:cNvPr id="13" name="Picture 12">
+            <a:extLst>
+              <a:ext uri="{FF2B5EF4-FFF2-40B4-BE49-F238E27FC236}">
+                <a16:creationId xmlns:a16="http://schemas.microsoft.com/office/drawing/2014/main" id="{0BBB2557-9BFF-462D-BB46-687C38813DEE}"/>
+              </a:ext>
+            </a:extLst>
+          </p:cNvPr>
+          <p:cNvPicPr>
+            <a:picLocks noChangeAspect="1"/>
+          </p:cNvPicPr>
+          <p:nvPr/>
+        </p:nvPicPr>
+        <p:blipFill>
+          <a:blip r:embed="rId4"/>
+          <a:stretch>
+            <a:fillRect/>
+          </a:stretch>
+        </p:blipFill>
+        <p:spPr>
+          <a:xfrm>
+            <a:off x="2895600" y="3270890"/>
+            <a:ext cx="5776461" cy="883997"/>
+          </a:xfrm>
+          <a:prstGeom prst="rect">
+            <a:avLst/>
+          </a:prstGeom>
+        </p:spPr>
+      </p:pic>
+      <p:pic>
+        <p:nvPicPr>
+          <p:cNvPr id="16" name="Picture 15">
+            <a:extLst>
+              <a:ext uri="{FF2B5EF4-FFF2-40B4-BE49-F238E27FC236}">
+                <a16:creationId xmlns:a16="http://schemas.microsoft.com/office/drawing/2014/main" id="{935BDEA3-8284-4D81-B20B-5C906D6CF77F}"/>
+              </a:ext>
+            </a:extLst>
+          </p:cNvPr>
+          <p:cNvPicPr>
+            <a:picLocks noChangeAspect="1"/>
+          </p:cNvPicPr>
+          <p:nvPr/>
+        </p:nvPicPr>
+        <p:blipFill>
+          <a:blip r:embed="rId5"/>
+          <a:stretch>
+            <a:fillRect/>
+          </a:stretch>
+        </p:blipFill>
+        <p:spPr>
+          <a:xfrm>
+            <a:off x="8763000" y="3270890"/>
+            <a:ext cx="3314987" cy="472481"/>
+          </a:xfrm>
+          <a:prstGeom prst="rect">
+            <a:avLst/>
+          </a:prstGeom>
+        </p:spPr>
+      </p:pic>
+      <p:sp>
+        <p:nvSpPr>
+          <p:cNvPr id="17" name="תיבת טקסט 9">
+            <a:extLst>
+              <a:ext uri="{FF2B5EF4-FFF2-40B4-BE49-F238E27FC236}">
+                <a16:creationId xmlns:a16="http://schemas.microsoft.com/office/drawing/2014/main" id="{C3A75BA8-310C-40DF-91F8-97B70A4682B7}"/>
+              </a:ext>
+            </a:extLst>
+          </p:cNvPr>
+          <p:cNvSpPr txBox="1"/>
+          <p:nvPr/>
+        </p:nvSpPr>
+        <p:spPr>
+          <a:xfrm>
+            <a:off x="2895600" y="4314521"/>
+            <a:ext cx="9129622" cy="307777"/>
+          </a:xfrm>
+          <a:prstGeom prst="rect">
+            <a:avLst/>
+          </a:prstGeom>
+          <a:noFill/>
+        </p:spPr>
+        <p:txBody>
+          <a:bodyPr wrap="square">
+            <a:spAutoFit/>
+          </a:bodyPr>
+          <a:lstStyle/>
+          <a:p>
+            <a:r>
+              <a:rPr lang="en-US" sz="1400" dirty="0"/>
+              <a:t>If you want to use more values, just add more values to the format() method:</a:t>
+            </a:r>
+          </a:p>
+        </p:txBody>
+      </p:sp>
+      <p:pic>
+        <p:nvPicPr>
+          <p:cNvPr id="21" name="Picture 20">
+            <a:extLst>
+              <a:ext uri="{FF2B5EF4-FFF2-40B4-BE49-F238E27FC236}">
+                <a16:creationId xmlns:a16="http://schemas.microsoft.com/office/drawing/2014/main" id="{CCEA8213-D3FA-4F9A-9307-55FA9B64D593}"/>
+              </a:ext>
+            </a:extLst>
+          </p:cNvPr>
+          <p:cNvPicPr>
+            <a:picLocks noChangeAspect="1"/>
+          </p:cNvPicPr>
+          <p:nvPr/>
+        </p:nvPicPr>
+        <p:blipFill>
+          <a:blip r:embed="rId6"/>
+          <a:stretch>
+            <a:fillRect/>
+          </a:stretch>
+        </p:blipFill>
+        <p:spPr>
+          <a:xfrm>
+            <a:off x="2895600" y="4706408"/>
+            <a:ext cx="6934801" cy="1280271"/>
+          </a:xfrm>
+          <a:prstGeom prst="rect">
+            <a:avLst/>
+          </a:prstGeom>
+        </p:spPr>
+      </p:pic>
+      <p:pic>
+        <p:nvPicPr>
+          <p:cNvPr id="23" name="Picture 22">
+            <a:extLst>
+              <a:ext uri="{FF2B5EF4-FFF2-40B4-BE49-F238E27FC236}">
+                <a16:creationId xmlns:a16="http://schemas.microsoft.com/office/drawing/2014/main" id="{FC607B10-B6DA-44FB-B7D0-E5B4516C0128}"/>
+              </a:ext>
+            </a:extLst>
+          </p:cNvPr>
+          <p:cNvPicPr>
+            <a:picLocks noChangeAspect="1"/>
+          </p:cNvPicPr>
+          <p:nvPr/>
+        </p:nvPicPr>
+        <p:blipFill>
+          <a:blip r:embed="rId7"/>
+          <a:stretch>
+            <a:fillRect/>
+          </a:stretch>
+        </p:blipFill>
+        <p:spPr>
+          <a:xfrm>
+            <a:off x="2911258" y="6070789"/>
+            <a:ext cx="4762913" cy="602032"/>
           </a:xfrm>
           <a:prstGeom prst="rect">
             <a:avLst/>
@@ -21778,7 +21404,7 @@
     </p:spTree>
     <p:extLst>
       <p:ext uri="{BB962C8B-B14F-4D97-AF65-F5344CB8AC3E}">
-        <p14:creationId xmlns:p14="http://schemas.microsoft.com/office/powerpoint/2010/main" val="2793353998"/>
+        <p14:creationId xmlns:p14="http://schemas.microsoft.com/office/powerpoint/2010/main" val="3100385331"/>
       </p:ext>
     </p:extLst>
   </p:cSld>
@@ -21844,7 +21470,7 @@
                 <a:latin typeface="Trebuchet MS"/>
                 <a:cs typeface="Trebuchet MS"/>
               </a:rPr>
-              <a:t>catch all exceptions</a:t>
+              <a:t>Python Try Except</a:t>
             </a:r>
           </a:p>
         </p:txBody>
@@ -21884,12 +21510,100 @@
           </a:p>
         </p:txBody>
       </p:sp>
+      <p:sp>
+        <p:nvSpPr>
+          <p:cNvPr id="10" name="תיבת טקסט 9">
+            <a:extLst>
+              <a:ext uri="{FF2B5EF4-FFF2-40B4-BE49-F238E27FC236}">
+                <a16:creationId xmlns:a16="http://schemas.microsoft.com/office/drawing/2014/main" id="{18AC4B54-B5F4-474E-9673-04DCF759462F}"/>
+              </a:ext>
+            </a:extLst>
+          </p:cNvPr>
+          <p:cNvSpPr txBox="1"/>
+          <p:nvPr/>
+        </p:nvSpPr>
+        <p:spPr>
+          <a:xfrm>
+            <a:off x="2743200" y="441950"/>
+            <a:ext cx="9129622" cy="1169551"/>
+          </a:xfrm>
+          <a:prstGeom prst="rect">
+            <a:avLst/>
+          </a:prstGeom>
+          <a:noFill/>
+        </p:spPr>
+        <p:txBody>
+          <a:bodyPr wrap="square">
+            <a:spAutoFit/>
+          </a:bodyPr>
+          <a:lstStyle/>
+          <a:p>
+            <a:r>
+              <a:rPr lang="en-US" sz="1400" dirty="0"/>
+              <a:t>The try block lets you test a block of code for errors.</a:t>
+            </a:r>
+          </a:p>
+          <a:p>
+            <a:endParaRPr lang="en-US" sz="1400" dirty="0"/>
+          </a:p>
+          <a:p>
+            <a:r>
+              <a:rPr lang="en-US" sz="1400" dirty="0"/>
+              <a:t>The except block lets you handle the error.</a:t>
+            </a:r>
+          </a:p>
+          <a:p>
+            <a:endParaRPr lang="en-US" sz="1400" dirty="0"/>
+          </a:p>
+          <a:p>
+            <a:r>
+              <a:rPr lang="en-US" sz="1400" dirty="0"/>
+              <a:t>The finally block lets you execute code, regardless of the result of the try- and except blocks.</a:t>
+            </a:r>
+          </a:p>
+        </p:txBody>
+      </p:sp>
+      <p:sp>
+        <p:nvSpPr>
+          <p:cNvPr id="14" name="תיבת טקסט 9">
+            <a:extLst>
+              <a:ext uri="{FF2B5EF4-FFF2-40B4-BE49-F238E27FC236}">
+                <a16:creationId xmlns:a16="http://schemas.microsoft.com/office/drawing/2014/main" id="{71E74AD8-3B44-4664-AC71-7DA9CCD03477}"/>
+              </a:ext>
+            </a:extLst>
+          </p:cNvPr>
+          <p:cNvSpPr txBox="1"/>
+          <p:nvPr/>
+        </p:nvSpPr>
+        <p:spPr>
+          <a:xfrm>
+            <a:off x="2806460" y="3259679"/>
+            <a:ext cx="9129622" cy="523220"/>
+          </a:xfrm>
+          <a:prstGeom prst="rect">
+            <a:avLst/>
+          </a:prstGeom>
+          <a:noFill/>
+        </p:spPr>
+        <p:txBody>
+          <a:bodyPr wrap="square">
+            <a:spAutoFit/>
+          </a:bodyPr>
+          <a:lstStyle/>
+          <a:p>
+            <a:r>
+              <a:rPr lang="en-US" sz="1400" dirty="0"/>
+              <a:t>You can define as many exception blocks as you want, e.g. if you want to execute a special block of code for a special kind of error:</a:t>
+            </a:r>
+          </a:p>
+        </p:txBody>
+      </p:sp>
       <p:pic>
         <p:nvPicPr>
-          <p:cNvPr id="5" name="Picture 4">
-            <a:extLst>
-              <a:ext uri="{FF2B5EF4-FFF2-40B4-BE49-F238E27FC236}">
-                <a16:creationId xmlns:a16="http://schemas.microsoft.com/office/drawing/2014/main" id="{C3CD6730-24C3-4BDC-9AA6-345E64C20B5F}"/>
+          <p:cNvPr id="4" name="Picture 3">
+            <a:extLst>
+              <a:ext uri="{FF2B5EF4-FFF2-40B4-BE49-F238E27FC236}">
+                <a16:creationId xmlns:a16="http://schemas.microsoft.com/office/drawing/2014/main" id="{CD4DE299-E583-4B20-8268-CFF2615817F4}"/>
               </a:ext>
             </a:extLst>
           </p:cNvPr>
@@ -21906,8 +21620,8 @@
         </p:blipFill>
         <p:spPr>
           <a:xfrm>
-            <a:off x="2806460" y="607454"/>
-            <a:ext cx="3505200" cy="2162175"/>
+            <a:off x="2806460" y="1674254"/>
+            <a:ext cx="5913632" cy="1539373"/>
           </a:xfrm>
           <a:prstGeom prst="rect">
             <a:avLst/>
@@ -21916,10 +21630,10 @@
       </p:pic>
       <p:pic>
         <p:nvPicPr>
-          <p:cNvPr id="9" name="Picture 8">
-            <a:extLst>
-              <a:ext uri="{FF2B5EF4-FFF2-40B4-BE49-F238E27FC236}">
-                <a16:creationId xmlns:a16="http://schemas.microsoft.com/office/drawing/2014/main" id="{6095ED9D-25ED-4DEB-A407-3FBB0AFCA08D}"/>
+          <p:cNvPr id="7" name="Picture 6">
+            <a:extLst>
+              <a:ext uri="{FF2B5EF4-FFF2-40B4-BE49-F238E27FC236}">
+                <a16:creationId xmlns:a16="http://schemas.microsoft.com/office/drawing/2014/main" id="{B638EC79-A196-4F2E-B0E9-829864B31C59}"/>
               </a:ext>
             </a:extLst>
           </p:cNvPr>
@@ -21928,61 +21642,55 @@
           </p:cNvPicPr>
           <p:nvPr/>
         </p:nvPicPr>
+        <p:blipFill rotWithShape="1">
+          <a:blip r:embed="rId3"/>
+          <a:srcRect l="13153" r="11114"/>
+          <a:stretch/>
+        </p:blipFill>
+        <p:spPr>
+          <a:xfrm>
+            <a:off x="8991600" y="1674254"/>
+            <a:ext cx="2077648" cy="662997"/>
+          </a:xfrm>
+          <a:prstGeom prst="rect">
+            <a:avLst/>
+          </a:prstGeom>
+        </p:spPr>
+      </p:pic>
+      <p:pic>
+        <p:nvPicPr>
+          <p:cNvPr id="12" name="Picture 11">
+            <a:extLst>
+              <a:ext uri="{FF2B5EF4-FFF2-40B4-BE49-F238E27FC236}">
+                <a16:creationId xmlns:a16="http://schemas.microsoft.com/office/drawing/2014/main" id="{A8CD6388-60C5-4BCF-9CC6-8AD28E909897}"/>
+              </a:ext>
+            </a:extLst>
+          </p:cNvPr>
+          <p:cNvPicPr>
+            <a:picLocks noChangeAspect="1"/>
+          </p:cNvPicPr>
+          <p:nvPr/>
+        </p:nvPicPr>
         <p:blipFill>
-          <a:blip r:embed="rId3"/>
+          <a:blip r:embed="rId4"/>
           <a:stretch>
             <a:fillRect/>
           </a:stretch>
         </p:blipFill>
         <p:spPr>
           <a:xfrm>
-            <a:off x="2895600" y="3030144"/>
-            <a:ext cx="5974598" cy="1059272"/>
+            <a:off x="2806460" y="3743691"/>
+            <a:ext cx="5052498" cy="1630821"/>
           </a:xfrm>
           <a:prstGeom prst="rect">
             <a:avLst/>
           </a:prstGeom>
         </p:spPr>
       </p:pic>
-      <p:sp>
-        <p:nvSpPr>
-          <p:cNvPr id="12" name="תיבת טקסט 9">
-            <a:extLst>
-              <a:ext uri="{FF2B5EF4-FFF2-40B4-BE49-F238E27FC236}">
-                <a16:creationId xmlns:a16="http://schemas.microsoft.com/office/drawing/2014/main" id="{65597DAF-B71D-475D-B03A-44A00CB7BA00}"/>
-              </a:ext>
-            </a:extLst>
-          </p:cNvPr>
-          <p:cNvSpPr txBox="1"/>
-          <p:nvPr/>
-        </p:nvSpPr>
-        <p:spPr>
-          <a:xfrm>
-            <a:off x="2803328" y="4196042"/>
-            <a:ext cx="9129622" cy="307777"/>
-          </a:xfrm>
-          <a:prstGeom prst="rect">
-            <a:avLst/>
-          </a:prstGeom>
-          <a:noFill/>
-        </p:spPr>
-        <p:txBody>
-          <a:bodyPr wrap="square">
-            <a:spAutoFit/>
-          </a:bodyPr>
-          <a:lstStyle/>
-          <a:p>
-            <a:r>
-              <a:rPr lang="en-US" sz="1400" dirty="0"/>
-              <a:t>Notice the normal from here.</a:t>
-            </a:r>
-          </a:p>
-        </p:txBody>
-      </p:sp>
     </p:spTree>
     <p:extLst>
       <p:ext uri="{BB962C8B-B14F-4D97-AF65-F5344CB8AC3E}">
-        <p14:creationId xmlns:p14="http://schemas.microsoft.com/office/powerpoint/2010/main" val="1270449372"/>
+        <p14:creationId xmlns:p14="http://schemas.microsoft.com/office/powerpoint/2010/main" val="3461868384"/>
       </p:ext>
     </p:extLst>
   </p:cSld>
@@ -22048,6 +21756,735 @@
                 <a:latin typeface="Trebuchet MS"/>
                 <a:cs typeface="Trebuchet MS"/>
               </a:rPr>
+              <a:t>Python Try Except</a:t>
+            </a:r>
+          </a:p>
+        </p:txBody>
+      </p:sp>
+      <p:sp>
+        <p:nvSpPr>
+          <p:cNvPr id="8" name="object 3">
+            <a:extLst>
+              <a:ext uri="{FF2B5EF4-FFF2-40B4-BE49-F238E27FC236}">
+                <a16:creationId xmlns:a16="http://schemas.microsoft.com/office/drawing/2014/main" id="{F616E044-87B4-4BFF-A22F-890CA709EC6C}"/>
+              </a:ext>
+            </a:extLst>
+          </p:cNvPr>
+          <p:cNvSpPr txBox="1"/>
+          <p:nvPr/>
+        </p:nvSpPr>
+        <p:spPr>
+          <a:xfrm>
+            <a:off x="2895600" y="609600"/>
+            <a:ext cx="8561705" cy="228268"/>
+          </a:xfrm>
+          <a:prstGeom prst="rect">
+            <a:avLst/>
+          </a:prstGeom>
+        </p:spPr>
+        <p:txBody>
+          <a:bodyPr vert="horz" wrap="square" lIns="0" tIns="12700" rIns="0" bIns="0" rtlCol="0">
+            <a:spAutoFit/>
+          </a:bodyPr>
+          <a:lstStyle/>
+          <a:p>
+            <a:pPr algn="l" fontAlgn="base"/>
+            <a:endParaRPr lang="en-US" sz="1400" b="1" i="0" dirty="0">
+              <a:effectLst/>
+              <a:latin typeface="var(--font-din)"/>
+            </a:endParaRPr>
+          </a:p>
+        </p:txBody>
+      </p:sp>
+      <p:sp>
+        <p:nvSpPr>
+          <p:cNvPr id="10" name="תיבת טקסט 9">
+            <a:extLst>
+              <a:ext uri="{FF2B5EF4-FFF2-40B4-BE49-F238E27FC236}">
+                <a16:creationId xmlns:a16="http://schemas.microsoft.com/office/drawing/2014/main" id="{18AC4B54-B5F4-474E-9673-04DCF759462F}"/>
+              </a:ext>
+            </a:extLst>
+          </p:cNvPr>
+          <p:cNvSpPr txBox="1"/>
+          <p:nvPr/>
+        </p:nvSpPr>
+        <p:spPr>
+          <a:xfrm>
+            <a:off x="2743200" y="441950"/>
+            <a:ext cx="9129622" cy="307777"/>
+          </a:xfrm>
+          <a:prstGeom prst="rect">
+            <a:avLst/>
+          </a:prstGeom>
+          <a:noFill/>
+        </p:spPr>
+        <p:txBody>
+          <a:bodyPr wrap="square">
+            <a:spAutoFit/>
+          </a:bodyPr>
+          <a:lstStyle/>
+          <a:p>
+            <a:r>
+              <a:rPr lang="en-US" sz="1400" dirty="0"/>
+              <a:t>The finally block, if specified, will be executed regardless if the try block raises an error or not.</a:t>
+            </a:r>
+          </a:p>
+        </p:txBody>
+      </p:sp>
+      <p:sp>
+        <p:nvSpPr>
+          <p:cNvPr id="14" name="תיבת טקסט 9">
+            <a:extLst>
+              <a:ext uri="{FF2B5EF4-FFF2-40B4-BE49-F238E27FC236}">
+                <a16:creationId xmlns:a16="http://schemas.microsoft.com/office/drawing/2014/main" id="{71E74AD8-3B44-4664-AC71-7DA9CCD03477}"/>
+              </a:ext>
+            </a:extLst>
+          </p:cNvPr>
+          <p:cNvSpPr txBox="1"/>
+          <p:nvPr/>
+        </p:nvSpPr>
+        <p:spPr>
+          <a:xfrm>
+            <a:off x="2887166" y="2293852"/>
+            <a:ext cx="9129622" cy="307777"/>
+          </a:xfrm>
+          <a:prstGeom prst="rect">
+            <a:avLst/>
+          </a:prstGeom>
+          <a:noFill/>
+        </p:spPr>
+        <p:txBody>
+          <a:bodyPr wrap="square">
+            <a:spAutoFit/>
+          </a:bodyPr>
+          <a:lstStyle/>
+          <a:p>
+            <a:r>
+              <a:rPr lang="en-US" sz="1400" dirty="0"/>
+              <a:t>This can be useful to close objects and clean up resources:</a:t>
+            </a:r>
+          </a:p>
+        </p:txBody>
+      </p:sp>
+      <p:pic>
+        <p:nvPicPr>
+          <p:cNvPr id="5" name="Picture 4">
+            <a:extLst>
+              <a:ext uri="{FF2B5EF4-FFF2-40B4-BE49-F238E27FC236}">
+                <a16:creationId xmlns:a16="http://schemas.microsoft.com/office/drawing/2014/main" id="{7FEEA4C7-1608-43AF-8E13-C76A78ADFD12}"/>
+              </a:ext>
+            </a:extLst>
+          </p:cNvPr>
+          <p:cNvPicPr>
+            <a:picLocks noChangeAspect="1"/>
+          </p:cNvPicPr>
+          <p:nvPr/>
+        </p:nvPicPr>
+        <p:blipFill>
+          <a:blip r:embed="rId2"/>
+          <a:stretch>
+            <a:fillRect/>
+          </a:stretch>
+        </p:blipFill>
+        <p:spPr>
+          <a:xfrm>
+            <a:off x="2887166" y="865950"/>
+            <a:ext cx="4313294" cy="1333616"/>
+          </a:xfrm>
+          <a:prstGeom prst="rect">
+            <a:avLst/>
+          </a:prstGeom>
+        </p:spPr>
+      </p:pic>
+      <p:pic>
+        <p:nvPicPr>
+          <p:cNvPr id="9" name="Picture 8">
+            <a:extLst>
+              <a:ext uri="{FF2B5EF4-FFF2-40B4-BE49-F238E27FC236}">
+                <a16:creationId xmlns:a16="http://schemas.microsoft.com/office/drawing/2014/main" id="{251FBC09-0370-440B-9DE3-1657F8A77AD1}"/>
+              </a:ext>
+            </a:extLst>
+          </p:cNvPr>
+          <p:cNvPicPr>
+            <a:picLocks noChangeAspect="1"/>
+          </p:cNvPicPr>
+          <p:nvPr/>
+        </p:nvPicPr>
+        <p:blipFill rotWithShape="1">
+          <a:blip r:embed="rId3"/>
+          <a:srcRect l="122" t="-7469" r="19665" b="7469"/>
+          <a:stretch/>
+        </p:blipFill>
+        <p:spPr>
+          <a:xfrm>
+            <a:off x="7308011" y="833471"/>
+            <a:ext cx="3740989" cy="769687"/>
+          </a:xfrm>
+          <a:prstGeom prst="rect">
+            <a:avLst/>
+          </a:prstGeom>
+        </p:spPr>
+      </p:pic>
+      <p:pic>
+        <p:nvPicPr>
+          <p:cNvPr id="13" name="Picture 12">
+            <a:extLst>
+              <a:ext uri="{FF2B5EF4-FFF2-40B4-BE49-F238E27FC236}">
+                <a16:creationId xmlns:a16="http://schemas.microsoft.com/office/drawing/2014/main" id="{1916B2C9-5CCB-42AC-8411-AF71E147DA70}"/>
+              </a:ext>
+            </a:extLst>
+          </p:cNvPr>
+          <p:cNvPicPr>
+            <a:picLocks noChangeAspect="1"/>
+          </p:cNvPicPr>
+          <p:nvPr/>
+        </p:nvPicPr>
+        <p:blipFill>
+          <a:blip r:embed="rId4"/>
+          <a:stretch>
+            <a:fillRect/>
+          </a:stretch>
+        </p:blipFill>
+        <p:spPr>
+          <a:xfrm>
+            <a:off x="2971800" y="2695915"/>
+            <a:ext cx="5113463" cy="1676545"/>
+          </a:xfrm>
+          <a:prstGeom prst="rect">
+            <a:avLst/>
+          </a:prstGeom>
+        </p:spPr>
+      </p:pic>
+    </p:spTree>
+    <p:extLst>
+      <p:ext uri="{BB962C8B-B14F-4D97-AF65-F5344CB8AC3E}">
+        <p14:creationId xmlns:p14="http://schemas.microsoft.com/office/powerpoint/2010/main" val="553612727"/>
+      </p:ext>
+    </p:extLst>
+  </p:cSld>
+  <p:clrMapOvr>
+    <a:masterClrMapping/>
+  </p:clrMapOvr>
+</p:sld>
+</file>
+
+<file path=ppt/slides/slide85.xml><?xml version="1.0" encoding="utf-8"?>
+<p:sld xmlns:a="http://schemas.openxmlformats.org/drawingml/2006/main" xmlns:r="http://schemas.openxmlformats.org/officeDocument/2006/relationships" xmlns:p="http://schemas.openxmlformats.org/presentationml/2006/main">
+  <p:cSld>
+    <p:spTree>
+      <p:nvGrpSpPr>
+        <p:cNvPr id="1" name=""/>
+        <p:cNvGrpSpPr/>
+        <p:nvPr/>
+      </p:nvGrpSpPr>
+      <p:grpSpPr>
+        <a:xfrm>
+          <a:off x="0" y="0"/>
+          <a:ext cx="0" cy="0"/>
+          <a:chOff x="0" y="0"/>
+          <a:chExt cx="0" cy="0"/>
+        </a:xfrm>
+      </p:grpSpPr>
+      <p:sp>
+        <p:nvSpPr>
+          <p:cNvPr id="2" name="object 2"/>
+          <p:cNvSpPr txBox="1"/>
+          <p:nvPr/>
+        </p:nvSpPr>
+        <p:spPr>
+          <a:xfrm>
+            <a:off x="2806460" y="86208"/>
+            <a:ext cx="10210800" cy="382156"/>
+          </a:xfrm>
+          <a:prstGeom prst="rect">
+            <a:avLst/>
+          </a:prstGeom>
+        </p:spPr>
+        <p:txBody>
+          <a:bodyPr vert="horz" wrap="square" lIns="0" tIns="12700" rIns="0" bIns="0" rtlCol="0">
+            <a:spAutoFit/>
+          </a:bodyPr>
+          <a:lstStyle/>
+          <a:p>
+            <a:pPr marL="12700">
+              <a:lnSpc>
+                <a:spcPct val="100000"/>
+              </a:lnSpc>
+              <a:spcBef>
+                <a:spcPts val="100"/>
+              </a:spcBef>
+            </a:pPr>
+            <a:r>
+              <a:rPr lang="en-US" sz="2400" dirty="0">
+                <a:solidFill>
+                  <a:schemeClr val="accent1">
+                    <a:lumMod val="75000"/>
+                  </a:schemeClr>
+                </a:solidFill>
+                <a:latin typeface="Trebuchet MS"/>
+                <a:cs typeface="Trebuchet MS"/>
+              </a:rPr>
+              <a:t>Raise an exception</a:t>
+            </a:r>
+          </a:p>
+        </p:txBody>
+      </p:sp>
+      <p:sp>
+        <p:nvSpPr>
+          <p:cNvPr id="8" name="object 3">
+            <a:extLst>
+              <a:ext uri="{FF2B5EF4-FFF2-40B4-BE49-F238E27FC236}">
+                <a16:creationId xmlns:a16="http://schemas.microsoft.com/office/drawing/2014/main" id="{F616E044-87B4-4BFF-A22F-890CA709EC6C}"/>
+              </a:ext>
+            </a:extLst>
+          </p:cNvPr>
+          <p:cNvSpPr txBox="1"/>
+          <p:nvPr/>
+        </p:nvSpPr>
+        <p:spPr>
+          <a:xfrm>
+            <a:off x="2895600" y="609600"/>
+            <a:ext cx="8561705" cy="228268"/>
+          </a:xfrm>
+          <a:prstGeom prst="rect">
+            <a:avLst/>
+          </a:prstGeom>
+        </p:spPr>
+        <p:txBody>
+          <a:bodyPr vert="horz" wrap="square" lIns="0" tIns="12700" rIns="0" bIns="0" rtlCol="0">
+            <a:spAutoFit/>
+          </a:bodyPr>
+          <a:lstStyle/>
+          <a:p>
+            <a:pPr algn="l" fontAlgn="base"/>
+            <a:endParaRPr lang="en-US" sz="1400" b="1" i="0" dirty="0">
+              <a:effectLst/>
+              <a:latin typeface="var(--font-din)"/>
+            </a:endParaRPr>
+          </a:p>
+        </p:txBody>
+      </p:sp>
+      <p:sp>
+        <p:nvSpPr>
+          <p:cNvPr id="10" name="תיבת טקסט 9">
+            <a:extLst>
+              <a:ext uri="{FF2B5EF4-FFF2-40B4-BE49-F238E27FC236}">
+                <a16:creationId xmlns:a16="http://schemas.microsoft.com/office/drawing/2014/main" id="{18AC4B54-B5F4-474E-9673-04DCF759462F}"/>
+              </a:ext>
+            </a:extLst>
+          </p:cNvPr>
+          <p:cNvSpPr txBox="1"/>
+          <p:nvPr/>
+        </p:nvSpPr>
+        <p:spPr>
+          <a:xfrm>
+            <a:off x="2743200" y="441950"/>
+            <a:ext cx="9129622" cy="738664"/>
+          </a:xfrm>
+          <a:prstGeom prst="rect">
+            <a:avLst/>
+          </a:prstGeom>
+          <a:noFill/>
+        </p:spPr>
+        <p:txBody>
+          <a:bodyPr wrap="square">
+            <a:spAutoFit/>
+          </a:bodyPr>
+          <a:lstStyle/>
+          <a:p>
+            <a:r>
+              <a:rPr lang="en-US" sz="1400" dirty="0"/>
+              <a:t>As a Python developer you can choose to throw an exception if a condition occurs.</a:t>
+            </a:r>
+          </a:p>
+          <a:p>
+            <a:endParaRPr lang="en-US" sz="1400" dirty="0"/>
+          </a:p>
+          <a:p>
+            <a:r>
+              <a:rPr lang="en-US" sz="1400" dirty="0"/>
+              <a:t>To throw (or raise) an exception, use the raise keyword</a:t>
+            </a:r>
+          </a:p>
+        </p:txBody>
+      </p:sp>
+      <p:sp>
+        <p:nvSpPr>
+          <p:cNvPr id="14" name="תיבת טקסט 9">
+            <a:extLst>
+              <a:ext uri="{FF2B5EF4-FFF2-40B4-BE49-F238E27FC236}">
+                <a16:creationId xmlns:a16="http://schemas.microsoft.com/office/drawing/2014/main" id="{71E74AD8-3B44-4664-AC71-7DA9CCD03477}"/>
+              </a:ext>
+            </a:extLst>
+          </p:cNvPr>
+          <p:cNvSpPr txBox="1"/>
+          <p:nvPr/>
+        </p:nvSpPr>
+        <p:spPr>
+          <a:xfrm>
+            <a:off x="2776603" y="2956735"/>
+            <a:ext cx="9129622" cy="738664"/>
+          </a:xfrm>
+          <a:prstGeom prst="rect">
+            <a:avLst/>
+          </a:prstGeom>
+          <a:noFill/>
+        </p:spPr>
+        <p:txBody>
+          <a:bodyPr wrap="square">
+            <a:spAutoFit/>
+          </a:bodyPr>
+          <a:lstStyle/>
+          <a:p>
+            <a:r>
+              <a:rPr lang="en-US" sz="1400" dirty="0"/>
+              <a:t>The raise keyword is used to raise an exception.</a:t>
+            </a:r>
+          </a:p>
+          <a:p>
+            <a:endParaRPr lang="en-US" sz="1400" dirty="0"/>
+          </a:p>
+          <a:p>
+            <a:r>
+              <a:rPr lang="en-US" sz="1400" dirty="0"/>
+              <a:t>You can define what kind of error to raise, and the text to print to the user.</a:t>
+            </a:r>
+          </a:p>
+        </p:txBody>
+      </p:sp>
+      <p:pic>
+        <p:nvPicPr>
+          <p:cNvPr id="4" name="Picture 3">
+            <a:extLst>
+              <a:ext uri="{FF2B5EF4-FFF2-40B4-BE49-F238E27FC236}">
+                <a16:creationId xmlns:a16="http://schemas.microsoft.com/office/drawing/2014/main" id="{2867C4A7-3BFE-48CE-B9FA-0FA6480E9134}"/>
+              </a:ext>
+            </a:extLst>
+          </p:cNvPr>
+          <p:cNvPicPr>
+            <a:picLocks noChangeAspect="1"/>
+          </p:cNvPicPr>
+          <p:nvPr/>
+        </p:nvPicPr>
+        <p:blipFill>
+          <a:blip r:embed="rId2"/>
+          <a:stretch>
+            <a:fillRect/>
+          </a:stretch>
+        </p:blipFill>
+        <p:spPr>
+          <a:xfrm>
+            <a:off x="2826293" y="1321850"/>
+            <a:ext cx="5311600" cy="1493649"/>
+          </a:xfrm>
+          <a:prstGeom prst="rect">
+            <a:avLst/>
+          </a:prstGeom>
+        </p:spPr>
+      </p:pic>
+      <p:pic>
+        <p:nvPicPr>
+          <p:cNvPr id="7" name="Picture 6">
+            <a:extLst>
+              <a:ext uri="{FF2B5EF4-FFF2-40B4-BE49-F238E27FC236}">
+                <a16:creationId xmlns:a16="http://schemas.microsoft.com/office/drawing/2014/main" id="{CE0705AF-AF76-4173-9744-2BB49CA52176}"/>
+              </a:ext>
+            </a:extLst>
+          </p:cNvPr>
+          <p:cNvPicPr>
+            <a:picLocks noChangeAspect="1"/>
+          </p:cNvPicPr>
+          <p:nvPr/>
+        </p:nvPicPr>
+        <p:blipFill>
+          <a:blip r:embed="rId3"/>
+          <a:stretch>
+            <a:fillRect/>
+          </a:stretch>
+        </p:blipFill>
+        <p:spPr>
+          <a:xfrm>
+            <a:off x="2867416" y="3962400"/>
+            <a:ext cx="5098222" cy="1432684"/>
+          </a:xfrm>
+          <a:prstGeom prst="rect">
+            <a:avLst/>
+          </a:prstGeom>
+        </p:spPr>
+      </p:pic>
+    </p:spTree>
+    <p:extLst>
+      <p:ext uri="{BB962C8B-B14F-4D97-AF65-F5344CB8AC3E}">
+        <p14:creationId xmlns:p14="http://schemas.microsoft.com/office/powerpoint/2010/main" val="2793353998"/>
+      </p:ext>
+    </p:extLst>
+  </p:cSld>
+  <p:clrMapOvr>
+    <a:masterClrMapping/>
+  </p:clrMapOvr>
+</p:sld>
+</file>
+
+<file path=ppt/slides/slide86.xml><?xml version="1.0" encoding="utf-8"?>
+<p:sld xmlns:a="http://schemas.openxmlformats.org/drawingml/2006/main" xmlns:r="http://schemas.openxmlformats.org/officeDocument/2006/relationships" xmlns:p="http://schemas.openxmlformats.org/presentationml/2006/main">
+  <p:cSld>
+    <p:spTree>
+      <p:nvGrpSpPr>
+        <p:cNvPr id="1" name=""/>
+        <p:cNvGrpSpPr/>
+        <p:nvPr/>
+      </p:nvGrpSpPr>
+      <p:grpSpPr>
+        <a:xfrm>
+          <a:off x="0" y="0"/>
+          <a:ext cx="0" cy="0"/>
+          <a:chOff x="0" y="0"/>
+          <a:chExt cx="0" cy="0"/>
+        </a:xfrm>
+      </p:grpSpPr>
+      <p:sp>
+        <p:nvSpPr>
+          <p:cNvPr id="2" name="object 2"/>
+          <p:cNvSpPr txBox="1"/>
+          <p:nvPr/>
+        </p:nvSpPr>
+        <p:spPr>
+          <a:xfrm>
+            <a:off x="2806460" y="86208"/>
+            <a:ext cx="10210800" cy="382156"/>
+          </a:xfrm>
+          <a:prstGeom prst="rect">
+            <a:avLst/>
+          </a:prstGeom>
+        </p:spPr>
+        <p:txBody>
+          <a:bodyPr vert="horz" wrap="square" lIns="0" tIns="12700" rIns="0" bIns="0" rtlCol="0">
+            <a:spAutoFit/>
+          </a:bodyPr>
+          <a:lstStyle/>
+          <a:p>
+            <a:pPr marL="12700">
+              <a:lnSpc>
+                <a:spcPct val="100000"/>
+              </a:lnSpc>
+              <a:spcBef>
+                <a:spcPts val="100"/>
+              </a:spcBef>
+            </a:pPr>
+            <a:r>
+              <a:rPr lang="en-US" sz="2400" dirty="0">
+                <a:solidFill>
+                  <a:schemeClr val="accent1">
+                    <a:lumMod val="75000"/>
+                  </a:schemeClr>
+                </a:solidFill>
+                <a:latin typeface="Trebuchet MS"/>
+                <a:cs typeface="Trebuchet MS"/>
+              </a:rPr>
+              <a:t>catch all exceptions</a:t>
+            </a:r>
+          </a:p>
+        </p:txBody>
+      </p:sp>
+      <p:sp>
+        <p:nvSpPr>
+          <p:cNvPr id="8" name="object 3">
+            <a:extLst>
+              <a:ext uri="{FF2B5EF4-FFF2-40B4-BE49-F238E27FC236}">
+                <a16:creationId xmlns:a16="http://schemas.microsoft.com/office/drawing/2014/main" id="{F616E044-87B4-4BFF-A22F-890CA709EC6C}"/>
+              </a:ext>
+            </a:extLst>
+          </p:cNvPr>
+          <p:cNvSpPr txBox="1"/>
+          <p:nvPr/>
+        </p:nvSpPr>
+        <p:spPr>
+          <a:xfrm>
+            <a:off x="2895600" y="609600"/>
+            <a:ext cx="8561705" cy="228268"/>
+          </a:xfrm>
+          <a:prstGeom prst="rect">
+            <a:avLst/>
+          </a:prstGeom>
+        </p:spPr>
+        <p:txBody>
+          <a:bodyPr vert="horz" wrap="square" lIns="0" tIns="12700" rIns="0" bIns="0" rtlCol="0">
+            <a:spAutoFit/>
+          </a:bodyPr>
+          <a:lstStyle/>
+          <a:p>
+            <a:pPr algn="l" fontAlgn="base"/>
+            <a:endParaRPr lang="en-US" sz="1400" b="1" i="0" dirty="0">
+              <a:effectLst/>
+              <a:latin typeface="var(--font-din)"/>
+            </a:endParaRPr>
+          </a:p>
+        </p:txBody>
+      </p:sp>
+      <p:pic>
+        <p:nvPicPr>
+          <p:cNvPr id="5" name="Picture 4">
+            <a:extLst>
+              <a:ext uri="{FF2B5EF4-FFF2-40B4-BE49-F238E27FC236}">
+                <a16:creationId xmlns:a16="http://schemas.microsoft.com/office/drawing/2014/main" id="{C3CD6730-24C3-4BDC-9AA6-345E64C20B5F}"/>
+              </a:ext>
+            </a:extLst>
+          </p:cNvPr>
+          <p:cNvPicPr>
+            <a:picLocks noChangeAspect="1"/>
+          </p:cNvPicPr>
+          <p:nvPr/>
+        </p:nvPicPr>
+        <p:blipFill>
+          <a:blip r:embed="rId2"/>
+          <a:stretch>
+            <a:fillRect/>
+          </a:stretch>
+        </p:blipFill>
+        <p:spPr>
+          <a:xfrm>
+            <a:off x="2806460" y="607454"/>
+            <a:ext cx="3505200" cy="2162175"/>
+          </a:xfrm>
+          <a:prstGeom prst="rect">
+            <a:avLst/>
+          </a:prstGeom>
+        </p:spPr>
+      </p:pic>
+      <p:pic>
+        <p:nvPicPr>
+          <p:cNvPr id="9" name="Picture 8">
+            <a:extLst>
+              <a:ext uri="{FF2B5EF4-FFF2-40B4-BE49-F238E27FC236}">
+                <a16:creationId xmlns:a16="http://schemas.microsoft.com/office/drawing/2014/main" id="{6095ED9D-25ED-4DEB-A407-3FBB0AFCA08D}"/>
+              </a:ext>
+            </a:extLst>
+          </p:cNvPr>
+          <p:cNvPicPr>
+            <a:picLocks noChangeAspect="1"/>
+          </p:cNvPicPr>
+          <p:nvPr/>
+        </p:nvPicPr>
+        <p:blipFill>
+          <a:blip r:embed="rId3"/>
+          <a:stretch>
+            <a:fillRect/>
+          </a:stretch>
+        </p:blipFill>
+        <p:spPr>
+          <a:xfrm>
+            <a:off x="2895600" y="3030144"/>
+            <a:ext cx="5974598" cy="1059272"/>
+          </a:xfrm>
+          <a:prstGeom prst="rect">
+            <a:avLst/>
+          </a:prstGeom>
+        </p:spPr>
+      </p:pic>
+      <p:sp>
+        <p:nvSpPr>
+          <p:cNvPr id="12" name="תיבת טקסט 9">
+            <a:extLst>
+              <a:ext uri="{FF2B5EF4-FFF2-40B4-BE49-F238E27FC236}">
+                <a16:creationId xmlns:a16="http://schemas.microsoft.com/office/drawing/2014/main" id="{65597DAF-B71D-475D-B03A-44A00CB7BA00}"/>
+              </a:ext>
+            </a:extLst>
+          </p:cNvPr>
+          <p:cNvSpPr txBox="1"/>
+          <p:nvPr/>
+        </p:nvSpPr>
+        <p:spPr>
+          <a:xfrm>
+            <a:off x="2803328" y="4196042"/>
+            <a:ext cx="9129622" cy="307777"/>
+          </a:xfrm>
+          <a:prstGeom prst="rect">
+            <a:avLst/>
+          </a:prstGeom>
+          <a:noFill/>
+        </p:spPr>
+        <p:txBody>
+          <a:bodyPr wrap="square">
+            <a:spAutoFit/>
+          </a:bodyPr>
+          <a:lstStyle/>
+          <a:p>
+            <a:r>
+              <a:rPr lang="en-US" sz="1400" dirty="0"/>
+              <a:t>Notice the normal from here.</a:t>
+            </a:r>
+          </a:p>
+        </p:txBody>
+      </p:sp>
+    </p:spTree>
+    <p:extLst>
+      <p:ext uri="{BB962C8B-B14F-4D97-AF65-F5344CB8AC3E}">
+        <p14:creationId xmlns:p14="http://schemas.microsoft.com/office/powerpoint/2010/main" val="1270449372"/>
+      </p:ext>
+    </p:extLst>
+  </p:cSld>
+  <p:clrMapOvr>
+    <a:masterClrMapping/>
+  </p:clrMapOvr>
+</p:sld>
+</file>
+
+<file path=ppt/slides/slide87.xml><?xml version="1.0" encoding="utf-8"?>
+<p:sld xmlns:a="http://schemas.openxmlformats.org/drawingml/2006/main" xmlns:r="http://schemas.openxmlformats.org/officeDocument/2006/relationships" xmlns:p="http://schemas.openxmlformats.org/presentationml/2006/main">
+  <p:cSld>
+    <p:spTree>
+      <p:nvGrpSpPr>
+        <p:cNvPr id="1" name=""/>
+        <p:cNvGrpSpPr/>
+        <p:nvPr/>
+      </p:nvGrpSpPr>
+      <p:grpSpPr>
+        <a:xfrm>
+          <a:off x="0" y="0"/>
+          <a:ext cx="0" cy="0"/>
+          <a:chOff x="0" y="0"/>
+          <a:chExt cx="0" cy="0"/>
+        </a:xfrm>
+      </p:grpSpPr>
+      <p:sp>
+        <p:nvSpPr>
+          <p:cNvPr id="2" name="object 2"/>
+          <p:cNvSpPr txBox="1"/>
+          <p:nvPr/>
+        </p:nvSpPr>
+        <p:spPr>
+          <a:xfrm>
+            <a:off x="2806460" y="86208"/>
+            <a:ext cx="10210800" cy="382156"/>
+          </a:xfrm>
+          <a:prstGeom prst="rect">
+            <a:avLst/>
+          </a:prstGeom>
+        </p:spPr>
+        <p:txBody>
+          <a:bodyPr vert="horz" wrap="square" lIns="0" tIns="12700" rIns="0" bIns="0" rtlCol="0">
+            <a:spAutoFit/>
+          </a:bodyPr>
+          <a:lstStyle/>
+          <a:p>
+            <a:pPr marL="12700">
+              <a:lnSpc>
+                <a:spcPct val="100000"/>
+              </a:lnSpc>
+              <a:spcBef>
+                <a:spcPts val="100"/>
+              </a:spcBef>
+            </a:pPr>
+            <a:r>
+              <a:rPr lang="en-US" sz="2400" dirty="0">
+                <a:solidFill>
+                  <a:schemeClr val="accent1">
+                    <a:lumMod val="75000"/>
+                  </a:schemeClr>
+                </a:solidFill>
+                <a:latin typeface="Trebuchet MS"/>
+                <a:cs typeface="Trebuchet MS"/>
+              </a:rPr>
               <a:t>Python User Input</a:t>
             </a:r>
           </a:p>
@@ -22166,7 +22603,7 @@
 </p:sld>
 </file>
 
-<file path=ppt/slides/slide85.xml><?xml version="1.0" encoding="utf-8"?>
+<file path=ppt/slides/slide88.xml><?xml version="1.0" encoding="utf-8"?>
 <p:sld xmlns:a="http://schemas.openxmlformats.org/drawingml/2006/main" xmlns:r="http://schemas.openxmlformats.org/officeDocument/2006/relationships" xmlns:p="http://schemas.openxmlformats.org/presentationml/2006/main">
   <p:cSld>
     <p:spTree>
